--- a/introToGitAndGithub.pptx
+++ b/introToGitAndGithub.pptx
@@ -4,8 +4,22 @@
   <p:sldMasterIdLst>
     <p:sldMasterId id="2147483648" r:id="rId1"/>
   </p:sldMasterIdLst>
+  <p:notesMasterIdLst>
+    <p:notesMasterId r:id="rId14"/>
+  </p:notesMasterIdLst>
   <p:sldIdLst>
     <p:sldId id="256" r:id="rId2"/>
+    <p:sldId id="257" r:id="rId3"/>
+    <p:sldId id="269" r:id="rId4"/>
+    <p:sldId id="268" r:id="rId5"/>
+    <p:sldId id="270" r:id="rId6"/>
+    <p:sldId id="259" r:id="rId7"/>
+    <p:sldId id="261" r:id="rId8"/>
+    <p:sldId id="262" r:id="rId9"/>
+    <p:sldId id="263" r:id="rId10"/>
+    <p:sldId id="260" r:id="rId11"/>
+    <p:sldId id="264" r:id="rId12"/>
+    <p:sldId id="265" r:id="rId13"/>
   </p:sldIdLst>
   <p:sldSz cx="12192000" cy="6858000"/>
   <p:notesSz cx="6858000" cy="9144000"/>
@@ -104,7 +118,688 @@
       </a:defRPr>
     </a:lvl9pPr>
   </p:defaultTextStyle>
+  <p:extLst>
+    <p:ext uri="{EFAFB233-063F-42B5-8137-9DF3F51BA10A}">
+      <p15:sldGuideLst xmlns:p15="http://schemas.microsoft.com/office/powerpoint/2012/main"/>
+    </p:ext>
+  </p:extLst>
 </p:presentation>
+</file>
+
+<file path=ppt/notesMasters/notesMaster1.xml><?xml version="1.0" encoding="utf-8"?>
+<p:notesMaster xmlns:a="http://schemas.openxmlformats.org/drawingml/2006/main" xmlns:r="http://schemas.openxmlformats.org/officeDocument/2006/relationships" xmlns:p="http://schemas.openxmlformats.org/presentationml/2006/main">
+  <p:cSld>
+    <p:bg>
+      <p:bgRef idx="1001">
+        <a:schemeClr val="bg1"/>
+      </p:bgRef>
+    </p:bg>
+    <p:spTree>
+      <p:nvGrpSpPr>
+        <p:cNvPr id="1" name=""/>
+        <p:cNvGrpSpPr/>
+        <p:nvPr/>
+      </p:nvGrpSpPr>
+      <p:grpSpPr>
+        <a:xfrm>
+          <a:off x="0" y="0"/>
+          <a:ext cx="0" cy="0"/>
+          <a:chOff x="0" y="0"/>
+          <a:chExt cx="0" cy="0"/>
+        </a:xfrm>
+      </p:grpSpPr>
+      <p:sp>
+        <p:nvSpPr>
+          <p:cNvPr id="2" name="Header Placeholder 1"/>
+          <p:cNvSpPr>
+            <a:spLocks noGrp="1"/>
+          </p:cNvSpPr>
+          <p:nvPr>
+            <p:ph type="hdr" sz="quarter"/>
+          </p:nvPr>
+        </p:nvSpPr>
+        <p:spPr>
+          <a:xfrm>
+            <a:off x="0" y="0"/>
+            <a:ext cx="2971800" cy="458788"/>
+          </a:xfrm>
+          <a:prstGeom prst="rect">
+            <a:avLst/>
+          </a:prstGeom>
+        </p:spPr>
+        <p:txBody>
+          <a:bodyPr vert="horz" lIns="91440" tIns="45720" rIns="91440" bIns="45720" rtlCol="0"/>
+          <a:lstStyle>
+            <a:lvl1pPr algn="l">
+              <a:defRPr sz="1200"/>
+            </a:lvl1pPr>
+          </a:lstStyle>
+          <a:p>
+            <a:endParaRPr lang="en-US"/>
+          </a:p>
+        </p:txBody>
+      </p:sp>
+      <p:sp>
+        <p:nvSpPr>
+          <p:cNvPr id="3" name="Date Placeholder 2"/>
+          <p:cNvSpPr>
+            <a:spLocks noGrp="1"/>
+          </p:cNvSpPr>
+          <p:nvPr>
+            <p:ph type="dt" idx="1"/>
+          </p:nvPr>
+        </p:nvSpPr>
+        <p:spPr>
+          <a:xfrm>
+            <a:off x="3884613" y="0"/>
+            <a:ext cx="2971800" cy="458788"/>
+          </a:xfrm>
+          <a:prstGeom prst="rect">
+            <a:avLst/>
+          </a:prstGeom>
+        </p:spPr>
+        <p:txBody>
+          <a:bodyPr vert="horz" lIns="91440" tIns="45720" rIns="91440" bIns="45720" rtlCol="0"/>
+          <a:lstStyle>
+            <a:lvl1pPr algn="r">
+              <a:defRPr sz="1200"/>
+            </a:lvl1pPr>
+          </a:lstStyle>
+          <a:p>
+            <a:fld id="{8E28DB44-1A41-41F5-A7FF-D6A3B2141147}" type="datetimeFigureOut">
+              <a:rPr lang="en-US" smtClean="0"/>
+              <a:t>10/31/2024</a:t>
+            </a:fld>
+            <a:endParaRPr lang="en-US"/>
+          </a:p>
+        </p:txBody>
+      </p:sp>
+      <p:sp>
+        <p:nvSpPr>
+          <p:cNvPr id="4" name="Slide Image Placeholder 3"/>
+          <p:cNvSpPr>
+            <a:spLocks noGrp="1" noRot="1" noChangeAspect="1"/>
+          </p:cNvSpPr>
+          <p:nvPr>
+            <p:ph type="sldImg" idx="2"/>
+          </p:nvPr>
+        </p:nvSpPr>
+        <p:spPr>
+          <a:xfrm>
+            <a:off x="685800" y="1143000"/>
+            <a:ext cx="5486400" cy="3086100"/>
+          </a:xfrm>
+          <a:prstGeom prst="rect">
+            <a:avLst/>
+          </a:prstGeom>
+          <a:noFill/>
+          <a:ln w="12700">
+            <a:solidFill>
+              <a:prstClr val="black"/>
+            </a:solidFill>
+          </a:ln>
+        </p:spPr>
+        <p:txBody>
+          <a:bodyPr vert="horz" lIns="91440" tIns="45720" rIns="91440" bIns="45720" rtlCol="0" anchor="ctr"/>
+          <a:lstStyle/>
+          <a:p>
+            <a:endParaRPr lang="en-US"/>
+          </a:p>
+        </p:txBody>
+      </p:sp>
+      <p:sp>
+        <p:nvSpPr>
+          <p:cNvPr id="5" name="Notes Placeholder 4"/>
+          <p:cNvSpPr>
+            <a:spLocks noGrp="1"/>
+          </p:cNvSpPr>
+          <p:nvPr>
+            <p:ph type="body" sz="quarter" idx="3"/>
+          </p:nvPr>
+        </p:nvSpPr>
+        <p:spPr>
+          <a:xfrm>
+            <a:off x="685800" y="4400550"/>
+            <a:ext cx="5486400" cy="3600450"/>
+          </a:xfrm>
+          <a:prstGeom prst="rect">
+            <a:avLst/>
+          </a:prstGeom>
+        </p:spPr>
+        <p:txBody>
+          <a:bodyPr vert="horz" lIns="91440" tIns="45720" rIns="91440" bIns="45720" rtlCol="0"/>
+          <a:lstStyle/>
+          <a:p>
+            <a:pPr lvl="0"/>
+            <a:r>
+              <a:rPr lang="en-US"/>
+              <a:t>Click to edit Master text styles</a:t>
+            </a:r>
+          </a:p>
+          <a:p>
+            <a:pPr lvl="1"/>
+            <a:r>
+              <a:rPr lang="en-US"/>
+              <a:t>Second level</a:t>
+            </a:r>
+          </a:p>
+          <a:p>
+            <a:pPr lvl="2"/>
+            <a:r>
+              <a:rPr lang="en-US"/>
+              <a:t>Third level</a:t>
+            </a:r>
+          </a:p>
+          <a:p>
+            <a:pPr lvl="3"/>
+            <a:r>
+              <a:rPr lang="en-US"/>
+              <a:t>Fourth level</a:t>
+            </a:r>
+          </a:p>
+          <a:p>
+            <a:pPr lvl="4"/>
+            <a:r>
+              <a:rPr lang="en-US"/>
+              <a:t>Fifth level</a:t>
+            </a:r>
+          </a:p>
+        </p:txBody>
+      </p:sp>
+      <p:sp>
+        <p:nvSpPr>
+          <p:cNvPr id="6" name="Footer Placeholder 5"/>
+          <p:cNvSpPr>
+            <a:spLocks noGrp="1"/>
+          </p:cNvSpPr>
+          <p:nvPr>
+            <p:ph type="ftr" sz="quarter" idx="4"/>
+          </p:nvPr>
+        </p:nvSpPr>
+        <p:spPr>
+          <a:xfrm>
+            <a:off x="0" y="8685213"/>
+            <a:ext cx="2971800" cy="458787"/>
+          </a:xfrm>
+          <a:prstGeom prst="rect">
+            <a:avLst/>
+          </a:prstGeom>
+        </p:spPr>
+        <p:txBody>
+          <a:bodyPr vert="horz" lIns="91440" tIns="45720" rIns="91440" bIns="45720" rtlCol="0" anchor="b"/>
+          <a:lstStyle>
+            <a:lvl1pPr algn="l">
+              <a:defRPr sz="1200"/>
+            </a:lvl1pPr>
+          </a:lstStyle>
+          <a:p>
+            <a:endParaRPr lang="en-US"/>
+          </a:p>
+        </p:txBody>
+      </p:sp>
+      <p:sp>
+        <p:nvSpPr>
+          <p:cNvPr id="7" name="Slide Number Placeholder 6"/>
+          <p:cNvSpPr>
+            <a:spLocks noGrp="1"/>
+          </p:cNvSpPr>
+          <p:nvPr>
+            <p:ph type="sldNum" sz="quarter" idx="5"/>
+          </p:nvPr>
+        </p:nvSpPr>
+        <p:spPr>
+          <a:xfrm>
+            <a:off x="3884613" y="8685213"/>
+            <a:ext cx="2971800" cy="458787"/>
+          </a:xfrm>
+          <a:prstGeom prst="rect">
+            <a:avLst/>
+          </a:prstGeom>
+        </p:spPr>
+        <p:txBody>
+          <a:bodyPr vert="horz" lIns="91440" tIns="45720" rIns="91440" bIns="45720" rtlCol="0" anchor="b"/>
+          <a:lstStyle>
+            <a:lvl1pPr algn="r">
+              <a:defRPr sz="1200"/>
+            </a:lvl1pPr>
+          </a:lstStyle>
+          <a:p>
+            <a:fld id="{7C8619F3-AB59-49A4-8E2C-7A47171CF1BA}" type="slidenum">
+              <a:rPr lang="en-US" smtClean="0"/>
+              <a:t>‹#›</a:t>
+            </a:fld>
+            <a:endParaRPr lang="en-US"/>
+          </a:p>
+        </p:txBody>
+      </p:sp>
+    </p:spTree>
+    <p:extLst>
+      <p:ext uri="{BB962C8B-B14F-4D97-AF65-F5344CB8AC3E}">
+        <p14:creationId xmlns:p14="http://schemas.microsoft.com/office/powerpoint/2010/main" val="1088076719"/>
+      </p:ext>
+    </p:extLst>
+  </p:cSld>
+  <p:clrMap bg1="lt1" tx1="dk1" bg2="lt2" tx2="dk2" accent1="accent1" accent2="accent2" accent3="accent3" accent4="accent4" accent5="accent5" accent6="accent6" hlink="hlink" folHlink="folHlink"/>
+  <p:notesStyle>
+    <a:lvl1pPr marL="0" algn="l" defTabSz="914400" rtl="0" eaLnBrk="1" latinLnBrk="0" hangingPunct="1">
+      <a:defRPr sz="1200" kern="1200">
+        <a:solidFill>
+          <a:schemeClr val="tx1"/>
+        </a:solidFill>
+        <a:latin typeface="+mn-lt"/>
+        <a:ea typeface="+mn-ea"/>
+        <a:cs typeface="+mn-cs"/>
+      </a:defRPr>
+    </a:lvl1pPr>
+    <a:lvl2pPr marL="457200" algn="l" defTabSz="914400" rtl="0" eaLnBrk="1" latinLnBrk="0" hangingPunct="1">
+      <a:defRPr sz="1200" kern="1200">
+        <a:solidFill>
+          <a:schemeClr val="tx1"/>
+        </a:solidFill>
+        <a:latin typeface="+mn-lt"/>
+        <a:ea typeface="+mn-ea"/>
+        <a:cs typeface="+mn-cs"/>
+      </a:defRPr>
+    </a:lvl2pPr>
+    <a:lvl3pPr marL="914400" algn="l" defTabSz="914400" rtl="0" eaLnBrk="1" latinLnBrk="0" hangingPunct="1">
+      <a:defRPr sz="1200" kern="1200">
+        <a:solidFill>
+          <a:schemeClr val="tx1"/>
+        </a:solidFill>
+        <a:latin typeface="+mn-lt"/>
+        <a:ea typeface="+mn-ea"/>
+        <a:cs typeface="+mn-cs"/>
+      </a:defRPr>
+    </a:lvl3pPr>
+    <a:lvl4pPr marL="1371600" algn="l" defTabSz="914400" rtl="0" eaLnBrk="1" latinLnBrk="0" hangingPunct="1">
+      <a:defRPr sz="1200" kern="1200">
+        <a:solidFill>
+          <a:schemeClr val="tx1"/>
+        </a:solidFill>
+        <a:latin typeface="+mn-lt"/>
+        <a:ea typeface="+mn-ea"/>
+        <a:cs typeface="+mn-cs"/>
+      </a:defRPr>
+    </a:lvl4pPr>
+    <a:lvl5pPr marL="1828800" algn="l" defTabSz="914400" rtl="0" eaLnBrk="1" latinLnBrk="0" hangingPunct="1">
+      <a:defRPr sz="1200" kern="1200">
+        <a:solidFill>
+          <a:schemeClr val="tx1"/>
+        </a:solidFill>
+        <a:latin typeface="+mn-lt"/>
+        <a:ea typeface="+mn-ea"/>
+        <a:cs typeface="+mn-cs"/>
+      </a:defRPr>
+    </a:lvl5pPr>
+    <a:lvl6pPr marL="2286000" algn="l" defTabSz="914400" rtl="0" eaLnBrk="1" latinLnBrk="0" hangingPunct="1">
+      <a:defRPr sz="1200" kern="1200">
+        <a:solidFill>
+          <a:schemeClr val="tx1"/>
+        </a:solidFill>
+        <a:latin typeface="+mn-lt"/>
+        <a:ea typeface="+mn-ea"/>
+        <a:cs typeface="+mn-cs"/>
+      </a:defRPr>
+    </a:lvl6pPr>
+    <a:lvl7pPr marL="2743200" algn="l" defTabSz="914400" rtl="0" eaLnBrk="1" latinLnBrk="0" hangingPunct="1">
+      <a:defRPr sz="1200" kern="1200">
+        <a:solidFill>
+          <a:schemeClr val="tx1"/>
+        </a:solidFill>
+        <a:latin typeface="+mn-lt"/>
+        <a:ea typeface="+mn-ea"/>
+        <a:cs typeface="+mn-cs"/>
+      </a:defRPr>
+    </a:lvl7pPr>
+    <a:lvl8pPr marL="3200400" algn="l" defTabSz="914400" rtl="0" eaLnBrk="1" latinLnBrk="0" hangingPunct="1">
+      <a:defRPr sz="1200" kern="1200">
+        <a:solidFill>
+          <a:schemeClr val="tx1"/>
+        </a:solidFill>
+        <a:latin typeface="+mn-lt"/>
+        <a:ea typeface="+mn-ea"/>
+        <a:cs typeface="+mn-cs"/>
+      </a:defRPr>
+    </a:lvl8pPr>
+    <a:lvl9pPr marL="3657600" algn="l" defTabSz="914400" rtl="0" eaLnBrk="1" latinLnBrk="0" hangingPunct="1">
+      <a:defRPr sz="1200" kern="1200">
+        <a:solidFill>
+          <a:schemeClr val="tx1"/>
+        </a:solidFill>
+        <a:latin typeface="+mn-lt"/>
+        <a:ea typeface="+mn-ea"/>
+        <a:cs typeface="+mn-cs"/>
+      </a:defRPr>
+    </a:lvl9pPr>
+  </p:notesStyle>
+</p:notesMaster>
+</file>
+
+<file path=ppt/notesSlides/notesSlide1.xml><?xml version="1.0" encoding="utf-8"?>
+<p:notes xmlns:a="http://schemas.openxmlformats.org/drawingml/2006/main" xmlns:r="http://schemas.openxmlformats.org/officeDocument/2006/relationships" xmlns:p="http://schemas.openxmlformats.org/presentationml/2006/main">
+  <p:cSld>
+    <p:spTree>
+      <p:nvGrpSpPr>
+        <p:cNvPr id="1" name="">
+          <a:extLst>
+            <a:ext uri="{FF2B5EF4-FFF2-40B4-BE49-F238E27FC236}">
+              <a16:creationId xmlns:a16="http://schemas.microsoft.com/office/drawing/2014/main" id="{EB2126E4-9549-4C29-BAEB-4EC1DB758D7A}"/>
+            </a:ext>
+          </a:extLst>
+        </p:cNvPr>
+        <p:cNvGrpSpPr/>
+        <p:nvPr/>
+      </p:nvGrpSpPr>
+      <p:grpSpPr>
+        <a:xfrm>
+          <a:off x="0" y="0"/>
+          <a:ext cx="0" cy="0"/>
+          <a:chOff x="0" y="0"/>
+          <a:chExt cx="0" cy="0"/>
+        </a:xfrm>
+      </p:grpSpPr>
+      <p:sp>
+        <p:nvSpPr>
+          <p:cNvPr id="2" name="Slide Image Placeholder 1">
+            <a:extLst>
+              <a:ext uri="{FF2B5EF4-FFF2-40B4-BE49-F238E27FC236}">
+                <a16:creationId xmlns:a16="http://schemas.microsoft.com/office/drawing/2014/main" id="{CBFEA721-E632-F3D9-7CF8-AF7E2B87EF0B}"/>
+              </a:ext>
+            </a:extLst>
+          </p:cNvPr>
+          <p:cNvSpPr>
+            <a:spLocks noGrp="1" noRot="1" noChangeAspect="1"/>
+          </p:cNvSpPr>
+          <p:nvPr>
+            <p:ph type="sldImg"/>
+          </p:nvPr>
+        </p:nvSpPr>
+        <p:spPr/>
+      </p:sp>
+      <p:sp>
+        <p:nvSpPr>
+          <p:cNvPr id="3" name="Notes Placeholder 2">
+            <a:extLst>
+              <a:ext uri="{FF2B5EF4-FFF2-40B4-BE49-F238E27FC236}">
+                <a16:creationId xmlns:a16="http://schemas.microsoft.com/office/drawing/2014/main" id="{A2EA4F44-2183-3613-2B45-22C698212B46}"/>
+              </a:ext>
+            </a:extLst>
+          </p:cNvPr>
+          <p:cNvSpPr>
+            <a:spLocks noGrp="1"/>
+          </p:cNvSpPr>
+          <p:nvPr>
+            <p:ph type="body" idx="1"/>
+          </p:nvPr>
+        </p:nvSpPr>
+        <p:spPr/>
+        <p:txBody>
+          <a:bodyPr/>
+          <a:lstStyle/>
+          <a:p>
+            <a:r>
+              <a:rPr lang="en-US"/>
+              <a:t>git 2005</a:t>
+            </a:r>
+          </a:p>
+          <a:p>
+            <a:r>
+              <a:rPr lang="en-US"/>
+              <a:t>github – 2008 – bought by Microsoft 2018</a:t>
+            </a:r>
+          </a:p>
+        </p:txBody>
+      </p:sp>
+      <p:sp>
+        <p:nvSpPr>
+          <p:cNvPr id="4" name="Slide Number Placeholder 3">
+            <a:extLst>
+              <a:ext uri="{FF2B5EF4-FFF2-40B4-BE49-F238E27FC236}">
+                <a16:creationId xmlns:a16="http://schemas.microsoft.com/office/drawing/2014/main" id="{C960C0A1-45AF-B407-3705-DC8561527F8E}"/>
+              </a:ext>
+            </a:extLst>
+          </p:cNvPr>
+          <p:cNvSpPr>
+            <a:spLocks noGrp="1"/>
+          </p:cNvSpPr>
+          <p:nvPr>
+            <p:ph type="sldNum" sz="quarter" idx="5"/>
+          </p:nvPr>
+        </p:nvSpPr>
+        <p:spPr/>
+        <p:txBody>
+          <a:bodyPr/>
+          <a:lstStyle/>
+          <a:p>
+            <a:fld id="{7C8619F3-AB59-49A4-8E2C-7A47171CF1BA}" type="slidenum">
+              <a:rPr lang="en-US" smtClean="0"/>
+              <a:t>3</a:t>
+            </a:fld>
+            <a:endParaRPr lang="en-US"/>
+          </a:p>
+        </p:txBody>
+      </p:sp>
+    </p:spTree>
+    <p:extLst>
+      <p:ext uri="{BB962C8B-B14F-4D97-AF65-F5344CB8AC3E}">
+        <p14:creationId xmlns:p14="http://schemas.microsoft.com/office/powerpoint/2010/main" val="4250867577"/>
+      </p:ext>
+    </p:extLst>
+  </p:cSld>
+  <p:clrMapOvr>
+    <a:masterClrMapping/>
+  </p:clrMapOvr>
+</p:notes>
+</file>
+
+<file path=ppt/notesSlides/notesSlide2.xml><?xml version="1.0" encoding="utf-8"?>
+<p:notes xmlns:a="http://schemas.openxmlformats.org/drawingml/2006/main" xmlns:r="http://schemas.openxmlformats.org/officeDocument/2006/relationships" xmlns:p="http://schemas.openxmlformats.org/presentationml/2006/main">
+  <p:cSld>
+    <p:spTree>
+      <p:nvGrpSpPr>
+        <p:cNvPr id="1" name=""/>
+        <p:cNvGrpSpPr/>
+        <p:nvPr/>
+      </p:nvGrpSpPr>
+      <p:grpSpPr>
+        <a:xfrm>
+          <a:off x="0" y="0"/>
+          <a:ext cx="0" cy="0"/>
+          <a:chOff x="0" y="0"/>
+          <a:chExt cx="0" cy="0"/>
+        </a:xfrm>
+      </p:grpSpPr>
+      <p:sp>
+        <p:nvSpPr>
+          <p:cNvPr id="2" name="Slide Image Placeholder 1"/>
+          <p:cNvSpPr>
+            <a:spLocks noGrp="1" noRot="1" noChangeAspect="1"/>
+          </p:cNvSpPr>
+          <p:nvPr>
+            <p:ph type="sldImg"/>
+          </p:nvPr>
+        </p:nvSpPr>
+        <p:spPr/>
+      </p:sp>
+      <p:sp>
+        <p:nvSpPr>
+          <p:cNvPr id="3" name="Notes Placeholder 2"/>
+          <p:cNvSpPr>
+            <a:spLocks noGrp="1"/>
+          </p:cNvSpPr>
+          <p:nvPr>
+            <p:ph type="body" idx="1"/>
+          </p:nvPr>
+        </p:nvSpPr>
+        <p:spPr/>
+        <p:txBody>
+          <a:bodyPr/>
+          <a:lstStyle/>
+          <a:p>
+            <a:r>
+              <a:rPr lang="en-US"/>
+              <a:t>git 2005</a:t>
+            </a:r>
+          </a:p>
+          <a:p>
+            <a:r>
+              <a:rPr lang="en-US"/>
+              <a:t>github – 2008 – bought by Microsoft 2018</a:t>
+            </a:r>
+          </a:p>
+        </p:txBody>
+      </p:sp>
+      <p:sp>
+        <p:nvSpPr>
+          <p:cNvPr id="4" name="Slide Number Placeholder 3"/>
+          <p:cNvSpPr>
+            <a:spLocks noGrp="1"/>
+          </p:cNvSpPr>
+          <p:nvPr>
+            <p:ph type="sldNum" sz="quarter" idx="5"/>
+          </p:nvPr>
+        </p:nvSpPr>
+        <p:spPr/>
+        <p:txBody>
+          <a:bodyPr/>
+          <a:lstStyle/>
+          <a:p>
+            <a:fld id="{7C8619F3-AB59-49A4-8E2C-7A47171CF1BA}" type="slidenum">
+              <a:rPr lang="en-US" smtClean="0"/>
+              <a:t>4</a:t>
+            </a:fld>
+            <a:endParaRPr lang="en-US"/>
+          </a:p>
+        </p:txBody>
+      </p:sp>
+    </p:spTree>
+    <p:extLst>
+      <p:ext uri="{BB962C8B-B14F-4D97-AF65-F5344CB8AC3E}">
+        <p14:creationId xmlns:p14="http://schemas.microsoft.com/office/powerpoint/2010/main" val="2369545505"/>
+      </p:ext>
+    </p:extLst>
+  </p:cSld>
+  <p:clrMapOvr>
+    <a:masterClrMapping/>
+  </p:clrMapOvr>
+</p:notes>
+</file>
+
+<file path=ppt/notesSlides/notesSlide3.xml><?xml version="1.0" encoding="utf-8"?>
+<p:notes xmlns:a="http://schemas.openxmlformats.org/drawingml/2006/main" xmlns:r="http://schemas.openxmlformats.org/officeDocument/2006/relationships" xmlns:p="http://schemas.openxmlformats.org/presentationml/2006/main">
+  <p:cSld>
+    <p:spTree>
+      <p:nvGrpSpPr>
+        <p:cNvPr id="1" name="">
+          <a:extLst>
+            <a:ext uri="{FF2B5EF4-FFF2-40B4-BE49-F238E27FC236}">
+              <a16:creationId xmlns:a16="http://schemas.microsoft.com/office/drawing/2014/main" id="{879F5D85-FE54-961A-B90C-C671DD08C792}"/>
+            </a:ext>
+          </a:extLst>
+        </p:cNvPr>
+        <p:cNvGrpSpPr/>
+        <p:nvPr/>
+      </p:nvGrpSpPr>
+      <p:grpSpPr>
+        <a:xfrm>
+          <a:off x="0" y="0"/>
+          <a:ext cx="0" cy="0"/>
+          <a:chOff x="0" y="0"/>
+          <a:chExt cx="0" cy="0"/>
+        </a:xfrm>
+      </p:grpSpPr>
+      <p:sp>
+        <p:nvSpPr>
+          <p:cNvPr id="2" name="Slide Image Placeholder 1">
+            <a:extLst>
+              <a:ext uri="{FF2B5EF4-FFF2-40B4-BE49-F238E27FC236}">
+                <a16:creationId xmlns:a16="http://schemas.microsoft.com/office/drawing/2014/main" id="{C7E28FFC-C073-3C9D-CA76-A7910DF36A52}"/>
+              </a:ext>
+            </a:extLst>
+          </p:cNvPr>
+          <p:cNvSpPr>
+            <a:spLocks noGrp="1" noRot="1" noChangeAspect="1"/>
+          </p:cNvSpPr>
+          <p:nvPr>
+            <p:ph type="sldImg"/>
+          </p:nvPr>
+        </p:nvSpPr>
+        <p:spPr/>
+      </p:sp>
+      <p:sp>
+        <p:nvSpPr>
+          <p:cNvPr id="3" name="Notes Placeholder 2">
+            <a:extLst>
+              <a:ext uri="{FF2B5EF4-FFF2-40B4-BE49-F238E27FC236}">
+                <a16:creationId xmlns:a16="http://schemas.microsoft.com/office/drawing/2014/main" id="{27D02EA0-7BBB-54BC-EC53-DCC7D0F39274}"/>
+              </a:ext>
+            </a:extLst>
+          </p:cNvPr>
+          <p:cNvSpPr>
+            <a:spLocks noGrp="1"/>
+          </p:cNvSpPr>
+          <p:nvPr>
+            <p:ph type="body" idx="1"/>
+          </p:nvPr>
+        </p:nvSpPr>
+        <p:spPr/>
+        <p:txBody>
+          <a:bodyPr/>
+          <a:lstStyle/>
+          <a:p>
+            <a:r>
+              <a:rPr lang="en-US"/>
+              <a:t>git 2005</a:t>
+            </a:r>
+          </a:p>
+          <a:p>
+            <a:r>
+              <a:rPr lang="en-US"/>
+              <a:t>github – 2008 – bought by Microsoft 2018</a:t>
+            </a:r>
+          </a:p>
+        </p:txBody>
+      </p:sp>
+      <p:sp>
+        <p:nvSpPr>
+          <p:cNvPr id="4" name="Slide Number Placeholder 3">
+            <a:extLst>
+              <a:ext uri="{FF2B5EF4-FFF2-40B4-BE49-F238E27FC236}">
+                <a16:creationId xmlns:a16="http://schemas.microsoft.com/office/drawing/2014/main" id="{274DC77C-BCC2-887A-F5A1-1BEACE5C0576}"/>
+              </a:ext>
+            </a:extLst>
+          </p:cNvPr>
+          <p:cNvSpPr>
+            <a:spLocks noGrp="1"/>
+          </p:cNvSpPr>
+          <p:nvPr>
+            <p:ph type="sldNum" sz="quarter" idx="5"/>
+          </p:nvPr>
+        </p:nvSpPr>
+        <p:spPr/>
+        <p:txBody>
+          <a:bodyPr/>
+          <a:lstStyle/>
+          <a:p>
+            <a:fld id="{7C8619F3-AB59-49A4-8E2C-7A47171CF1BA}" type="slidenum">
+              <a:rPr lang="en-US" smtClean="0"/>
+              <a:t>5</a:t>
+            </a:fld>
+            <a:endParaRPr lang="en-US"/>
+          </a:p>
+        </p:txBody>
+      </p:sp>
+    </p:spTree>
+    <p:extLst>
+      <p:ext uri="{BB962C8B-B14F-4D97-AF65-F5344CB8AC3E}">
+        <p14:creationId xmlns:p14="http://schemas.microsoft.com/office/powerpoint/2010/main" val="4240498114"/>
+      </p:ext>
+    </p:extLst>
+  </p:cSld>
+  <p:clrMapOvr>
+    <a:masterClrMapping/>
+  </p:clrMapOvr>
+</p:notes>
 </file>
 
 <file path=ppt/slideLayouts/slideLayout1.xml><?xml version="1.0" encoding="utf-8"?>
@@ -254,7 +949,7 @@
           <a:p>
             <a:fld id="{5D81A98D-B56C-4576-A113-0BB6F720891F}" type="datetimeFigureOut">
               <a:rPr lang="en-US" smtClean="0"/>
-              <a:t>10/30/2024</a:t>
+              <a:t>10/31/2024</a:t>
             </a:fld>
             <a:endParaRPr lang="en-US"/>
           </a:p>
@@ -452,7 +1147,7 @@
           <a:p>
             <a:fld id="{5D81A98D-B56C-4576-A113-0BB6F720891F}" type="datetimeFigureOut">
               <a:rPr lang="en-US" smtClean="0"/>
-              <a:t>10/30/2024</a:t>
+              <a:t>10/31/2024</a:t>
             </a:fld>
             <a:endParaRPr lang="en-US"/>
           </a:p>
@@ -660,7 +1355,7 @@
           <a:p>
             <a:fld id="{5D81A98D-B56C-4576-A113-0BB6F720891F}" type="datetimeFigureOut">
               <a:rPr lang="en-US" smtClean="0"/>
-              <a:t>10/30/2024</a:t>
+              <a:t>10/31/2024</a:t>
             </a:fld>
             <a:endParaRPr lang="en-US"/>
           </a:p>
@@ -858,7 +1553,7 @@
           <a:p>
             <a:fld id="{5D81A98D-B56C-4576-A113-0BB6F720891F}" type="datetimeFigureOut">
               <a:rPr lang="en-US" smtClean="0"/>
-              <a:t>10/30/2024</a:t>
+              <a:t>10/31/2024</a:t>
             </a:fld>
             <a:endParaRPr lang="en-US"/>
           </a:p>
@@ -1133,7 +1828,7 @@
           <a:p>
             <a:fld id="{5D81A98D-B56C-4576-A113-0BB6F720891F}" type="datetimeFigureOut">
               <a:rPr lang="en-US" smtClean="0"/>
-              <a:t>10/30/2024</a:t>
+              <a:t>10/31/2024</a:t>
             </a:fld>
             <a:endParaRPr lang="en-US"/>
           </a:p>
@@ -1398,7 +2093,7 @@
           <a:p>
             <a:fld id="{5D81A98D-B56C-4576-A113-0BB6F720891F}" type="datetimeFigureOut">
               <a:rPr lang="en-US" smtClean="0"/>
-              <a:t>10/30/2024</a:t>
+              <a:t>10/31/2024</a:t>
             </a:fld>
             <a:endParaRPr lang="en-US"/>
           </a:p>
@@ -1810,7 +2505,7 @@
           <a:p>
             <a:fld id="{5D81A98D-B56C-4576-A113-0BB6F720891F}" type="datetimeFigureOut">
               <a:rPr lang="en-US" smtClean="0"/>
-              <a:t>10/30/2024</a:t>
+              <a:t>10/31/2024</a:t>
             </a:fld>
             <a:endParaRPr lang="en-US"/>
           </a:p>
@@ -1951,7 +2646,7 @@
           <a:p>
             <a:fld id="{5D81A98D-B56C-4576-A113-0BB6F720891F}" type="datetimeFigureOut">
               <a:rPr lang="en-US" smtClean="0"/>
-              <a:t>10/30/2024</a:t>
+              <a:t>10/31/2024</a:t>
             </a:fld>
             <a:endParaRPr lang="en-US"/>
           </a:p>
@@ -2064,7 +2759,7 @@
           <a:p>
             <a:fld id="{5D81A98D-B56C-4576-A113-0BB6F720891F}" type="datetimeFigureOut">
               <a:rPr lang="en-US" smtClean="0"/>
-              <a:t>10/30/2024</a:t>
+              <a:t>10/31/2024</a:t>
             </a:fld>
             <a:endParaRPr lang="en-US"/>
           </a:p>
@@ -2375,7 +3070,7 @@
           <a:p>
             <a:fld id="{5D81A98D-B56C-4576-A113-0BB6F720891F}" type="datetimeFigureOut">
               <a:rPr lang="en-US" smtClean="0"/>
-              <a:t>10/30/2024</a:t>
+              <a:t>10/31/2024</a:t>
             </a:fld>
             <a:endParaRPr lang="en-US"/>
           </a:p>
@@ -2663,7 +3358,7 @@
           <a:p>
             <a:fld id="{5D81A98D-B56C-4576-A113-0BB6F720891F}" type="datetimeFigureOut">
               <a:rPr lang="en-US" smtClean="0"/>
-              <a:t>10/30/2024</a:t>
+              <a:t>10/31/2024</a:t>
             </a:fld>
             <a:endParaRPr lang="en-US"/>
           </a:p>
@@ -2904,7 +3599,7 @@
           <a:p>
             <a:fld id="{5D81A98D-B56C-4576-A113-0BB6F720891F}" type="datetimeFigureOut">
               <a:rPr lang="en-US" smtClean="0"/>
-              <a:t>10/30/2024</a:t>
+              <a:t>10/31/2024</a:t>
             </a:fld>
             <a:endParaRPr lang="en-US"/>
           </a:p>
@@ -3342,32 +4037,10 @@
           <a:bodyPr/>
           <a:lstStyle/>
           <a:p>
-            <a:endParaRPr lang="en-US"/>
-          </a:p>
-        </p:txBody>
-      </p:sp>
-      <p:sp>
-        <p:nvSpPr>
-          <p:cNvPr id="3" name="Subtitle 2">
-            <a:extLst>
-              <a:ext uri="{FF2B5EF4-FFF2-40B4-BE49-F238E27FC236}">
-                <a16:creationId xmlns:a16="http://schemas.microsoft.com/office/drawing/2014/main" id="{3FE8F185-D47E-D20F-1E0D-6D7B48920E7A}"/>
-              </a:ext>
-            </a:extLst>
-          </p:cNvPr>
-          <p:cNvSpPr>
-            <a:spLocks noGrp="1"/>
-          </p:cNvSpPr>
-          <p:nvPr>
-            <p:ph type="subTitle" idx="1"/>
-          </p:nvPr>
-        </p:nvSpPr>
-        <p:spPr/>
-        <p:txBody>
-          <a:bodyPr/>
-          <a:lstStyle/>
-          <a:p>
-            <a:endParaRPr lang="en-US"/>
+            <a:r>
+              <a:rPr lang="en-US"/>
+              <a:t>Intro to Git and Github</a:t>
+            </a:r>
           </a:p>
         </p:txBody>
       </p:sp>
@@ -3375,6 +4048,3581 @@
     <p:extLst>
       <p:ext uri="{BB962C8B-B14F-4D97-AF65-F5344CB8AC3E}">
         <p14:creationId xmlns:p14="http://schemas.microsoft.com/office/powerpoint/2010/main" val="3344085334"/>
+      </p:ext>
+    </p:extLst>
+  </p:cSld>
+  <p:clrMapOvr>
+    <a:masterClrMapping/>
+  </p:clrMapOvr>
+</p:sld>
+</file>
+
+<file path=ppt/slides/slide10.xml><?xml version="1.0" encoding="utf-8"?>
+<p:sld xmlns:a="http://schemas.openxmlformats.org/drawingml/2006/main" xmlns:r="http://schemas.openxmlformats.org/officeDocument/2006/relationships" xmlns:p="http://schemas.openxmlformats.org/presentationml/2006/main">
+  <p:cSld>
+    <p:spTree>
+      <p:nvGrpSpPr>
+        <p:cNvPr id="1" name=""/>
+        <p:cNvGrpSpPr/>
+        <p:nvPr/>
+      </p:nvGrpSpPr>
+      <p:grpSpPr>
+        <a:xfrm>
+          <a:off x="0" y="0"/>
+          <a:ext cx="0" cy="0"/>
+          <a:chOff x="0" y="0"/>
+          <a:chExt cx="0" cy="0"/>
+        </a:xfrm>
+      </p:grpSpPr>
+      <p:sp>
+        <p:nvSpPr>
+          <p:cNvPr id="2" name="Title 1">
+            <a:extLst>
+              <a:ext uri="{FF2B5EF4-FFF2-40B4-BE49-F238E27FC236}">
+                <a16:creationId xmlns:a16="http://schemas.microsoft.com/office/drawing/2014/main" id="{0A4084DD-1B99-78E5-92A6-0F85B8FDAA2A}"/>
+              </a:ext>
+            </a:extLst>
+          </p:cNvPr>
+          <p:cNvSpPr>
+            <a:spLocks noGrp="1"/>
+          </p:cNvSpPr>
+          <p:nvPr>
+            <p:ph type="title"/>
+          </p:nvPr>
+        </p:nvSpPr>
+        <p:spPr>
+          <a:xfrm>
+            <a:off x="838200" y="1"/>
+            <a:ext cx="10515600" cy="681036"/>
+          </a:xfrm>
+        </p:spPr>
+        <p:txBody>
+          <a:bodyPr/>
+          <a:lstStyle/>
+          <a:p>
+            <a:pPr algn="ctr"/>
+            <a:r>
+              <a:rPr lang="en-US"/>
+              <a:t>Git terms/concepts</a:t>
+            </a:r>
+          </a:p>
+        </p:txBody>
+      </p:sp>
+      <p:sp>
+        <p:nvSpPr>
+          <p:cNvPr id="3" name="Content Placeholder 2">
+            <a:extLst>
+              <a:ext uri="{FF2B5EF4-FFF2-40B4-BE49-F238E27FC236}">
+                <a16:creationId xmlns:a16="http://schemas.microsoft.com/office/drawing/2014/main" id="{F075A483-BAE8-6255-5112-8C024991AAF8}"/>
+              </a:ext>
+            </a:extLst>
+          </p:cNvPr>
+          <p:cNvSpPr>
+            <a:spLocks noGrp="1"/>
+          </p:cNvSpPr>
+          <p:nvPr>
+            <p:ph idx="1"/>
+          </p:nvPr>
+        </p:nvSpPr>
+        <p:spPr/>
+        <p:txBody>
+          <a:bodyPr/>
+          <a:lstStyle/>
+          <a:p>
+            <a:r>
+              <a:rPr lang="en-US"/>
+              <a:t>Repository: Folder with files + .git folder</a:t>
+            </a:r>
+          </a:p>
+          <a:p>
+            <a:r>
+              <a:rPr lang="en-US"/>
+              <a:t>Stage: Add file changes to next commit</a:t>
+            </a:r>
+          </a:p>
+          <a:p>
+            <a:r>
+              <a:rPr lang="en-US"/>
+              <a:t>Commit: Snapshot of code</a:t>
+            </a:r>
+          </a:p>
+          <a:p>
+            <a:r>
+              <a:rPr lang="en-US"/>
+              <a:t>Remote: external repository (usually Github.com) </a:t>
+            </a:r>
+          </a:p>
+          <a:p>
+            <a:r>
+              <a:rPr lang="en-US"/>
+              <a:t>Branch: Alternative chain of commits</a:t>
+            </a:r>
+          </a:p>
+          <a:p>
+            <a:r>
+              <a:rPr lang="en-US"/>
+              <a:t>.gitignore file: Specify files that git should ignore</a:t>
+            </a:r>
+          </a:p>
+          <a:p>
+            <a:endParaRPr lang="en-US"/>
+          </a:p>
+        </p:txBody>
+      </p:sp>
+    </p:spTree>
+    <p:extLst>
+      <p:ext uri="{BB962C8B-B14F-4D97-AF65-F5344CB8AC3E}">
+        <p14:creationId xmlns:p14="http://schemas.microsoft.com/office/powerpoint/2010/main" val="3727024002"/>
+      </p:ext>
+    </p:extLst>
+  </p:cSld>
+  <p:clrMapOvr>
+    <a:masterClrMapping/>
+  </p:clrMapOvr>
+</p:sld>
+</file>
+
+<file path=ppt/slides/slide11.xml><?xml version="1.0" encoding="utf-8"?>
+<p:sld xmlns:a="http://schemas.openxmlformats.org/drawingml/2006/main" xmlns:r="http://schemas.openxmlformats.org/officeDocument/2006/relationships" xmlns:p="http://schemas.openxmlformats.org/presentationml/2006/main">
+  <p:cSld>
+    <p:spTree>
+      <p:nvGrpSpPr>
+        <p:cNvPr id="1" name=""/>
+        <p:cNvGrpSpPr/>
+        <p:nvPr/>
+      </p:nvGrpSpPr>
+      <p:grpSpPr>
+        <a:xfrm>
+          <a:off x="0" y="0"/>
+          <a:ext cx="0" cy="0"/>
+          <a:chOff x="0" y="0"/>
+          <a:chExt cx="0" cy="0"/>
+        </a:xfrm>
+      </p:grpSpPr>
+      <p:sp>
+        <p:nvSpPr>
+          <p:cNvPr id="2" name="Title 1">
+            <a:extLst>
+              <a:ext uri="{FF2B5EF4-FFF2-40B4-BE49-F238E27FC236}">
+                <a16:creationId xmlns:a16="http://schemas.microsoft.com/office/drawing/2014/main" id="{7BB8C90F-2C3B-D4FA-F9CB-26E149847A39}"/>
+              </a:ext>
+            </a:extLst>
+          </p:cNvPr>
+          <p:cNvSpPr>
+            <a:spLocks noGrp="1"/>
+          </p:cNvSpPr>
+          <p:nvPr>
+            <p:ph type="title"/>
+          </p:nvPr>
+        </p:nvSpPr>
+        <p:spPr/>
+        <p:txBody>
+          <a:bodyPr/>
+          <a:lstStyle/>
+          <a:p>
+            <a:r>
+              <a:rPr lang="en-US"/>
+              <a:t>Repository: Folder with files + .git folder</a:t>
+            </a:r>
+            <a:br>
+              <a:rPr lang="en-US"/>
+            </a:br>
+            <a:endParaRPr lang="en-US"/>
+          </a:p>
+        </p:txBody>
+      </p:sp>
+      <p:sp>
+        <p:nvSpPr>
+          <p:cNvPr id="3" name="Content Placeholder 2">
+            <a:extLst>
+              <a:ext uri="{FF2B5EF4-FFF2-40B4-BE49-F238E27FC236}">
+                <a16:creationId xmlns:a16="http://schemas.microsoft.com/office/drawing/2014/main" id="{C0601FFE-FE12-054A-C821-1E5B2647C224}"/>
+              </a:ext>
+            </a:extLst>
+          </p:cNvPr>
+          <p:cNvSpPr>
+            <a:spLocks noGrp="1"/>
+          </p:cNvSpPr>
+          <p:nvPr>
+            <p:ph idx="1"/>
+          </p:nvPr>
+        </p:nvSpPr>
+        <p:spPr/>
+        <p:txBody>
+          <a:bodyPr>
+            <a:normAutofit/>
+          </a:bodyPr>
+          <a:lstStyle/>
+          <a:p>
+            <a:r>
+              <a:rPr lang="en-US"/>
+              <a:t>What kind of files can git track? </a:t>
+            </a:r>
+            <a:r>
+              <a:rPr lang="en-US" sz="3200"/>
+              <a:t>Any!!</a:t>
+            </a:r>
+            <a:r>
+              <a:rPr lang="en-US" sz="3200" b="1">
+                <a:solidFill>
+                  <a:srgbClr val="FF0000"/>
+                </a:solidFill>
+              </a:rPr>
+              <a:t> </a:t>
+            </a:r>
+            <a:r>
+              <a:rPr lang="en-US" sz="3200" b="1">
+                <a:solidFill>
+                  <a:srgbClr val="00B0F0"/>
+                </a:solidFill>
+              </a:rPr>
+              <a:t>*</a:t>
+            </a:r>
+            <a:r>
+              <a:rPr lang="en-US" sz="3200" b="1">
+                <a:solidFill>
+                  <a:srgbClr val="FF0000"/>
+                </a:solidFill>
+              </a:rPr>
+              <a:t>*</a:t>
+            </a:r>
+            <a:endParaRPr lang="en-US" b="1">
+              <a:solidFill>
+                <a:srgbClr val="00B0F0"/>
+              </a:solidFill>
+            </a:endParaRPr>
+          </a:p>
+          <a:p>
+            <a:pPr lvl="1"/>
+            <a:r>
+              <a:rPr lang="en-US">
+                <a:solidFill>
+                  <a:srgbClr val="00B0F0"/>
+                </a:solidFill>
+              </a:rPr>
+              <a:t>Can only see human readable changes to text files</a:t>
+            </a:r>
+            <a:endParaRPr lang="en-US">
+              <a:solidFill>
+                <a:srgbClr val="FF0000"/>
+              </a:solidFill>
+            </a:endParaRPr>
+          </a:p>
+          <a:p>
+            <a:pPr lvl="1"/>
+            <a:r>
+              <a:rPr lang="en-US">
+                <a:solidFill>
+                  <a:srgbClr val="FF0000"/>
+                </a:solidFill>
+              </a:rPr>
+              <a:t>Can't upload files &gt;100 MB to Github</a:t>
+            </a:r>
+            <a:r>
+              <a:rPr lang="en-US" b="1">
+                <a:solidFill>
+                  <a:srgbClr val="00B050"/>
+                </a:solidFill>
+              </a:rPr>
+              <a:t>*</a:t>
+            </a:r>
+          </a:p>
+          <a:p>
+            <a:pPr lvl="2"/>
+            <a:r>
+              <a:rPr lang="en-US">
+                <a:solidFill>
+                  <a:srgbClr val="00B050"/>
+                </a:solidFill>
+              </a:rPr>
+              <a:t>GitHub Large file system allows  &lt;2 GB files</a:t>
+            </a:r>
+          </a:p>
+          <a:p>
+            <a:r>
+              <a:rPr lang="en-US"/>
+              <a:t>Every repository is independent and created equal (decentralized)</a:t>
+            </a:r>
+          </a:p>
+          <a:p>
+            <a:pPr lvl="1"/>
+            <a:r>
+              <a:rPr lang="en-US"/>
+              <a:t>remote (github.com) is just another repository.</a:t>
+            </a:r>
+          </a:p>
+          <a:p>
+            <a:pPr marL="0" indent="0">
+              <a:buNone/>
+            </a:pPr>
+            <a:endParaRPr lang="en-US" b="1">
+              <a:solidFill>
+                <a:srgbClr val="00B050"/>
+              </a:solidFill>
+            </a:endParaRPr>
+          </a:p>
+          <a:p>
+            <a:pPr marL="0" indent="0">
+              <a:buNone/>
+            </a:pPr>
+            <a:r>
+              <a:rPr lang="en-US" b="1">
+                <a:solidFill>
+                  <a:srgbClr val="00B050"/>
+                </a:solidFill>
+              </a:rPr>
+              <a:t>	</a:t>
+            </a:r>
+          </a:p>
+        </p:txBody>
+      </p:sp>
+    </p:spTree>
+    <p:extLst>
+      <p:ext uri="{BB962C8B-B14F-4D97-AF65-F5344CB8AC3E}">
+        <p14:creationId xmlns:p14="http://schemas.microsoft.com/office/powerpoint/2010/main" val="1190220893"/>
+      </p:ext>
+    </p:extLst>
+  </p:cSld>
+  <p:clrMapOvr>
+    <a:masterClrMapping/>
+  </p:clrMapOvr>
+</p:sld>
+</file>
+
+<file path=ppt/slides/slide12.xml><?xml version="1.0" encoding="utf-8"?>
+<p:sld xmlns:a="http://schemas.openxmlformats.org/drawingml/2006/main" xmlns:r="http://schemas.openxmlformats.org/officeDocument/2006/relationships" xmlns:p="http://schemas.openxmlformats.org/presentationml/2006/main">
+  <p:cSld>
+    <p:spTree>
+      <p:nvGrpSpPr>
+        <p:cNvPr id="1" name="">
+          <a:extLst>
+            <a:ext uri="{FF2B5EF4-FFF2-40B4-BE49-F238E27FC236}">
+              <a16:creationId xmlns:a16="http://schemas.microsoft.com/office/drawing/2014/main" id="{21094B53-2BF3-ACEE-F94A-3EC32162DD49}"/>
+            </a:ext>
+          </a:extLst>
+        </p:cNvPr>
+        <p:cNvGrpSpPr/>
+        <p:nvPr/>
+      </p:nvGrpSpPr>
+      <p:grpSpPr>
+        <a:xfrm>
+          <a:off x="0" y="0"/>
+          <a:ext cx="0" cy="0"/>
+          <a:chOff x="0" y="0"/>
+          <a:chExt cx="0" cy="0"/>
+        </a:xfrm>
+      </p:grpSpPr>
+      <p:sp>
+        <p:nvSpPr>
+          <p:cNvPr id="2" name="Title 1">
+            <a:extLst>
+              <a:ext uri="{FF2B5EF4-FFF2-40B4-BE49-F238E27FC236}">
+                <a16:creationId xmlns:a16="http://schemas.microsoft.com/office/drawing/2014/main" id="{47BA0F00-FC5F-BB9B-4195-0B60C4AD6491}"/>
+              </a:ext>
+            </a:extLst>
+          </p:cNvPr>
+          <p:cNvSpPr>
+            <a:spLocks noGrp="1"/>
+          </p:cNvSpPr>
+          <p:nvPr>
+            <p:ph type="title"/>
+          </p:nvPr>
+        </p:nvSpPr>
+        <p:spPr/>
+        <p:txBody>
+          <a:bodyPr/>
+          <a:lstStyle/>
+          <a:p>
+            <a:r>
+              <a:rPr lang="en-US"/>
+              <a:t>Branch: Alternative chain of commits</a:t>
+            </a:r>
+            <a:br>
+              <a:rPr lang="en-US"/>
+            </a:br>
+            <a:endParaRPr lang="en-US"/>
+          </a:p>
+        </p:txBody>
+      </p:sp>
+      <p:sp>
+        <p:nvSpPr>
+          <p:cNvPr id="3" name="Content Placeholder 2">
+            <a:extLst>
+              <a:ext uri="{FF2B5EF4-FFF2-40B4-BE49-F238E27FC236}">
+                <a16:creationId xmlns:a16="http://schemas.microsoft.com/office/drawing/2014/main" id="{9F4A6C7A-3ADA-36A5-C36E-4A6228E805F3}"/>
+              </a:ext>
+            </a:extLst>
+          </p:cNvPr>
+          <p:cNvSpPr>
+            <a:spLocks noGrp="1"/>
+          </p:cNvSpPr>
+          <p:nvPr>
+            <p:ph idx="1"/>
+          </p:nvPr>
+        </p:nvSpPr>
+        <p:spPr/>
+        <p:txBody>
+          <a:bodyPr>
+            <a:normAutofit/>
+          </a:bodyPr>
+          <a:lstStyle/>
+          <a:p>
+            <a:r>
+              <a:rPr lang="en-US"/>
+              <a:t>Every branch is independent and created equal</a:t>
+            </a:r>
+            <a:r>
+              <a:rPr lang="en-US" sz="2800" b="1">
+                <a:solidFill>
+                  <a:srgbClr val="00B0F0"/>
+                </a:solidFill>
+              </a:rPr>
+              <a:t>*</a:t>
+            </a:r>
+          </a:p>
+          <a:p>
+            <a:pPr lvl="1"/>
+            <a:r>
+              <a:rPr lang="en-US">
+                <a:solidFill>
+                  <a:srgbClr val="00B0F0"/>
+                </a:solidFill>
+              </a:rPr>
+              <a:t>Default branch is usually named "main" or "master"</a:t>
+            </a:r>
+          </a:p>
+          <a:p>
+            <a:pPr marL="0" indent="0">
+              <a:buNone/>
+            </a:pPr>
+            <a:r>
+              <a:rPr lang="en-US">
+                <a:solidFill>
+                  <a:srgbClr val="00B050"/>
+                </a:solidFill>
+              </a:rPr>
+              <a:t>	</a:t>
+            </a:r>
+          </a:p>
+        </p:txBody>
+      </p:sp>
+    </p:spTree>
+    <p:extLst>
+      <p:ext uri="{BB962C8B-B14F-4D97-AF65-F5344CB8AC3E}">
+        <p14:creationId xmlns:p14="http://schemas.microsoft.com/office/powerpoint/2010/main" val="2676800165"/>
+      </p:ext>
+    </p:extLst>
+  </p:cSld>
+  <p:clrMapOvr>
+    <a:masterClrMapping/>
+  </p:clrMapOvr>
+</p:sld>
+</file>
+
+<file path=ppt/slides/slide2.xml><?xml version="1.0" encoding="utf-8"?>
+<p:sld xmlns:a="http://schemas.openxmlformats.org/drawingml/2006/main" xmlns:r="http://schemas.openxmlformats.org/officeDocument/2006/relationships" xmlns:p="http://schemas.openxmlformats.org/presentationml/2006/main">
+  <p:cSld>
+    <p:spTree>
+      <p:nvGrpSpPr>
+        <p:cNvPr id="1" name=""/>
+        <p:cNvGrpSpPr/>
+        <p:nvPr/>
+      </p:nvGrpSpPr>
+      <p:grpSpPr>
+        <a:xfrm>
+          <a:off x="0" y="0"/>
+          <a:ext cx="0" cy="0"/>
+          <a:chOff x="0" y="0"/>
+          <a:chExt cx="0" cy="0"/>
+        </a:xfrm>
+      </p:grpSpPr>
+      <p:sp>
+        <p:nvSpPr>
+          <p:cNvPr id="2" name="Title 1">
+            <a:extLst>
+              <a:ext uri="{FF2B5EF4-FFF2-40B4-BE49-F238E27FC236}">
+                <a16:creationId xmlns:a16="http://schemas.microsoft.com/office/drawing/2014/main" id="{704F4300-B68C-A208-2FCB-B1D36F605EED}"/>
+              </a:ext>
+            </a:extLst>
+          </p:cNvPr>
+          <p:cNvSpPr>
+            <a:spLocks noGrp="1"/>
+          </p:cNvSpPr>
+          <p:nvPr>
+            <p:ph type="title"/>
+          </p:nvPr>
+        </p:nvSpPr>
+        <p:spPr>
+          <a:xfrm>
+            <a:off x="838200" y="0"/>
+            <a:ext cx="10515600" cy="904568"/>
+          </a:xfrm>
+        </p:spPr>
+        <p:txBody>
+          <a:bodyPr/>
+          <a:lstStyle/>
+          <a:p>
+            <a:pPr algn="ctr"/>
+            <a:r>
+              <a:rPr lang="en-US"/>
+              <a:t>Key take away</a:t>
+            </a:r>
+          </a:p>
+        </p:txBody>
+      </p:sp>
+      <p:sp>
+        <p:nvSpPr>
+          <p:cNvPr id="3" name="Content Placeholder 2">
+            <a:extLst>
+              <a:ext uri="{FF2B5EF4-FFF2-40B4-BE49-F238E27FC236}">
+                <a16:creationId xmlns:a16="http://schemas.microsoft.com/office/drawing/2014/main" id="{9FD3D600-DE6B-660C-0493-1BAD53D7B319}"/>
+              </a:ext>
+            </a:extLst>
+          </p:cNvPr>
+          <p:cNvSpPr>
+            <a:spLocks noGrp="1"/>
+          </p:cNvSpPr>
+          <p:nvPr>
+            <p:ph idx="1"/>
+          </p:nvPr>
+        </p:nvSpPr>
+        <p:spPr/>
+        <p:txBody>
+          <a:bodyPr>
+            <a:normAutofit/>
+          </a:bodyPr>
+          <a:lstStyle/>
+          <a:p>
+            <a:pPr marL="0" indent="0">
+              <a:buNone/>
+            </a:pPr>
+            <a:r>
+              <a:rPr lang="en-US"/>
+              <a:t>Start using Git/Github in whatever way is most convenient for you</a:t>
+            </a:r>
+          </a:p>
+          <a:p>
+            <a:pPr lvl="1"/>
+            <a:r>
+              <a:rPr lang="en-US"/>
+              <a:t>Newbs: Try Github Desktop</a:t>
+            </a:r>
+          </a:p>
+          <a:p>
+            <a:pPr lvl="1"/>
+            <a:r>
+              <a:rPr lang="en-US"/>
+              <a:t>Bad git practices are usually better than no git</a:t>
+            </a:r>
+          </a:p>
+          <a:p>
+            <a:pPr lvl="2"/>
+            <a:r>
+              <a:rPr lang="en-US"/>
+              <a:t>Just don't post sensitive info to Github</a:t>
+            </a:r>
+          </a:p>
+        </p:txBody>
+      </p:sp>
+    </p:spTree>
+    <p:extLst>
+      <p:ext uri="{BB962C8B-B14F-4D97-AF65-F5344CB8AC3E}">
+        <p14:creationId xmlns:p14="http://schemas.microsoft.com/office/powerpoint/2010/main" val="150326131"/>
+      </p:ext>
+    </p:extLst>
+  </p:cSld>
+  <p:clrMapOvr>
+    <a:masterClrMapping/>
+  </p:clrMapOvr>
+</p:sld>
+</file>
+
+<file path=ppt/slides/slide3.xml><?xml version="1.0" encoding="utf-8"?>
+<p:sld xmlns:a="http://schemas.openxmlformats.org/drawingml/2006/main" xmlns:r="http://schemas.openxmlformats.org/officeDocument/2006/relationships" xmlns:p="http://schemas.openxmlformats.org/presentationml/2006/main">
+  <p:cSld>
+    <p:spTree>
+      <p:nvGrpSpPr>
+        <p:cNvPr id="1" name="">
+          <a:extLst>
+            <a:ext uri="{FF2B5EF4-FFF2-40B4-BE49-F238E27FC236}">
+              <a16:creationId xmlns:a16="http://schemas.microsoft.com/office/drawing/2014/main" id="{8E137380-8B64-8569-B7A0-9E8D754F9DEC}"/>
+            </a:ext>
+          </a:extLst>
+        </p:cNvPr>
+        <p:cNvGrpSpPr/>
+        <p:nvPr/>
+      </p:nvGrpSpPr>
+      <p:grpSpPr>
+        <a:xfrm>
+          <a:off x="0" y="0"/>
+          <a:ext cx="0" cy="0"/>
+          <a:chOff x="0" y="0"/>
+          <a:chExt cx="0" cy="0"/>
+        </a:xfrm>
+      </p:grpSpPr>
+      <p:pic>
+        <p:nvPicPr>
+          <p:cNvPr id="16" name="Picture 15" descr="A person wearing glasses smiling&#10;&#10;Description automatically generated">
+            <a:extLst>
+              <a:ext uri="{FF2B5EF4-FFF2-40B4-BE49-F238E27FC236}">
+                <a16:creationId xmlns:a16="http://schemas.microsoft.com/office/drawing/2014/main" id="{88381419-35B6-3263-87DE-FB31EB74E920}"/>
+              </a:ext>
+            </a:extLst>
+          </p:cNvPr>
+          <p:cNvPicPr>
+            <a:picLocks noChangeAspect="1"/>
+          </p:cNvPicPr>
+          <p:nvPr/>
+        </p:nvPicPr>
+        <p:blipFill>
+          <a:blip r:embed="rId3">
+            <a:extLst>
+              <a:ext uri="{28A0092B-C50C-407E-A947-70E740481C1C}">
+                <a14:useLocalDpi xmlns:a14="http://schemas.microsoft.com/office/drawing/2010/main" val="0"/>
+              </a:ext>
+            </a:extLst>
+          </a:blip>
+          <a:stretch>
+            <a:fillRect/>
+          </a:stretch>
+        </p:blipFill>
+        <p:spPr>
+          <a:xfrm rot="18900000">
+            <a:off x="339004" y="4695524"/>
+            <a:ext cx="1632753" cy="2229600"/>
+          </a:xfrm>
+          <a:prstGeom prst="rect">
+            <a:avLst/>
+          </a:prstGeom>
+        </p:spPr>
+      </p:pic>
+      <p:sp>
+        <p:nvSpPr>
+          <p:cNvPr id="2" name="Title 1">
+            <a:extLst>
+              <a:ext uri="{FF2B5EF4-FFF2-40B4-BE49-F238E27FC236}">
+                <a16:creationId xmlns:a16="http://schemas.microsoft.com/office/drawing/2014/main" id="{E834D691-265F-C50C-561E-9DA7A90DC962}"/>
+              </a:ext>
+            </a:extLst>
+          </p:cNvPr>
+          <p:cNvSpPr>
+            <a:spLocks noGrp="1"/>
+          </p:cNvSpPr>
+          <p:nvPr>
+            <p:ph type="title"/>
+          </p:nvPr>
+        </p:nvSpPr>
+        <p:spPr>
+          <a:xfrm>
+            <a:off x="838200" y="1"/>
+            <a:ext cx="10515600" cy="394282"/>
+          </a:xfrm>
+        </p:spPr>
+        <p:txBody>
+          <a:bodyPr>
+            <a:noAutofit/>
+          </a:bodyPr>
+          <a:lstStyle/>
+          <a:p>
+            <a:pPr algn="ctr"/>
+            <a:r>
+              <a:rPr lang="en-US" sz="2000"/>
+              <a:t>Disentangling the many distinct "git-related" tools</a:t>
+            </a:r>
+          </a:p>
+        </p:txBody>
+      </p:sp>
+      <p:sp>
+        <p:nvSpPr>
+          <p:cNvPr id="3" name="Content Placeholder 2">
+            <a:extLst>
+              <a:ext uri="{FF2B5EF4-FFF2-40B4-BE49-F238E27FC236}">
+                <a16:creationId xmlns:a16="http://schemas.microsoft.com/office/drawing/2014/main" id="{0D523756-A90F-410E-7D50-4E233F2E0430}"/>
+              </a:ext>
+            </a:extLst>
+          </p:cNvPr>
+          <p:cNvSpPr>
+            <a:spLocks noGrp="1"/>
+          </p:cNvSpPr>
+          <p:nvPr>
+            <p:ph idx="1"/>
+          </p:nvPr>
+        </p:nvSpPr>
+        <p:spPr>
+          <a:xfrm>
+            <a:off x="11896" y="2032103"/>
+            <a:ext cx="3840480" cy="4351338"/>
+          </a:xfrm>
+        </p:spPr>
+        <p:txBody>
+          <a:bodyPr/>
+          <a:lstStyle/>
+          <a:p>
+            <a:pPr marL="0" indent="0" algn="ctr">
+              <a:spcBef>
+                <a:spcPts val="0"/>
+              </a:spcBef>
+              <a:buNone/>
+            </a:pPr>
+            <a:r>
+              <a:rPr lang="en-US" sz="2400"/>
+              <a:t>Track file changes</a:t>
+            </a:r>
+          </a:p>
+          <a:p>
+            <a:pPr marL="0" indent="0" algn="ctr">
+              <a:spcBef>
+                <a:spcPts val="0"/>
+              </a:spcBef>
+              <a:buNone/>
+            </a:pPr>
+            <a:r>
+              <a:rPr lang="en-US" sz="2400"/>
+              <a:t>(version control system)</a:t>
+            </a:r>
+          </a:p>
+          <a:p>
+            <a:pPr marL="0" indent="0">
+              <a:buNone/>
+            </a:pPr>
+            <a:endParaRPr lang="en-US" sz="2000"/>
+          </a:p>
+        </p:txBody>
+      </p:sp>
+      <p:sp>
+        <p:nvSpPr>
+          <p:cNvPr id="4" name="Content Placeholder 2">
+            <a:extLst>
+              <a:ext uri="{FF2B5EF4-FFF2-40B4-BE49-F238E27FC236}">
+                <a16:creationId xmlns:a16="http://schemas.microsoft.com/office/drawing/2014/main" id="{7D17FC43-0407-DAC8-8547-E2CC7F07F11E}"/>
+              </a:ext>
+            </a:extLst>
+          </p:cNvPr>
+          <p:cNvSpPr txBox="1">
+            <a:spLocks/>
+          </p:cNvSpPr>
+          <p:nvPr/>
+        </p:nvSpPr>
+        <p:spPr>
+          <a:xfrm>
+            <a:off x="4128207" y="2041511"/>
+            <a:ext cx="3837265" cy="4351338"/>
+          </a:xfrm>
+          <a:prstGeom prst="rect">
+            <a:avLst/>
+          </a:prstGeom>
+        </p:spPr>
+        <p:txBody>
+          <a:bodyPr vert="horz" lIns="91440" tIns="45720" rIns="91440" bIns="45720" rtlCol="0">
+            <a:normAutofit/>
+          </a:bodyPr>
+          <a:lstStyle>
+            <a:lvl1pPr marL="228600" indent="-228600" algn="l" defTabSz="914400" rtl="0" eaLnBrk="1" latinLnBrk="0" hangingPunct="1">
+              <a:lnSpc>
+                <a:spcPct val="90000"/>
+              </a:lnSpc>
+              <a:spcBef>
+                <a:spcPts val="1000"/>
+              </a:spcBef>
+              <a:buFont typeface="Arial" panose="020B0604020202020204" pitchFamily="34" charset="0"/>
+              <a:buChar char="•"/>
+              <a:defRPr sz="2800" kern="1200">
+                <a:solidFill>
+                  <a:schemeClr val="tx1"/>
+                </a:solidFill>
+                <a:latin typeface="+mn-lt"/>
+                <a:ea typeface="+mn-ea"/>
+                <a:cs typeface="+mn-cs"/>
+              </a:defRPr>
+            </a:lvl1pPr>
+            <a:lvl2pPr marL="685800" indent="-228600" algn="l" defTabSz="914400" rtl="0" eaLnBrk="1" latinLnBrk="0" hangingPunct="1">
+              <a:lnSpc>
+                <a:spcPct val="90000"/>
+              </a:lnSpc>
+              <a:spcBef>
+                <a:spcPts val="500"/>
+              </a:spcBef>
+              <a:buFont typeface="Arial" panose="020B0604020202020204" pitchFamily="34" charset="0"/>
+              <a:buChar char="•"/>
+              <a:defRPr sz="2400" kern="1200">
+                <a:solidFill>
+                  <a:schemeClr val="tx1"/>
+                </a:solidFill>
+                <a:latin typeface="+mn-lt"/>
+                <a:ea typeface="+mn-ea"/>
+                <a:cs typeface="+mn-cs"/>
+              </a:defRPr>
+            </a:lvl2pPr>
+            <a:lvl3pPr marL="1143000" indent="-228600" algn="l" defTabSz="914400" rtl="0" eaLnBrk="1" latinLnBrk="0" hangingPunct="1">
+              <a:lnSpc>
+                <a:spcPct val="90000"/>
+              </a:lnSpc>
+              <a:spcBef>
+                <a:spcPts val="500"/>
+              </a:spcBef>
+              <a:buFont typeface="Arial" panose="020B0604020202020204" pitchFamily="34" charset="0"/>
+              <a:buChar char="•"/>
+              <a:defRPr sz="2000" kern="1200">
+                <a:solidFill>
+                  <a:schemeClr val="tx1"/>
+                </a:solidFill>
+                <a:latin typeface="+mn-lt"/>
+                <a:ea typeface="+mn-ea"/>
+                <a:cs typeface="+mn-cs"/>
+              </a:defRPr>
+            </a:lvl3pPr>
+            <a:lvl4pPr marL="1600200" indent="-228600" algn="l" defTabSz="914400" rtl="0" eaLnBrk="1" latinLnBrk="0" hangingPunct="1">
+              <a:lnSpc>
+                <a:spcPct val="90000"/>
+              </a:lnSpc>
+              <a:spcBef>
+                <a:spcPts val="500"/>
+              </a:spcBef>
+              <a:buFont typeface="Arial" panose="020B0604020202020204" pitchFamily="34" charset="0"/>
+              <a:buChar char="•"/>
+              <a:defRPr sz="1800" kern="1200">
+                <a:solidFill>
+                  <a:schemeClr val="tx1"/>
+                </a:solidFill>
+                <a:latin typeface="+mn-lt"/>
+                <a:ea typeface="+mn-ea"/>
+                <a:cs typeface="+mn-cs"/>
+              </a:defRPr>
+            </a:lvl4pPr>
+            <a:lvl5pPr marL="2057400" indent="-228600" algn="l" defTabSz="914400" rtl="0" eaLnBrk="1" latinLnBrk="0" hangingPunct="1">
+              <a:lnSpc>
+                <a:spcPct val="90000"/>
+              </a:lnSpc>
+              <a:spcBef>
+                <a:spcPts val="500"/>
+              </a:spcBef>
+              <a:buFont typeface="Arial" panose="020B0604020202020204" pitchFamily="34" charset="0"/>
+              <a:buChar char="•"/>
+              <a:defRPr sz="1800" kern="1200">
+                <a:solidFill>
+                  <a:schemeClr val="tx1"/>
+                </a:solidFill>
+                <a:latin typeface="+mn-lt"/>
+                <a:ea typeface="+mn-ea"/>
+                <a:cs typeface="+mn-cs"/>
+              </a:defRPr>
+            </a:lvl5pPr>
+            <a:lvl6pPr marL="2514600" indent="-228600" algn="l" defTabSz="914400" rtl="0" eaLnBrk="1" latinLnBrk="0" hangingPunct="1">
+              <a:lnSpc>
+                <a:spcPct val="90000"/>
+              </a:lnSpc>
+              <a:spcBef>
+                <a:spcPts val="500"/>
+              </a:spcBef>
+              <a:buFont typeface="Arial" panose="020B0604020202020204" pitchFamily="34" charset="0"/>
+              <a:buChar char="•"/>
+              <a:defRPr sz="1800" kern="1200">
+                <a:solidFill>
+                  <a:schemeClr val="tx1"/>
+                </a:solidFill>
+                <a:latin typeface="+mn-lt"/>
+                <a:ea typeface="+mn-ea"/>
+                <a:cs typeface="+mn-cs"/>
+              </a:defRPr>
+            </a:lvl6pPr>
+            <a:lvl7pPr marL="2971800" indent="-228600" algn="l" defTabSz="914400" rtl="0" eaLnBrk="1" latinLnBrk="0" hangingPunct="1">
+              <a:lnSpc>
+                <a:spcPct val="90000"/>
+              </a:lnSpc>
+              <a:spcBef>
+                <a:spcPts val="500"/>
+              </a:spcBef>
+              <a:buFont typeface="Arial" panose="020B0604020202020204" pitchFamily="34" charset="0"/>
+              <a:buChar char="•"/>
+              <a:defRPr sz="1800" kern="1200">
+                <a:solidFill>
+                  <a:schemeClr val="tx1"/>
+                </a:solidFill>
+                <a:latin typeface="+mn-lt"/>
+                <a:ea typeface="+mn-ea"/>
+                <a:cs typeface="+mn-cs"/>
+              </a:defRPr>
+            </a:lvl7pPr>
+            <a:lvl8pPr marL="3429000" indent="-228600" algn="l" defTabSz="914400" rtl="0" eaLnBrk="1" latinLnBrk="0" hangingPunct="1">
+              <a:lnSpc>
+                <a:spcPct val="90000"/>
+              </a:lnSpc>
+              <a:spcBef>
+                <a:spcPts val="500"/>
+              </a:spcBef>
+              <a:buFont typeface="Arial" panose="020B0604020202020204" pitchFamily="34" charset="0"/>
+              <a:buChar char="•"/>
+              <a:defRPr sz="1800" kern="1200">
+                <a:solidFill>
+                  <a:schemeClr val="tx1"/>
+                </a:solidFill>
+                <a:latin typeface="+mn-lt"/>
+                <a:ea typeface="+mn-ea"/>
+                <a:cs typeface="+mn-cs"/>
+              </a:defRPr>
+            </a:lvl8pPr>
+            <a:lvl9pPr marL="3886200" indent="-228600" algn="l" defTabSz="914400" rtl="0" eaLnBrk="1" latinLnBrk="0" hangingPunct="1">
+              <a:lnSpc>
+                <a:spcPct val="90000"/>
+              </a:lnSpc>
+              <a:spcBef>
+                <a:spcPts val="500"/>
+              </a:spcBef>
+              <a:buFont typeface="Arial" panose="020B0604020202020204" pitchFamily="34" charset="0"/>
+              <a:buChar char="•"/>
+              <a:defRPr sz="1800" kern="1200">
+                <a:solidFill>
+                  <a:schemeClr val="tx1"/>
+                </a:solidFill>
+                <a:latin typeface="+mn-lt"/>
+                <a:ea typeface="+mn-ea"/>
+                <a:cs typeface="+mn-cs"/>
+              </a:defRPr>
+            </a:lvl9pPr>
+          </a:lstStyle>
+          <a:p>
+            <a:pPr marL="0" indent="0" algn="ctr">
+              <a:spcBef>
+                <a:spcPts val="0"/>
+              </a:spcBef>
+              <a:buFont typeface="Arial" panose="020B0604020202020204" pitchFamily="34" charset="0"/>
+              <a:buNone/>
+            </a:pPr>
+            <a:r>
+              <a:rPr lang="en-US" sz="2400"/>
+              <a:t>Cloud hosting for code</a:t>
+            </a:r>
+          </a:p>
+          <a:p>
+            <a:pPr marL="0" indent="0" algn="ctr">
+              <a:spcBef>
+                <a:spcPts val="0"/>
+              </a:spcBef>
+              <a:buFont typeface="Arial" panose="020B0604020202020204" pitchFamily="34" charset="0"/>
+              <a:buNone/>
+            </a:pPr>
+            <a:r>
+              <a:rPr lang="en-US" sz="2400"/>
+              <a:t>(git repositories)</a:t>
+            </a:r>
+          </a:p>
+          <a:p>
+            <a:pPr lvl="1"/>
+            <a:endParaRPr lang="en-US" sz="1600"/>
+          </a:p>
+          <a:p>
+            <a:endParaRPr lang="en-US" sz="2000"/>
+          </a:p>
+        </p:txBody>
+      </p:sp>
+      <p:sp>
+        <p:nvSpPr>
+          <p:cNvPr id="5" name="Content Placeholder 2">
+            <a:extLst>
+              <a:ext uri="{FF2B5EF4-FFF2-40B4-BE49-F238E27FC236}">
+                <a16:creationId xmlns:a16="http://schemas.microsoft.com/office/drawing/2014/main" id="{3177D642-C3C7-C0EF-F098-346EE9D27C9E}"/>
+              </a:ext>
+            </a:extLst>
+          </p:cNvPr>
+          <p:cNvSpPr txBox="1">
+            <a:spLocks/>
+          </p:cNvSpPr>
+          <p:nvPr/>
+        </p:nvSpPr>
+        <p:spPr>
+          <a:xfrm>
+            <a:off x="8299059" y="2037317"/>
+            <a:ext cx="3840480" cy="4351338"/>
+          </a:xfrm>
+          <a:prstGeom prst="rect">
+            <a:avLst/>
+          </a:prstGeom>
+        </p:spPr>
+        <p:txBody>
+          <a:bodyPr vert="horz" lIns="91440" tIns="45720" rIns="91440" bIns="45720" rtlCol="0">
+            <a:normAutofit/>
+          </a:bodyPr>
+          <a:lstStyle>
+            <a:lvl1pPr marL="228600" indent="-228600" algn="l" defTabSz="914400" rtl="0" eaLnBrk="1" latinLnBrk="0" hangingPunct="1">
+              <a:lnSpc>
+                <a:spcPct val="90000"/>
+              </a:lnSpc>
+              <a:spcBef>
+                <a:spcPts val="1000"/>
+              </a:spcBef>
+              <a:buFont typeface="Arial" panose="020B0604020202020204" pitchFamily="34" charset="0"/>
+              <a:buChar char="•"/>
+              <a:defRPr sz="2800" kern="1200">
+                <a:solidFill>
+                  <a:schemeClr val="tx1"/>
+                </a:solidFill>
+                <a:latin typeface="+mn-lt"/>
+                <a:ea typeface="+mn-ea"/>
+                <a:cs typeface="+mn-cs"/>
+              </a:defRPr>
+            </a:lvl1pPr>
+            <a:lvl2pPr marL="685800" indent="-228600" algn="l" defTabSz="914400" rtl="0" eaLnBrk="1" latinLnBrk="0" hangingPunct="1">
+              <a:lnSpc>
+                <a:spcPct val="90000"/>
+              </a:lnSpc>
+              <a:spcBef>
+                <a:spcPts val="500"/>
+              </a:spcBef>
+              <a:buFont typeface="Arial" panose="020B0604020202020204" pitchFamily="34" charset="0"/>
+              <a:buChar char="•"/>
+              <a:defRPr sz="2400" kern="1200">
+                <a:solidFill>
+                  <a:schemeClr val="tx1"/>
+                </a:solidFill>
+                <a:latin typeface="+mn-lt"/>
+                <a:ea typeface="+mn-ea"/>
+                <a:cs typeface="+mn-cs"/>
+              </a:defRPr>
+            </a:lvl2pPr>
+            <a:lvl3pPr marL="1143000" indent="-228600" algn="l" defTabSz="914400" rtl="0" eaLnBrk="1" latinLnBrk="0" hangingPunct="1">
+              <a:lnSpc>
+                <a:spcPct val="90000"/>
+              </a:lnSpc>
+              <a:spcBef>
+                <a:spcPts val="500"/>
+              </a:spcBef>
+              <a:buFont typeface="Arial" panose="020B0604020202020204" pitchFamily="34" charset="0"/>
+              <a:buChar char="•"/>
+              <a:defRPr sz="2000" kern="1200">
+                <a:solidFill>
+                  <a:schemeClr val="tx1"/>
+                </a:solidFill>
+                <a:latin typeface="+mn-lt"/>
+                <a:ea typeface="+mn-ea"/>
+                <a:cs typeface="+mn-cs"/>
+              </a:defRPr>
+            </a:lvl3pPr>
+            <a:lvl4pPr marL="1600200" indent="-228600" algn="l" defTabSz="914400" rtl="0" eaLnBrk="1" latinLnBrk="0" hangingPunct="1">
+              <a:lnSpc>
+                <a:spcPct val="90000"/>
+              </a:lnSpc>
+              <a:spcBef>
+                <a:spcPts val="500"/>
+              </a:spcBef>
+              <a:buFont typeface="Arial" panose="020B0604020202020204" pitchFamily="34" charset="0"/>
+              <a:buChar char="•"/>
+              <a:defRPr sz="1800" kern="1200">
+                <a:solidFill>
+                  <a:schemeClr val="tx1"/>
+                </a:solidFill>
+                <a:latin typeface="+mn-lt"/>
+                <a:ea typeface="+mn-ea"/>
+                <a:cs typeface="+mn-cs"/>
+              </a:defRPr>
+            </a:lvl4pPr>
+            <a:lvl5pPr marL="2057400" indent="-228600" algn="l" defTabSz="914400" rtl="0" eaLnBrk="1" latinLnBrk="0" hangingPunct="1">
+              <a:lnSpc>
+                <a:spcPct val="90000"/>
+              </a:lnSpc>
+              <a:spcBef>
+                <a:spcPts val="500"/>
+              </a:spcBef>
+              <a:buFont typeface="Arial" panose="020B0604020202020204" pitchFamily="34" charset="0"/>
+              <a:buChar char="•"/>
+              <a:defRPr sz="1800" kern="1200">
+                <a:solidFill>
+                  <a:schemeClr val="tx1"/>
+                </a:solidFill>
+                <a:latin typeface="+mn-lt"/>
+                <a:ea typeface="+mn-ea"/>
+                <a:cs typeface="+mn-cs"/>
+              </a:defRPr>
+            </a:lvl5pPr>
+            <a:lvl6pPr marL="2514600" indent="-228600" algn="l" defTabSz="914400" rtl="0" eaLnBrk="1" latinLnBrk="0" hangingPunct="1">
+              <a:lnSpc>
+                <a:spcPct val="90000"/>
+              </a:lnSpc>
+              <a:spcBef>
+                <a:spcPts val="500"/>
+              </a:spcBef>
+              <a:buFont typeface="Arial" panose="020B0604020202020204" pitchFamily="34" charset="0"/>
+              <a:buChar char="•"/>
+              <a:defRPr sz="1800" kern="1200">
+                <a:solidFill>
+                  <a:schemeClr val="tx1"/>
+                </a:solidFill>
+                <a:latin typeface="+mn-lt"/>
+                <a:ea typeface="+mn-ea"/>
+                <a:cs typeface="+mn-cs"/>
+              </a:defRPr>
+            </a:lvl6pPr>
+            <a:lvl7pPr marL="2971800" indent="-228600" algn="l" defTabSz="914400" rtl="0" eaLnBrk="1" latinLnBrk="0" hangingPunct="1">
+              <a:lnSpc>
+                <a:spcPct val="90000"/>
+              </a:lnSpc>
+              <a:spcBef>
+                <a:spcPts val="500"/>
+              </a:spcBef>
+              <a:buFont typeface="Arial" panose="020B0604020202020204" pitchFamily="34" charset="0"/>
+              <a:buChar char="•"/>
+              <a:defRPr sz="1800" kern="1200">
+                <a:solidFill>
+                  <a:schemeClr val="tx1"/>
+                </a:solidFill>
+                <a:latin typeface="+mn-lt"/>
+                <a:ea typeface="+mn-ea"/>
+                <a:cs typeface="+mn-cs"/>
+              </a:defRPr>
+            </a:lvl7pPr>
+            <a:lvl8pPr marL="3429000" indent="-228600" algn="l" defTabSz="914400" rtl="0" eaLnBrk="1" latinLnBrk="0" hangingPunct="1">
+              <a:lnSpc>
+                <a:spcPct val="90000"/>
+              </a:lnSpc>
+              <a:spcBef>
+                <a:spcPts val="500"/>
+              </a:spcBef>
+              <a:buFont typeface="Arial" panose="020B0604020202020204" pitchFamily="34" charset="0"/>
+              <a:buChar char="•"/>
+              <a:defRPr sz="1800" kern="1200">
+                <a:solidFill>
+                  <a:schemeClr val="tx1"/>
+                </a:solidFill>
+                <a:latin typeface="+mn-lt"/>
+                <a:ea typeface="+mn-ea"/>
+                <a:cs typeface="+mn-cs"/>
+              </a:defRPr>
+            </a:lvl8pPr>
+            <a:lvl9pPr marL="3886200" indent="-228600" algn="l" defTabSz="914400" rtl="0" eaLnBrk="1" latinLnBrk="0" hangingPunct="1">
+              <a:lnSpc>
+                <a:spcPct val="90000"/>
+              </a:lnSpc>
+              <a:spcBef>
+                <a:spcPts val="500"/>
+              </a:spcBef>
+              <a:buFont typeface="Arial" panose="020B0604020202020204" pitchFamily="34" charset="0"/>
+              <a:buChar char="•"/>
+              <a:defRPr sz="1800" kern="1200">
+                <a:solidFill>
+                  <a:schemeClr val="tx1"/>
+                </a:solidFill>
+                <a:latin typeface="+mn-lt"/>
+                <a:ea typeface="+mn-ea"/>
+                <a:cs typeface="+mn-cs"/>
+              </a:defRPr>
+            </a:lvl9pPr>
+          </a:lstStyle>
+          <a:p>
+            <a:pPr marL="0" indent="0" algn="ctr">
+              <a:buFont typeface="Arial" panose="020B0604020202020204" pitchFamily="34" charset="0"/>
+              <a:buNone/>
+            </a:pPr>
+            <a:r>
+              <a:rPr lang="en-US" sz="2400"/>
+              <a:t>Graphical user interface (GUI) for git</a:t>
+            </a:r>
+          </a:p>
+          <a:p>
+            <a:pPr lvl="1"/>
+            <a:endParaRPr lang="en-US" sz="1600"/>
+          </a:p>
+          <a:p>
+            <a:pPr lvl="1"/>
+            <a:endParaRPr lang="en-US" sz="1600"/>
+          </a:p>
+        </p:txBody>
+      </p:sp>
+      <p:pic>
+        <p:nvPicPr>
+          <p:cNvPr id="8" name="Picture 7">
+            <a:extLst>
+              <a:ext uri="{FF2B5EF4-FFF2-40B4-BE49-F238E27FC236}">
+                <a16:creationId xmlns:a16="http://schemas.microsoft.com/office/drawing/2014/main" id="{7F2EA274-313A-BF7F-62A2-51FCD19BB2CC}"/>
+              </a:ext>
+            </a:extLst>
+          </p:cNvPr>
+          <p:cNvPicPr>
+            <a:picLocks noChangeAspect="1"/>
+          </p:cNvPicPr>
+          <p:nvPr/>
+        </p:nvPicPr>
+        <p:blipFill>
+          <a:blip r:embed="rId4">
+            <a:extLst>
+              <a:ext uri="{28A0092B-C50C-407E-A947-70E740481C1C}">
+                <a14:useLocalDpi xmlns:a14="http://schemas.microsoft.com/office/drawing/2010/main" val="0"/>
+              </a:ext>
+            </a:extLst>
+          </a:blip>
+          <a:stretch>
+            <a:fillRect/>
+          </a:stretch>
+        </p:blipFill>
+        <p:spPr>
+          <a:xfrm>
+            <a:off x="8374417" y="926500"/>
+            <a:ext cx="3765122" cy="706530"/>
+          </a:xfrm>
+          <a:prstGeom prst="rect">
+            <a:avLst/>
+          </a:prstGeom>
+        </p:spPr>
+      </p:pic>
+      <p:pic>
+        <p:nvPicPr>
+          <p:cNvPr id="10" name="Picture 9" descr="A black and white logo&#10;&#10;Description automatically generated">
+            <a:extLst>
+              <a:ext uri="{FF2B5EF4-FFF2-40B4-BE49-F238E27FC236}">
+                <a16:creationId xmlns:a16="http://schemas.microsoft.com/office/drawing/2014/main" id="{06FED106-7ACA-C546-265C-45A2F1CB4587}"/>
+              </a:ext>
+            </a:extLst>
+          </p:cNvPr>
+          <p:cNvPicPr>
+            <a:picLocks noChangeAspect="1"/>
+          </p:cNvPicPr>
+          <p:nvPr/>
+        </p:nvPicPr>
+        <p:blipFill>
+          <a:blip r:embed="rId5">
+            <a:extLst>
+              <a:ext uri="{28A0092B-C50C-407E-A947-70E740481C1C}">
+                <a14:useLocalDpi xmlns:a14="http://schemas.microsoft.com/office/drawing/2010/main" val="0"/>
+              </a:ext>
+            </a:extLst>
+          </a:blip>
+          <a:stretch>
+            <a:fillRect/>
+          </a:stretch>
+        </p:blipFill>
+        <p:spPr>
+          <a:xfrm>
+            <a:off x="3637877" y="594595"/>
+            <a:ext cx="3993826" cy="1480378"/>
+          </a:xfrm>
+          <a:prstGeom prst="rect">
+            <a:avLst/>
+          </a:prstGeom>
+        </p:spPr>
+      </p:pic>
+      <p:pic>
+        <p:nvPicPr>
+          <p:cNvPr id="12" name="Picture 11" descr="A close up of a logo&#10;&#10;Description automatically generated">
+            <a:extLst>
+              <a:ext uri="{FF2B5EF4-FFF2-40B4-BE49-F238E27FC236}">
+                <a16:creationId xmlns:a16="http://schemas.microsoft.com/office/drawing/2014/main" id="{D19F25AB-C995-0770-FD1E-51394471DC29}"/>
+              </a:ext>
+            </a:extLst>
+          </p:cNvPr>
+          <p:cNvPicPr>
+            <a:picLocks noChangeAspect="1"/>
+          </p:cNvPicPr>
+          <p:nvPr/>
+        </p:nvPicPr>
+        <p:blipFill>
+          <a:blip r:embed="rId6">
+            <a:extLst>
+              <a:ext uri="{28A0092B-C50C-407E-A947-70E740481C1C}">
+                <a14:useLocalDpi xmlns:a14="http://schemas.microsoft.com/office/drawing/2010/main" val="0"/>
+              </a:ext>
+            </a:extLst>
+          </a:blip>
+          <a:srcRect l="12157" r="16426"/>
+          <a:stretch/>
+        </p:blipFill>
+        <p:spPr>
+          <a:xfrm>
+            <a:off x="380407" y="779360"/>
+            <a:ext cx="2637777" cy="1256285"/>
+          </a:xfrm>
+          <a:prstGeom prst="rect">
+            <a:avLst/>
+          </a:prstGeom>
+        </p:spPr>
+      </p:pic>
+      <p:pic>
+        <p:nvPicPr>
+          <p:cNvPr id="14" name="Picture 13" descr="A screenshot of a computer program&#10;&#10;Description automatically generated">
+            <a:extLst>
+              <a:ext uri="{FF2B5EF4-FFF2-40B4-BE49-F238E27FC236}">
+                <a16:creationId xmlns:a16="http://schemas.microsoft.com/office/drawing/2014/main" id="{D03C5ABC-7903-57C0-83E6-EC167B6C1EA2}"/>
+              </a:ext>
+            </a:extLst>
+          </p:cNvPr>
+          <p:cNvPicPr>
+            <a:picLocks noChangeAspect="1"/>
+          </p:cNvPicPr>
+          <p:nvPr/>
+        </p:nvPicPr>
+        <p:blipFill>
+          <a:blip r:embed="rId7">
+            <a:extLst>
+              <a:ext uri="{28A0092B-C50C-407E-A947-70E740481C1C}">
+                <a14:useLocalDpi xmlns:a14="http://schemas.microsoft.com/office/drawing/2010/main" val="0"/>
+              </a:ext>
+            </a:extLst>
+          </a:blip>
+          <a:stretch>
+            <a:fillRect/>
+          </a:stretch>
+        </p:blipFill>
+        <p:spPr>
+          <a:xfrm>
+            <a:off x="54699" y="2800800"/>
+            <a:ext cx="3795255" cy="1997780"/>
+          </a:xfrm>
+          <a:prstGeom prst="rect">
+            <a:avLst/>
+          </a:prstGeom>
+        </p:spPr>
+      </p:pic>
+      <p:pic>
+        <p:nvPicPr>
+          <p:cNvPr id="22" name="Picture 21" descr="A logo of a company&#10;&#10;Description automatically generated">
+            <a:extLst>
+              <a:ext uri="{FF2B5EF4-FFF2-40B4-BE49-F238E27FC236}">
+                <a16:creationId xmlns:a16="http://schemas.microsoft.com/office/drawing/2014/main" id="{E061A731-BE6E-8783-F344-3D4FFFC168B7}"/>
+              </a:ext>
+            </a:extLst>
+          </p:cNvPr>
+          <p:cNvPicPr>
+            <a:picLocks noChangeAspect="1"/>
+          </p:cNvPicPr>
+          <p:nvPr/>
+        </p:nvPicPr>
+        <p:blipFill>
+          <a:blip r:embed="rId8">
+            <a:extLst>
+              <a:ext uri="{28A0092B-C50C-407E-A947-70E740481C1C}">
+                <a14:useLocalDpi xmlns:a14="http://schemas.microsoft.com/office/drawing/2010/main" val="0"/>
+              </a:ext>
+            </a:extLst>
+          </a:blip>
+          <a:stretch>
+            <a:fillRect/>
+          </a:stretch>
+        </p:blipFill>
+        <p:spPr>
+          <a:xfrm>
+            <a:off x="5020817" y="5693409"/>
+            <a:ext cx="1966651" cy="1139991"/>
+          </a:xfrm>
+          <a:prstGeom prst="rect">
+            <a:avLst/>
+          </a:prstGeom>
+        </p:spPr>
+      </p:pic>
+      <p:pic>
+        <p:nvPicPr>
+          <p:cNvPr id="24" name="Picture 23" descr="A screenshot of a computer&#10;&#10;Description automatically generated">
+            <a:extLst>
+              <a:ext uri="{FF2B5EF4-FFF2-40B4-BE49-F238E27FC236}">
+                <a16:creationId xmlns:a16="http://schemas.microsoft.com/office/drawing/2014/main" id="{D2450D2D-3F1F-696A-5C74-BBCC034468A6}"/>
+              </a:ext>
+            </a:extLst>
+          </p:cNvPr>
+          <p:cNvPicPr>
+            <a:picLocks noChangeAspect="1"/>
+          </p:cNvPicPr>
+          <p:nvPr/>
+        </p:nvPicPr>
+        <p:blipFill>
+          <a:blip r:embed="rId9">
+            <a:extLst>
+              <a:ext uri="{28A0092B-C50C-407E-A947-70E740481C1C}">
+                <a14:useLocalDpi xmlns:a14="http://schemas.microsoft.com/office/drawing/2010/main" val="0"/>
+              </a:ext>
+            </a:extLst>
+          </a:blip>
+          <a:stretch>
+            <a:fillRect/>
+          </a:stretch>
+        </p:blipFill>
+        <p:spPr>
+          <a:xfrm>
+            <a:off x="4042906" y="2810981"/>
+            <a:ext cx="3922475" cy="2497870"/>
+          </a:xfrm>
+          <a:prstGeom prst="rect">
+            <a:avLst/>
+          </a:prstGeom>
+        </p:spPr>
+      </p:pic>
+      <p:pic>
+        <p:nvPicPr>
+          <p:cNvPr id="26" name="Picture 25" descr="A screenshot of a computer&#10;&#10;Description automatically generated">
+            <a:extLst>
+              <a:ext uri="{FF2B5EF4-FFF2-40B4-BE49-F238E27FC236}">
+                <a16:creationId xmlns:a16="http://schemas.microsoft.com/office/drawing/2014/main" id="{33F15BBD-1496-02AD-CDB3-308253E3D22C}"/>
+              </a:ext>
+            </a:extLst>
+          </p:cNvPr>
+          <p:cNvPicPr>
+            <a:picLocks noChangeAspect="1"/>
+          </p:cNvPicPr>
+          <p:nvPr/>
+        </p:nvPicPr>
+        <p:blipFill>
+          <a:blip r:embed="rId10">
+            <a:extLst>
+              <a:ext uri="{28A0092B-C50C-407E-A947-70E740481C1C}">
+                <a14:useLocalDpi xmlns:a14="http://schemas.microsoft.com/office/drawing/2010/main" val="0"/>
+              </a:ext>
+            </a:extLst>
+          </a:blip>
+          <a:srcRect b="18897"/>
+          <a:stretch/>
+        </p:blipFill>
+        <p:spPr>
+          <a:xfrm>
+            <a:off x="8123072" y="2810981"/>
+            <a:ext cx="4014229" cy="2209619"/>
+          </a:xfrm>
+          <a:prstGeom prst="rect">
+            <a:avLst/>
+          </a:prstGeom>
+        </p:spPr>
+      </p:pic>
+      <p:pic>
+        <p:nvPicPr>
+          <p:cNvPr id="27" name="Picture 26" descr="A logo of a company&#10;&#10;Description automatically generated">
+            <a:extLst>
+              <a:ext uri="{FF2B5EF4-FFF2-40B4-BE49-F238E27FC236}">
+                <a16:creationId xmlns:a16="http://schemas.microsoft.com/office/drawing/2014/main" id="{AC53EC7F-DA68-7B10-78DD-0C8B67A8478A}"/>
+              </a:ext>
+            </a:extLst>
+          </p:cNvPr>
+          <p:cNvPicPr>
+            <a:picLocks noChangeAspect="1"/>
+          </p:cNvPicPr>
+          <p:nvPr/>
+        </p:nvPicPr>
+        <p:blipFill>
+          <a:blip r:embed="rId8">
+            <a:extLst>
+              <a:ext uri="{28A0092B-C50C-407E-A947-70E740481C1C}">
+                <a14:useLocalDpi xmlns:a14="http://schemas.microsoft.com/office/drawing/2010/main" val="0"/>
+              </a:ext>
+            </a:extLst>
+          </a:blip>
+          <a:stretch>
+            <a:fillRect/>
+          </a:stretch>
+        </p:blipFill>
+        <p:spPr>
+          <a:xfrm>
+            <a:off x="9387149" y="5705364"/>
+            <a:ext cx="1966651" cy="1139991"/>
+          </a:xfrm>
+          <a:prstGeom prst="rect">
+            <a:avLst/>
+          </a:prstGeom>
+        </p:spPr>
+      </p:pic>
+    </p:spTree>
+    <p:extLst>
+      <p:ext uri="{BB962C8B-B14F-4D97-AF65-F5344CB8AC3E}">
+        <p14:creationId xmlns:p14="http://schemas.microsoft.com/office/powerpoint/2010/main" val="1030449286"/>
+      </p:ext>
+    </p:extLst>
+  </p:cSld>
+  <p:clrMapOvr>
+    <a:masterClrMapping/>
+  </p:clrMapOvr>
+</p:sld>
+</file>
+
+<file path=ppt/slides/slide4.xml><?xml version="1.0" encoding="utf-8"?>
+<p:sld xmlns:a="http://schemas.openxmlformats.org/drawingml/2006/main" xmlns:r="http://schemas.openxmlformats.org/officeDocument/2006/relationships" xmlns:p="http://schemas.openxmlformats.org/presentationml/2006/main">
+  <p:cSld>
+    <p:spTree>
+      <p:nvGrpSpPr>
+        <p:cNvPr id="1" name="">
+          <a:extLst>
+            <a:ext uri="{FF2B5EF4-FFF2-40B4-BE49-F238E27FC236}">
+              <a16:creationId xmlns:a16="http://schemas.microsoft.com/office/drawing/2014/main" id="{96EF5794-FF73-2C49-F2CC-704DDA880887}"/>
+            </a:ext>
+          </a:extLst>
+        </p:cNvPr>
+        <p:cNvGrpSpPr/>
+        <p:nvPr/>
+      </p:nvGrpSpPr>
+      <p:grpSpPr>
+        <a:xfrm>
+          <a:off x="0" y="0"/>
+          <a:ext cx="0" cy="0"/>
+          <a:chOff x="0" y="0"/>
+          <a:chExt cx="0" cy="0"/>
+        </a:xfrm>
+      </p:grpSpPr>
+      <p:sp>
+        <p:nvSpPr>
+          <p:cNvPr id="2" name="Title 1">
+            <a:extLst>
+              <a:ext uri="{FF2B5EF4-FFF2-40B4-BE49-F238E27FC236}">
+                <a16:creationId xmlns:a16="http://schemas.microsoft.com/office/drawing/2014/main" id="{646445FC-90C3-97A7-ABF4-AA097AB83563}"/>
+              </a:ext>
+            </a:extLst>
+          </p:cNvPr>
+          <p:cNvSpPr>
+            <a:spLocks noGrp="1"/>
+          </p:cNvSpPr>
+          <p:nvPr>
+            <p:ph type="title"/>
+          </p:nvPr>
+        </p:nvSpPr>
+        <p:spPr>
+          <a:xfrm>
+            <a:off x="838200" y="1"/>
+            <a:ext cx="10515600" cy="394282"/>
+          </a:xfrm>
+        </p:spPr>
+        <p:txBody>
+          <a:bodyPr>
+            <a:noAutofit/>
+          </a:bodyPr>
+          <a:lstStyle/>
+          <a:p>
+            <a:pPr algn="ctr"/>
+            <a:r>
+              <a:rPr lang="en-US" sz="2000"/>
+              <a:t>Disentangling the many distinct "git-related" tools</a:t>
+            </a:r>
+          </a:p>
+        </p:txBody>
+      </p:sp>
+      <p:sp>
+        <p:nvSpPr>
+          <p:cNvPr id="3" name="Content Placeholder 2">
+            <a:extLst>
+              <a:ext uri="{FF2B5EF4-FFF2-40B4-BE49-F238E27FC236}">
+                <a16:creationId xmlns:a16="http://schemas.microsoft.com/office/drawing/2014/main" id="{E545D945-ABA0-898B-208A-FBE0AF153D95}"/>
+              </a:ext>
+            </a:extLst>
+          </p:cNvPr>
+          <p:cNvSpPr>
+            <a:spLocks noGrp="1"/>
+          </p:cNvSpPr>
+          <p:nvPr>
+            <p:ph idx="1"/>
+          </p:nvPr>
+        </p:nvSpPr>
+        <p:spPr>
+          <a:xfrm>
+            <a:off x="11896" y="2032103"/>
+            <a:ext cx="3840480" cy="4351338"/>
+          </a:xfrm>
+        </p:spPr>
+        <p:txBody>
+          <a:bodyPr/>
+          <a:lstStyle/>
+          <a:p>
+            <a:pPr marL="0" indent="0" algn="ctr">
+              <a:spcBef>
+                <a:spcPts val="0"/>
+              </a:spcBef>
+              <a:buNone/>
+            </a:pPr>
+            <a:r>
+              <a:rPr lang="en-US" sz="2400"/>
+              <a:t>Track file changes</a:t>
+            </a:r>
+          </a:p>
+          <a:p>
+            <a:pPr marL="0" indent="0" algn="ctr">
+              <a:spcBef>
+                <a:spcPts val="0"/>
+              </a:spcBef>
+              <a:buNone/>
+            </a:pPr>
+            <a:r>
+              <a:rPr lang="en-US" sz="2400"/>
+              <a:t>(version control system)</a:t>
+            </a:r>
+          </a:p>
+          <a:p>
+            <a:endParaRPr lang="en-US" sz="2000"/>
+          </a:p>
+          <a:p>
+            <a:r>
+              <a:rPr lang="en-US" sz="2400"/>
+              <a:t>Alternatives</a:t>
+            </a:r>
+          </a:p>
+          <a:p>
+            <a:pPr lvl="1"/>
+            <a:r>
+              <a:rPr lang="en-US" sz="2000"/>
+              <a:t>Apache Subversion (SVN)</a:t>
+            </a:r>
+          </a:p>
+          <a:p>
+            <a:pPr lvl="1"/>
+            <a:r>
+              <a:rPr lang="en-US" sz="2000"/>
+              <a:t>Mercurial</a:t>
+            </a:r>
+          </a:p>
+          <a:p>
+            <a:pPr marL="0" indent="0">
+              <a:buNone/>
+            </a:pPr>
+            <a:endParaRPr lang="en-US" sz="2000"/>
+          </a:p>
+        </p:txBody>
+      </p:sp>
+      <p:sp>
+        <p:nvSpPr>
+          <p:cNvPr id="4" name="Content Placeholder 2">
+            <a:extLst>
+              <a:ext uri="{FF2B5EF4-FFF2-40B4-BE49-F238E27FC236}">
+                <a16:creationId xmlns:a16="http://schemas.microsoft.com/office/drawing/2014/main" id="{2B13FCAE-43E0-F463-EA1D-22661D76F1BB}"/>
+              </a:ext>
+            </a:extLst>
+          </p:cNvPr>
+          <p:cNvSpPr txBox="1">
+            <a:spLocks/>
+          </p:cNvSpPr>
+          <p:nvPr/>
+        </p:nvSpPr>
+        <p:spPr>
+          <a:xfrm>
+            <a:off x="4128207" y="2041511"/>
+            <a:ext cx="3837265" cy="4351338"/>
+          </a:xfrm>
+          <a:prstGeom prst="rect">
+            <a:avLst/>
+          </a:prstGeom>
+        </p:spPr>
+        <p:txBody>
+          <a:bodyPr vert="horz" lIns="91440" tIns="45720" rIns="91440" bIns="45720" rtlCol="0">
+            <a:normAutofit/>
+          </a:bodyPr>
+          <a:lstStyle>
+            <a:lvl1pPr marL="228600" indent="-228600" algn="l" defTabSz="914400" rtl="0" eaLnBrk="1" latinLnBrk="0" hangingPunct="1">
+              <a:lnSpc>
+                <a:spcPct val="90000"/>
+              </a:lnSpc>
+              <a:spcBef>
+                <a:spcPts val="1000"/>
+              </a:spcBef>
+              <a:buFont typeface="Arial" panose="020B0604020202020204" pitchFamily="34" charset="0"/>
+              <a:buChar char="•"/>
+              <a:defRPr sz="2800" kern="1200">
+                <a:solidFill>
+                  <a:schemeClr val="tx1"/>
+                </a:solidFill>
+                <a:latin typeface="+mn-lt"/>
+                <a:ea typeface="+mn-ea"/>
+                <a:cs typeface="+mn-cs"/>
+              </a:defRPr>
+            </a:lvl1pPr>
+            <a:lvl2pPr marL="685800" indent="-228600" algn="l" defTabSz="914400" rtl="0" eaLnBrk="1" latinLnBrk="0" hangingPunct="1">
+              <a:lnSpc>
+                <a:spcPct val="90000"/>
+              </a:lnSpc>
+              <a:spcBef>
+                <a:spcPts val="500"/>
+              </a:spcBef>
+              <a:buFont typeface="Arial" panose="020B0604020202020204" pitchFamily="34" charset="0"/>
+              <a:buChar char="•"/>
+              <a:defRPr sz="2400" kern="1200">
+                <a:solidFill>
+                  <a:schemeClr val="tx1"/>
+                </a:solidFill>
+                <a:latin typeface="+mn-lt"/>
+                <a:ea typeface="+mn-ea"/>
+                <a:cs typeface="+mn-cs"/>
+              </a:defRPr>
+            </a:lvl2pPr>
+            <a:lvl3pPr marL="1143000" indent="-228600" algn="l" defTabSz="914400" rtl="0" eaLnBrk="1" latinLnBrk="0" hangingPunct="1">
+              <a:lnSpc>
+                <a:spcPct val="90000"/>
+              </a:lnSpc>
+              <a:spcBef>
+                <a:spcPts val="500"/>
+              </a:spcBef>
+              <a:buFont typeface="Arial" panose="020B0604020202020204" pitchFamily="34" charset="0"/>
+              <a:buChar char="•"/>
+              <a:defRPr sz="2000" kern="1200">
+                <a:solidFill>
+                  <a:schemeClr val="tx1"/>
+                </a:solidFill>
+                <a:latin typeface="+mn-lt"/>
+                <a:ea typeface="+mn-ea"/>
+                <a:cs typeface="+mn-cs"/>
+              </a:defRPr>
+            </a:lvl3pPr>
+            <a:lvl4pPr marL="1600200" indent="-228600" algn="l" defTabSz="914400" rtl="0" eaLnBrk="1" latinLnBrk="0" hangingPunct="1">
+              <a:lnSpc>
+                <a:spcPct val="90000"/>
+              </a:lnSpc>
+              <a:spcBef>
+                <a:spcPts val="500"/>
+              </a:spcBef>
+              <a:buFont typeface="Arial" panose="020B0604020202020204" pitchFamily="34" charset="0"/>
+              <a:buChar char="•"/>
+              <a:defRPr sz="1800" kern="1200">
+                <a:solidFill>
+                  <a:schemeClr val="tx1"/>
+                </a:solidFill>
+                <a:latin typeface="+mn-lt"/>
+                <a:ea typeface="+mn-ea"/>
+                <a:cs typeface="+mn-cs"/>
+              </a:defRPr>
+            </a:lvl4pPr>
+            <a:lvl5pPr marL="2057400" indent="-228600" algn="l" defTabSz="914400" rtl="0" eaLnBrk="1" latinLnBrk="0" hangingPunct="1">
+              <a:lnSpc>
+                <a:spcPct val="90000"/>
+              </a:lnSpc>
+              <a:spcBef>
+                <a:spcPts val="500"/>
+              </a:spcBef>
+              <a:buFont typeface="Arial" panose="020B0604020202020204" pitchFamily="34" charset="0"/>
+              <a:buChar char="•"/>
+              <a:defRPr sz="1800" kern="1200">
+                <a:solidFill>
+                  <a:schemeClr val="tx1"/>
+                </a:solidFill>
+                <a:latin typeface="+mn-lt"/>
+                <a:ea typeface="+mn-ea"/>
+                <a:cs typeface="+mn-cs"/>
+              </a:defRPr>
+            </a:lvl5pPr>
+            <a:lvl6pPr marL="2514600" indent="-228600" algn="l" defTabSz="914400" rtl="0" eaLnBrk="1" latinLnBrk="0" hangingPunct="1">
+              <a:lnSpc>
+                <a:spcPct val="90000"/>
+              </a:lnSpc>
+              <a:spcBef>
+                <a:spcPts val="500"/>
+              </a:spcBef>
+              <a:buFont typeface="Arial" panose="020B0604020202020204" pitchFamily="34" charset="0"/>
+              <a:buChar char="•"/>
+              <a:defRPr sz="1800" kern="1200">
+                <a:solidFill>
+                  <a:schemeClr val="tx1"/>
+                </a:solidFill>
+                <a:latin typeface="+mn-lt"/>
+                <a:ea typeface="+mn-ea"/>
+                <a:cs typeface="+mn-cs"/>
+              </a:defRPr>
+            </a:lvl6pPr>
+            <a:lvl7pPr marL="2971800" indent="-228600" algn="l" defTabSz="914400" rtl="0" eaLnBrk="1" latinLnBrk="0" hangingPunct="1">
+              <a:lnSpc>
+                <a:spcPct val="90000"/>
+              </a:lnSpc>
+              <a:spcBef>
+                <a:spcPts val="500"/>
+              </a:spcBef>
+              <a:buFont typeface="Arial" panose="020B0604020202020204" pitchFamily="34" charset="0"/>
+              <a:buChar char="•"/>
+              <a:defRPr sz="1800" kern="1200">
+                <a:solidFill>
+                  <a:schemeClr val="tx1"/>
+                </a:solidFill>
+                <a:latin typeface="+mn-lt"/>
+                <a:ea typeface="+mn-ea"/>
+                <a:cs typeface="+mn-cs"/>
+              </a:defRPr>
+            </a:lvl7pPr>
+            <a:lvl8pPr marL="3429000" indent="-228600" algn="l" defTabSz="914400" rtl="0" eaLnBrk="1" latinLnBrk="0" hangingPunct="1">
+              <a:lnSpc>
+                <a:spcPct val="90000"/>
+              </a:lnSpc>
+              <a:spcBef>
+                <a:spcPts val="500"/>
+              </a:spcBef>
+              <a:buFont typeface="Arial" panose="020B0604020202020204" pitchFamily="34" charset="0"/>
+              <a:buChar char="•"/>
+              <a:defRPr sz="1800" kern="1200">
+                <a:solidFill>
+                  <a:schemeClr val="tx1"/>
+                </a:solidFill>
+                <a:latin typeface="+mn-lt"/>
+                <a:ea typeface="+mn-ea"/>
+                <a:cs typeface="+mn-cs"/>
+              </a:defRPr>
+            </a:lvl8pPr>
+            <a:lvl9pPr marL="3886200" indent="-228600" algn="l" defTabSz="914400" rtl="0" eaLnBrk="1" latinLnBrk="0" hangingPunct="1">
+              <a:lnSpc>
+                <a:spcPct val="90000"/>
+              </a:lnSpc>
+              <a:spcBef>
+                <a:spcPts val="500"/>
+              </a:spcBef>
+              <a:buFont typeface="Arial" panose="020B0604020202020204" pitchFamily="34" charset="0"/>
+              <a:buChar char="•"/>
+              <a:defRPr sz="1800" kern="1200">
+                <a:solidFill>
+                  <a:schemeClr val="tx1"/>
+                </a:solidFill>
+                <a:latin typeface="+mn-lt"/>
+                <a:ea typeface="+mn-ea"/>
+                <a:cs typeface="+mn-cs"/>
+              </a:defRPr>
+            </a:lvl9pPr>
+          </a:lstStyle>
+          <a:p>
+            <a:pPr marL="0" indent="0" algn="ctr">
+              <a:spcBef>
+                <a:spcPts val="0"/>
+              </a:spcBef>
+              <a:buFont typeface="Arial" panose="020B0604020202020204" pitchFamily="34" charset="0"/>
+              <a:buNone/>
+            </a:pPr>
+            <a:r>
+              <a:rPr lang="en-US" sz="2400"/>
+              <a:t>Cloud hosting for code</a:t>
+            </a:r>
+          </a:p>
+          <a:p>
+            <a:pPr marL="0" indent="0" algn="ctr">
+              <a:spcBef>
+                <a:spcPts val="0"/>
+              </a:spcBef>
+              <a:buFont typeface="Arial" panose="020B0604020202020204" pitchFamily="34" charset="0"/>
+              <a:buNone/>
+            </a:pPr>
+            <a:r>
+              <a:rPr lang="en-US" sz="2400"/>
+              <a:t>(git repositories)</a:t>
+            </a:r>
+          </a:p>
+          <a:p>
+            <a:endParaRPr lang="en-US" sz="2000"/>
+          </a:p>
+          <a:p>
+            <a:r>
+              <a:rPr lang="en-US" sz="2400"/>
+              <a:t>Alternatives</a:t>
+            </a:r>
+          </a:p>
+          <a:p>
+            <a:pPr lvl="1"/>
+            <a:r>
+              <a:rPr lang="en-US" sz="2000"/>
+              <a:t>GitLab</a:t>
+            </a:r>
+          </a:p>
+          <a:p>
+            <a:pPr lvl="1"/>
+            <a:r>
+              <a:rPr lang="en-US" sz="2000"/>
+              <a:t>GitBucket</a:t>
+            </a:r>
+          </a:p>
+          <a:p>
+            <a:pPr lvl="1"/>
+            <a:r>
+              <a:rPr lang="en-US" sz="2000"/>
+              <a:t>Generic cloud storage (OneDrive, Google Drive, an external hard drive, etc.)</a:t>
+            </a:r>
+          </a:p>
+          <a:p>
+            <a:endParaRPr lang="en-US" sz="2000"/>
+          </a:p>
+        </p:txBody>
+      </p:sp>
+      <p:sp>
+        <p:nvSpPr>
+          <p:cNvPr id="5" name="Content Placeholder 2">
+            <a:extLst>
+              <a:ext uri="{FF2B5EF4-FFF2-40B4-BE49-F238E27FC236}">
+                <a16:creationId xmlns:a16="http://schemas.microsoft.com/office/drawing/2014/main" id="{F4BB2683-57C2-3BB3-CE0B-4BAD508672CF}"/>
+              </a:ext>
+            </a:extLst>
+          </p:cNvPr>
+          <p:cNvSpPr txBox="1">
+            <a:spLocks/>
+          </p:cNvSpPr>
+          <p:nvPr/>
+        </p:nvSpPr>
+        <p:spPr>
+          <a:xfrm>
+            <a:off x="8299059" y="2037317"/>
+            <a:ext cx="3840480" cy="4351338"/>
+          </a:xfrm>
+          <a:prstGeom prst="rect">
+            <a:avLst/>
+          </a:prstGeom>
+        </p:spPr>
+        <p:txBody>
+          <a:bodyPr vert="horz" lIns="91440" tIns="45720" rIns="91440" bIns="45720" rtlCol="0">
+            <a:normAutofit/>
+          </a:bodyPr>
+          <a:lstStyle>
+            <a:lvl1pPr marL="228600" indent="-228600" algn="l" defTabSz="914400" rtl="0" eaLnBrk="1" latinLnBrk="0" hangingPunct="1">
+              <a:lnSpc>
+                <a:spcPct val="90000"/>
+              </a:lnSpc>
+              <a:spcBef>
+                <a:spcPts val="1000"/>
+              </a:spcBef>
+              <a:buFont typeface="Arial" panose="020B0604020202020204" pitchFamily="34" charset="0"/>
+              <a:buChar char="•"/>
+              <a:defRPr sz="2800" kern="1200">
+                <a:solidFill>
+                  <a:schemeClr val="tx1"/>
+                </a:solidFill>
+                <a:latin typeface="+mn-lt"/>
+                <a:ea typeface="+mn-ea"/>
+                <a:cs typeface="+mn-cs"/>
+              </a:defRPr>
+            </a:lvl1pPr>
+            <a:lvl2pPr marL="685800" indent="-228600" algn="l" defTabSz="914400" rtl="0" eaLnBrk="1" latinLnBrk="0" hangingPunct="1">
+              <a:lnSpc>
+                <a:spcPct val="90000"/>
+              </a:lnSpc>
+              <a:spcBef>
+                <a:spcPts val="500"/>
+              </a:spcBef>
+              <a:buFont typeface="Arial" panose="020B0604020202020204" pitchFamily="34" charset="0"/>
+              <a:buChar char="•"/>
+              <a:defRPr sz="2400" kern="1200">
+                <a:solidFill>
+                  <a:schemeClr val="tx1"/>
+                </a:solidFill>
+                <a:latin typeface="+mn-lt"/>
+                <a:ea typeface="+mn-ea"/>
+                <a:cs typeface="+mn-cs"/>
+              </a:defRPr>
+            </a:lvl2pPr>
+            <a:lvl3pPr marL="1143000" indent="-228600" algn="l" defTabSz="914400" rtl="0" eaLnBrk="1" latinLnBrk="0" hangingPunct="1">
+              <a:lnSpc>
+                <a:spcPct val="90000"/>
+              </a:lnSpc>
+              <a:spcBef>
+                <a:spcPts val="500"/>
+              </a:spcBef>
+              <a:buFont typeface="Arial" panose="020B0604020202020204" pitchFamily="34" charset="0"/>
+              <a:buChar char="•"/>
+              <a:defRPr sz="2000" kern="1200">
+                <a:solidFill>
+                  <a:schemeClr val="tx1"/>
+                </a:solidFill>
+                <a:latin typeface="+mn-lt"/>
+                <a:ea typeface="+mn-ea"/>
+                <a:cs typeface="+mn-cs"/>
+              </a:defRPr>
+            </a:lvl3pPr>
+            <a:lvl4pPr marL="1600200" indent="-228600" algn="l" defTabSz="914400" rtl="0" eaLnBrk="1" latinLnBrk="0" hangingPunct="1">
+              <a:lnSpc>
+                <a:spcPct val="90000"/>
+              </a:lnSpc>
+              <a:spcBef>
+                <a:spcPts val="500"/>
+              </a:spcBef>
+              <a:buFont typeface="Arial" panose="020B0604020202020204" pitchFamily="34" charset="0"/>
+              <a:buChar char="•"/>
+              <a:defRPr sz="1800" kern="1200">
+                <a:solidFill>
+                  <a:schemeClr val="tx1"/>
+                </a:solidFill>
+                <a:latin typeface="+mn-lt"/>
+                <a:ea typeface="+mn-ea"/>
+                <a:cs typeface="+mn-cs"/>
+              </a:defRPr>
+            </a:lvl4pPr>
+            <a:lvl5pPr marL="2057400" indent="-228600" algn="l" defTabSz="914400" rtl="0" eaLnBrk="1" latinLnBrk="0" hangingPunct="1">
+              <a:lnSpc>
+                <a:spcPct val="90000"/>
+              </a:lnSpc>
+              <a:spcBef>
+                <a:spcPts val="500"/>
+              </a:spcBef>
+              <a:buFont typeface="Arial" panose="020B0604020202020204" pitchFamily="34" charset="0"/>
+              <a:buChar char="•"/>
+              <a:defRPr sz="1800" kern="1200">
+                <a:solidFill>
+                  <a:schemeClr val="tx1"/>
+                </a:solidFill>
+                <a:latin typeface="+mn-lt"/>
+                <a:ea typeface="+mn-ea"/>
+                <a:cs typeface="+mn-cs"/>
+              </a:defRPr>
+            </a:lvl5pPr>
+            <a:lvl6pPr marL="2514600" indent="-228600" algn="l" defTabSz="914400" rtl="0" eaLnBrk="1" latinLnBrk="0" hangingPunct="1">
+              <a:lnSpc>
+                <a:spcPct val="90000"/>
+              </a:lnSpc>
+              <a:spcBef>
+                <a:spcPts val="500"/>
+              </a:spcBef>
+              <a:buFont typeface="Arial" panose="020B0604020202020204" pitchFamily="34" charset="0"/>
+              <a:buChar char="•"/>
+              <a:defRPr sz="1800" kern="1200">
+                <a:solidFill>
+                  <a:schemeClr val="tx1"/>
+                </a:solidFill>
+                <a:latin typeface="+mn-lt"/>
+                <a:ea typeface="+mn-ea"/>
+                <a:cs typeface="+mn-cs"/>
+              </a:defRPr>
+            </a:lvl6pPr>
+            <a:lvl7pPr marL="2971800" indent="-228600" algn="l" defTabSz="914400" rtl="0" eaLnBrk="1" latinLnBrk="0" hangingPunct="1">
+              <a:lnSpc>
+                <a:spcPct val="90000"/>
+              </a:lnSpc>
+              <a:spcBef>
+                <a:spcPts val="500"/>
+              </a:spcBef>
+              <a:buFont typeface="Arial" panose="020B0604020202020204" pitchFamily="34" charset="0"/>
+              <a:buChar char="•"/>
+              <a:defRPr sz="1800" kern="1200">
+                <a:solidFill>
+                  <a:schemeClr val="tx1"/>
+                </a:solidFill>
+                <a:latin typeface="+mn-lt"/>
+                <a:ea typeface="+mn-ea"/>
+                <a:cs typeface="+mn-cs"/>
+              </a:defRPr>
+            </a:lvl7pPr>
+            <a:lvl8pPr marL="3429000" indent="-228600" algn="l" defTabSz="914400" rtl="0" eaLnBrk="1" latinLnBrk="0" hangingPunct="1">
+              <a:lnSpc>
+                <a:spcPct val="90000"/>
+              </a:lnSpc>
+              <a:spcBef>
+                <a:spcPts val="500"/>
+              </a:spcBef>
+              <a:buFont typeface="Arial" panose="020B0604020202020204" pitchFamily="34" charset="0"/>
+              <a:buChar char="•"/>
+              <a:defRPr sz="1800" kern="1200">
+                <a:solidFill>
+                  <a:schemeClr val="tx1"/>
+                </a:solidFill>
+                <a:latin typeface="+mn-lt"/>
+                <a:ea typeface="+mn-ea"/>
+                <a:cs typeface="+mn-cs"/>
+              </a:defRPr>
+            </a:lvl8pPr>
+            <a:lvl9pPr marL="3886200" indent="-228600" algn="l" defTabSz="914400" rtl="0" eaLnBrk="1" latinLnBrk="0" hangingPunct="1">
+              <a:lnSpc>
+                <a:spcPct val="90000"/>
+              </a:lnSpc>
+              <a:spcBef>
+                <a:spcPts val="500"/>
+              </a:spcBef>
+              <a:buFont typeface="Arial" panose="020B0604020202020204" pitchFamily="34" charset="0"/>
+              <a:buChar char="•"/>
+              <a:defRPr sz="1800" kern="1200">
+                <a:solidFill>
+                  <a:schemeClr val="tx1"/>
+                </a:solidFill>
+                <a:latin typeface="+mn-lt"/>
+                <a:ea typeface="+mn-ea"/>
+                <a:cs typeface="+mn-cs"/>
+              </a:defRPr>
+            </a:lvl9pPr>
+          </a:lstStyle>
+          <a:p>
+            <a:pPr marL="0" indent="0" algn="ctr">
+              <a:buFont typeface="Arial" panose="020B0604020202020204" pitchFamily="34" charset="0"/>
+              <a:buNone/>
+            </a:pPr>
+            <a:r>
+              <a:rPr lang="en-US" sz="2400"/>
+              <a:t>Graphical user interface (GUI) for git</a:t>
+            </a:r>
+          </a:p>
+          <a:p>
+            <a:endParaRPr lang="en-US" sz="2000"/>
+          </a:p>
+          <a:p>
+            <a:r>
+              <a:rPr lang="en-US" sz="2400"/>
+              <a:t>Alternatives</a:t>
+            </a:r>
+          </a:p>
+          <a:p>
+            <a:pPr lvl="1"/>
+            <a:r>
+              <a:rPr lang="en-US" sz="2000"/>
+              <a:t>git-gui (comes with git)</a:t>
+            </a:r>
+          </a:p>
+          <a:p>
+            <a:pPr lvl="1"/>
+            <a:r>
+              <a:rPr lang="en-US" sz="2000"/>
+              <a:t>GitKraken</a:t>
+            </a:r>
+          </a:p>
+          <a:p>
+            <a:pPr lvl="1"/>
+            <a:r>
+              <a:rPr lang="en-US" sz="2000"/>
+              <a:t>IDE integration (Matlab, VS code, Atom, etc.)</a:t>
+            </a:r>
+          </a:p>
+          <a:p>
+            <a:pPr lvl="1"/>
+            <a:r>
+              <a:rPr lang="en-US" sz="2000"/>
+              <a:t>Many more!</a:t>
+            </a:r>
+          </a:p>
+          <a:p>
+            <a:pPr lvl="1"/>
+            <a:endParaRPr lang="en-US" sz="1600"/>
+          </a:p>
+        </p:txBody>
+      </p:sp>
+      <p:pic>
+        <p:nvPicPr>
+          <p:cNvPr id="8" name="Picture 7">
+            <a:extLst>
+              <a:ext uri="{FF2B5EF4-FFF2-40B4-BE49-F238E27FC236}">
+                <a16:creationId xmlns:a16="http://schemas.microsoft.com/office/drawing/2014/main" id="{817E62CB-F2B8-6AD7-6C4D-CD67A017D6A6}"/>
+              </a:ext>
+            </a:extLst>
+          </p:cNvPr>
+          <p:cNvPicPr>
+            <a:picLocks noChangeAspect="1"/>
+          </p:cNvPicPr>
+          <p:nvPr/>
+        </p:nvPicPr>
+        <p:blipFill>
+          <a:blip r:embed="rId3">
+            <a:extLst>
+              <a:ext uri="{28A0092B-C50C-407E-A947-70E740481C1C}">
+                <a14:useLocalDpi xmlns:a14="http://schemas.microsoft.com/office/drawing/2010/main" val="0"/>
+              </a:ext>
+            </a:extLst>
+          </a:blip>
+          <a:stretch>
+            <a:fillRect/>
+          </a:stretch>
+        </p:blipFill>
+        <p:spPr>
+          <a:xfrm>
+            <a:off x="8374417" y="926500"/>
+            <a:ext cx="3765122" cy="706530"/>
+          </a:xfrm>
+          <a:prstGeom prst="rect">
+            <a:avLst/>
+          </a:prstGeom>
+        </p:spPr>
+      </p:pic>
+      <p:pic>
+        <p:nvPicPr>
+          <p:cNvPr id="10" name="Picture 9" descr="A black and white logo&#10;&#10;Description automatically generated">
+            <a:extLst>
+              <a:ext uri="{FF2B5EF4-FFF2-40B4-BE49-F238E27FC236}">
+                <a16:creationId xmlns:a16="http://schemas.microsoft.com/office/drawing/2014/main" id="{77028DFC-4517-8FB1-2A81-68CD4F00068F}"/>
+              </a:ext>
+            </a:extLst>
+          </p:cNvPr>
+          <p:cNvPicPr>
+            <a:picLocks noChangeAspect="1"/>
+          </p:cNvPicPr>
+          <p:nvPr/>
+        </p:nvPicPr>
+        <p:blipFill>
+          <a:blip r:embed="rId4">
+            <a:extLst>
+              <a:ext uri="{28A0092B-C50C-407E-A947-70E740481C1C}">
+                <a14:useLocalDpi xmlns:a14="http://schemas.microsoft.com/office/drawing/2010/main" val="0"/>
+              </a:ext>
+            </a:extLst>
+          </a:blip>
+          <a:stretch>
+            <a:fillRect/>
+          </a:stretch>
+        </p:blipFill>
+        <p:spPr>
+          <a:xfrm>
+            <a:off x="3637877" y="594595"/>
+            <a:ext cx="3993826" cy="1480378"/>
+          </a:xfrm>
+          <a:prstGeom prst="rect">
+            <a:avLst/>
+          </a:prstGeom>
+        </p:spPr>
+      </p:pic>
+      <p:pic>
+        <p:nvPicPr>
+          <p:cNvPr id="12" name="Picture 11" descr="A close up of a logo&#10;&#10;Description automatically generated">
+            <a:extLst>
+              <a:ext uri="{FF2B5EF4-FFF2-40B4-BE49-F238E27FC236}">
+                <a16:creationId xmlns:a16="http://schemas.microsoft.com/office/drawing/2014/main" id="{32CE43FD-C517-A57B-A130-C540D44F348A}"/>
+              </a:ext>
+            </a:extLst>
+          </p:cNvPr>
+          <p:cNvPicPr>
+            <a:picLocks noChangeAspect="1"/>
+          </p:cNvPicPr>
+          <p:nvPr/>
+        </p:nvPicPr>
+        <p:blipFill>
+          <a:blip r:embed="rId5">
+            <a:extLst>
+              <a:ext uri="{28A0092B-C50C-407E-A947-70E740481C1C}">
+                <a14:useLocalDpi xmlns:a14="http://schemas.microsoft.com/office/drawing/2010/main" val="0"/>
+              </a:ext>
+            </a:extLst>
+          </a:blip>
+          <a:srcRect l="12157" r="16426"/>
+          <a:stretch/>
+        </p:blipFill>
+        <p:spPr>
+          <a:xfrm>
+            <a:off x="380407" y="779360"/>
+            <a:ext cx="2637777" cy="1256285"/>
+          </a:xfrm>
+          <a:prstGeom prst="rect">
+            <a:avLst/>
+          </a:prstGeom>
+        </p:spPr>
+      </p:pic>
+    </p:spTree>
+    <p:extLst>
+      <p:ext uri="{BB962C8B-B14F-4D97-AF65-F5344CB8AC3E}">
+        <p14:creationId xmlns:p14="http://schemas.microsoft.com/office/powerpoint/2010/main" val="1517404443"/>
+      </p:ext>
+    </p:extLst>
+  </p:cSld>
+  <p:clrMapOvr>
+    <a:masterClrMapping/>
+  </p:clrMapOvr>
+</p:sld>
+</file>
+
+<file path=ppt/slides/slide5.xml><?xml version="1.0" encoding="utf-8"?>
+<p:sld xmlns:a="http://schemas.openxmlformats.org/drawingml/2006/main" xmlns:r="http://schemas.openxmlformats.org/officeDocument/2006/relationships" xmlns:p="http://schemas.openxmlformats.org/presentationml/2006/main">
+  <p:cSld>
+    <p:spTree>
+      <p:nvGrpSpPr>
+        <p:cNvPr id="1" name="">
+          <a:extLst>
+            <a:ext uri="{FF2B5EF4-FFF2-40B4-BE49-F238E27FC236}">
+              <a16:creationId xmlns:a16="http://schemas.microsoft.com/office/drawing/2014/main" id="{C448A54D-6DAC-B177-8BE0-D5F9CA52CB25}"/>
+            </a:ext>
+          </a:extLst>
+        </p:cNvPr>
+        <p:cNvGrpSpPr/>
+        <p:nvPr/>
+      </p:nvGrpSpPr>
+      <p:grpSpPr>
+        <a:xfrm>
+          <a:off x="0" y="0"/>
+          <a:ext cx="0" cy="0"/>
+          <a:chOff x="0" y="0"/>
+          <a:chExt cx="0" cy="0"/>
+        </a:xfrm>
+      </p:grpSpPr>
+      <p:sp>
+        <p:nvSpPr>
+          <p:cNvPr id="2" name="Title 1">
+            <a:extLst>
+              <a:ext uri="{FF2B5EF4-FFF2-40B4-BE49-F238E27FC236}">
+                <a16:creationId xmlns:a16="http://schemas.microsoft.com/office/drawing/2014/main" id="{286C702E-C3D4-0D81-FDF7-1B3E8BD5C433}"/>
+              </a:ext>
+            </a:extLst>
+          </p:cNvPr>
+          <p:cNvSpPr>
+            <a:spLocks noGrp="1"/>
+          </p:cNvSpPr>
+          <p:nvPr>
+            <p:ph type="title"/>
+          </p:nvPr>
+        </p:nvSpPr>
+        <p:spPr>
+          <a:xfrm>
+            <a:off x="838200" y="1"/>
+            <a:ext cx="10515600" cy="394282"/>
+          </a:xfrm>
+        </p:spPr>
+        <p:txBody>
+          <a:bodyPr>
+            <a:noAutofit/>
+          </a:bodyPr>
+          <a:lstStyle/>
+          <a:p>
+            <a:pPr algn="ctr"/>
+            <a:r>
+              <a:rPr lang="en-US" sz="2000"/>
+              <a:t>Disentangling the many distinct "git-related" tools</a:t>
+            </a:r>
+          </a:p>
+        </p:txBody>
+      </p:sp>
+      <p:sp>
+        <p:nvSpPr>
+          <p:cNvPr id="3" name="Content Placeholder 2">
+            <a:extLst>
+              <a:ext uri="{FF2B5EF4-FFF2-40B4-BE49-F238E27FC236}">
+                <a16:creationId xmlns:a16="http://schemas.microsoft.com/office/drawing/2014/main" id="{3C7695E5-61B1-B95F-4EC3-1E4A7A0ED33C}"/>
+              </a:ext>
+            </a:extLst>
+          </p:cNvPr>
+          <p:cNvSpPr>
+            <a:spLocks noGrp="1"/>
+          </p:cNvSpPr>
+          <p:nvPr>
+            <p:ph idx="1"/>
+          </p:nvPr>
+        </p:nvSpPr>
+        <p:spPr>
+          <a:xfrm>
+            <a:off x="11896" y="2032103"/>
+            <a:ext cx="3840480" cy="4351338"/>
+          </a:xfrm>
+        </p:spPr>
+        <p:txBody>
+          <a:bodyPr/>
+          <a:lstStyle/>
+          <a:p>
+            <a:pPr marL="0" indent="0" algn="ctr">
+              <a:spcBef>
+                <a:spcPts val="0"/>
+              </a:spcBef>
+              <a:buNone/>
+            </a:pPr>
+            <a:r>
+              <a:rPr lang="en-US" sz="2400"/>
+              <a:t>Track file changes</a:t>
+            </a:r>
+          </a:p>
+          <a:p>
+            <a:pPr marL="0" indent="0" algn="ctr">
+              <a:spcBef>
+                <a:spcPts val="0"/>
+              </a:spcBef>
+              <a:buNone/>
+            </a:pPr>
+            <a:r>
+              <a:rPr lang="en-US" sz="2400"/>
+              <a:t>(version control system)</a:t>
+            </a:r>
+          </a:p>
+          <a:p>
+            <a:endParaRPr lang="en-US" sz="2000"/>
+          </a:p>
+          <a:p>
+            <a:r>
+              <a:rPr lang="en-US" sz="2400"/>
+              <a:t>Benefits</a:t>
+            </a:r>
+          </a:p>
+          <a:p>
+            <a:pPr lvl="1"/>
+            <a:r>
+              <a:rPr lang="en-US" sz="2000"/>
+              <a:t>History of code changes</a:t>
+            </a:r>
+          </a:p>
+          <a:p>
+            <a:pPr lvl="1"/>
+            <a:r>
+              <a:rPr lang="en-US" sz="2000"/>
+              <a:t>Multiple versions (branches) of code</a:t>
+            </a:r>
+          </a:p>
+          <a:p>
+            <a:pPr lvl="1"/>
+            <a:r>
+              <a:rPr lang="en-US" sz="2000"/>
+              <a:t>Encouraces focusing on bite-sized changes (commits)</a:t>
+            </a:r>
+          </a:p>
+          <a:p>
+            <a:pPr marL="0" indent="0">
+              <a:buNone/>
+            </a:pPr>
+            <a:endParaRPr lang="en-US" sz="2000"/>
+          </a:p>
+        </p:txBody>
+      </p:sp>
+      <p:sp>
+        <p:nvSpPr>
+          <p:cNvPr id="4" name="Content Placeholder 2">
+            <a:extLst>
+              <a:ext uri="{FF2B5EF4-FFF2-40B4-BE49-F238E27FC236}">
+                <a16:creationId xmlns:a16="http://schemas.microsoft.com/office/drawing/2014/main" id="{73E4B8BF-05CF-7717-1925-4C053D139656}"/>
+              </a:ext>
+            </a:extLst>
+          </p:cNvPr>
+          <p:cNvSpPr txBox="1">
+            <a:spLocks/>
+          </p:cNvSpPr>
+          <p:nvPr/>
+        </p:nvSpPr>
+        <p:spPr>
+          <a:xfrm>
+            <a:off x="4128207" y="2041511"/>
+            <a:ext cx="3837265" cy="4351338"/>
+          </a:xfrm>
+          <a:prstGeom prst="rect">
+            <a:avLst/>
+          </a:prstGeom>
+        </p:spPr>
+        <p:txBody>
+          <a:bodyPr vert="horz" lIns="91440" tIns="45720" rIns="91440" bIns="45720" rtlCol="0">
+            <a:normAutofit/>
+          </a:bodyPr>
+          <a:lstStyle>
+            <a:lvl1pPr marL="228600" indent="-228600" algn="l" defTabSz="914400" rtl="0" eaLnBrk="1" latinLnBrk="0" hangingPunct="1">
+              <a:lnSpc>
+                <a:spcPct val="90000"/>
+              </a:lnSpc>
+              <a:spcBef>
+                <a:spcPts val="1000"/>
+              </a:spcBef>
+              <a:buFont typeface="Arial" panose="020B0604020202020204" pitchFamily="34" charset="0"/>
+              <a:buChar char="•"/>
+              <a:defRPr sz="2800" kern="1200">
+                <a:solidFill>
+                  <a:schemeClr val="tx1"/>
+                </a:solidFill>
+                <a:latin typeface="+mn-lt"/>
+                <a:ea typeface="+mn-ea"/>
+                <a:cs typeface="+mn-cs"/>
+              </a:defRPr>
+            </a:lvl1pPr>
+            <a:lvl2pPr marL="685800" indent="-228600" algn="l" defTabSz="914400" rtl="0" eaLnBrk="1" latinLnBrk="0" hangingPunct="1">
+              <a:lnSpc>
+                <a:spcPct val="90000"/>
+              </a:lnSpc>
+              <a:spcBef>
+                <a:spcPts val="500"/>
+              </a:spcBef>
+              <a:buFont typeface="Arial" panose="020B0604020202020204" pitchFamily="34" charset="0"/>
+              <a:buChar char="•"/>
+              <a:defRPr sz="2400" kern="1200">
+                <a:solidFill>
+                  <a:schemeClr val="tx1"/>
+                </a:solidFill>
+                <a:latin typeface="+mn-lt"/>
+                <a:ea typeface="+mn-ea"/>
+                <a:cs typeface="+mn-cs"/>
+              </a:defRPr>
+            </a:lvl2pPr>
+            <a:lvl3pPr marL="1143000" indent="-228600" algn="l" defTabSz="914400" rtl="0" eaLnBrk="1" latinLnBrk="0" hangingPunct="1">
+              <a:lnSpc>
+                <a:spcPct val="90000"/>
+              </a:lnSpc>
+              <a:spcBef>
+                <a:spcPts val="500"/>
+              </a:spcBef>
+              <a:buFont typeface="Arial" panose="020B0604020202020204" pitchFamily="34" charset="0"/>
+              <a:buChar char="•"/>
+              <a:defRPr sz="2000" kern="1200">
+                <a:solidFill>
+                  <a:schemeClr val="tx1"/>
+                </a:solidFill>
+                <a:latin typeface="+mn-lt"/>
+                <a:ea typeface="+mn-ea"/>
+                <a:cs typeface="+mn-cs"/>
+              </a:defRPr>
+            </a:lvl3pPr>
+            <a:lvl4pPr marL="1600200" indent="-228600" algn="l" defTabSz="914400" rtl="0" eaLnBrk="1" latinLnBrk="0" hangingPunct="1">
+              <a:lnSpc>
+                <a:spcPct val="90000"/>
+              </a:lnSpc>
+              <a:spcBef>
+                <a:spcPts val="500"/>
+              </a:spcBef>
+              <a:buFont typeface="Arial" panose="020B0604020202020204" pitchFamily="34" charset="0"/>
+              <a:buChar char="•"/>
+              <a:defRPr sz="1800" kern="1200">
+                <a:solidFill>
+                  <a:schemeClr val="tx1"/>
+                </a:solidFill>
+                <a:latin typeface="+mn-lt"/>
+                <a:ea typeface="+mn-ea"/>
+                <a:cs typeface="+mn-cs"/>
+              </a:defRPr>
+            </a:lvl4pPr>
+            <a:lvl5pPr marL="2057400" indent="-228600" algn="l" defTabSz="914400" rtl="0" eaLnBrk="1" latinLnBrk="0" hangingPunct="1">
+              <a:lnSpc>
+                <a:spcPct val="90000"/>
+              </a:lnSpc>
+              <a:spcBef>
+                <a:spcPts val="500"/>
+              </a:spcBef>
+              <a:buFont typeface="Arial" panose="020B0604020202020204" pitchFamily="34" charset="0"/>
+              <a:buChar char="•"/>
+              <a:defRPr sz="1800" kern="1200">
+                <a:solidFill>
+                  <a:schemeClr val="tx1"/>
+                </a:solidFill>
+                <a:latin typeface="+mn-lt"/>
+                <a:ea typeface="+mn-ea"/>
+                <a:cs typeface="+mn-cs"/>
+              </a:defRPr>
+            </a:lvl5pPr>
+            <a:lvl6pPr marL="2514600" indent="-228600" algn="l" defTabSz="914400" rtl="0" eaLnBrk="1" latinLnBrk="0" hangingPunct="1">
+              <a:lnSpc>
+                <a:spcPct val="90000"/>
+              </a:lnSpc>
+              <a:spcBef>
+                <a:spcPts val="500"/>
+              </a:spcBef>
+              <a:buFont typeface="Arial" panose="020B0604020202020204" pitchFamily="34" charset="0"/>
+              <a:buChar char="•"/>
+              <a:defRPr sz="1800" kern="1200">
+                <a:solidFill>
+                  <a:schemeClr val="tx1"/>
+                </a:solidFill>
+                <a:latin typeface="+mn-lt"/>
+                <a:ea typeface="+mn-ea"/>
+                <a:cs typeface="+mn-cs"/>
+              </a:defRPr>
+            </a:lvl6pPr>
+            <a:lvl7pPr marL="2971800" indent="-228600" algn="l" defTabSz="914400" rtl="0" eaLnBrk="1" latinLnBrk="0" hangingPunct="1">
+              <a:lnSpc>
+                <a:spcPct val="90000"/>
+              </a:lnSpc>
+              <a:spcBef>
+                <a:spcPts val="500"/>
+              </a:spcBef>
+              <a:buFont typeface="Arial" panose="020B0604020202020204" pitchFamily="34" charset="0"/>
+              <a:buChar char="•"/>
+              <a:defRPr sz="1800" kern="1200">
+                <a:solidFill>
+                  <a:schemeClr val="tx1"/>
+                </a:solidFill>
+                <a:latin typeface="+mn-lt"/>
+                <a:ea typeface="+mn-ea"/>
+                <a:cs typeface="+mn-cs"/>
+              </a:defRPr>
+            </a:lvl7pPr>
+            <a:lvl8pPr marL="3429000" indent="-228600" algn="l" defTabSz="914400" rtl="0" eaLnBrk="1" latinLnBrk="0" hangingPunct="1">
+              <a:lnSpc>
+                <a:spcPct val="90000"/>
+              </a:lnSpc>
+              <a:spcBef>
+                <a:spcPts val="500"/>
+              </a:spcBef>
+              <a:buFont typeface="Arial" panose="020B0604020202020204" pitchFamily="34" charset="0"/>
+              <a:buChar char="•"/>
+              <a:defRPr sz="1800" kern="1200">
+                <a:solidFill>
+                  <a:schemeClr val="tx1"/>
+                </a:solidFill>
+                <a:latin typeface="+mn-lt"/>
+                <a:ea typeface="+mn-ea"/>
+                <a:cs typeface="+mn-cs"/>
+              </a:defRPr>
+            </a:lvl8pPr>
+            <a:lvl9pPr marL="3886200" indent="-228600" algn="l" defTabSz="914400" rtl="0" eaLnBrk="1" latinLnBrk="0" hangingPunct="1">
+              <a:lnSpc>
+                <a:spcPct val="90000"/>
+              </a:lnSpc>
+              <a:spcBef>
+                <a:spcPts val="500"/>
+              </a:spcBef>
+              <a:buFont typeface="Arial" panose="020B0604020202020204" pitchFamily="34" charset="0"/>
+              <a:buChar char="•"/>
+              <a:defRPr sz="1800" kern="1200">
+                <a:solidFill>
+                  <a:schemeClr val="tx1"/>
+                </a:solidFill>
+                <a:latin typeface="+mn-lt"/>
+                <a:ea typeface="+mn-ea"/>
+                <a:cs typeface="+mn-cs"/>
+              </a:defRPr>
+            </a:lvl9pPr>
+          </a:lstStyle>
+          <a:p>
+            <a:pPr marL="0" indent="0" algn="ctr">
+              <a:spcBef>
+                <a:spcPts val="0"/>
+              </a:spcBef>
+              <a:buFont typeface="Arial" panose="020B0604020202020204" pitchFamily="34" charset="0"/>
+              <a:buNone/>
+            </a:pPr>
+            <a:r>
+              <a:rPr lang="en-US" sz="2400"/>
+              <a:t>Cloud hosting for code</a:t>
+            </a:r>
+          </a:p>
+          <a:p>
+            <a:pPr marL="0" indent="0" algn="ctr">
+              <a:spcBef>
+                <a:spcPts val="0"/>
+              </a:spcBef>
+              <a:buFont typeface="Arial" panose="020B0604020202020204" pitchFamily="34" charset="0"/>
+              <a:buNone/>
+            </a:pPr>
+            <a:r>
+              <a:rPr lang="en-US" sz="2400"/>
+              <a:t>(git repositories)</a:t>
+            </a:r>
+          </a:p>
+          <a:p>
+            <a:endParaRPr lang="en-US" sz="2000"/>
+          </a:p>
+          <a:p>
+            <a:r>
+              <a:rPr lang="en-US" sz="2400"/>
+              <a:t>Benefits</a:t>
+            </a:r>
+          </a:p>
+          <a:p>
+            <a:pPr lvl="1"/>
+            <a:r>
+              <a:rPr lang="en-US" sz="2000"/>
+              <a:t>Backup files</a:t>
+            </a:r>
+          </a:p>
+          <a:p>
+            <a:pPr lvl="1"/>
+            <a:r>
+              <a:rPr lang="en-US" sz="2000"/>
+              <a:t>Sharing code</a:t>
+            </a:r>
+          </a:p>
+          <a:p>
+            <a:pPr lvl="1"/>
+            <a:r>
+              <a:rPr lang="en-US" sz="2000"/>
+              <a:t>Work across multiple devices</a:t>
+            </a:r>
+          </a:p>
+          <a:p>
+            <a:pPr lvl="1"/>
+            <a:r>
+              <a:rPr lang="en-US" sz="2000"/>
+              <a:t>Collaborating with others</a:t>
+            </a:r>
+          </a:p>
+          <a:p>
+            <a:pPr lvl="1"/>
+            <a:r>
+              <a:rPr lang="en-US" sz="2000"/>
+              <a:t>Create releases with DOI for publications</a:t>
+            </a:r>
+          </a:p>
+          <a:p>
+            <a:pPr lvl="1"/>
+            <a:endParaRPr lang="en-US" sz="1600"/>
+          </a:p>
+          <a:p>
+            <a:endParaRPr lang="en-US" sz="2000"/>
+          </a:p>
+        </p:txBody>
+      </p:sp>
+      <p:sp>
+        <p:nvSpPr>
+          <p:cNvPr id="5" name="Content Placeholder 2">
+            <a:extLst>
+              <a:ext uri="{FF2B5EF4-FFF2-40B4-BE49-F238E27FC236}">
+                <a16:creationId xmlns:a16="http://schemas.microsoft.com/office/drawing/2014/main" id="{4E79696A-7700-34A4-3869-A508312DD475}"/>
+              </a:ext>
+            </a:extLst>
+          </p:cNvPr>
+          <p:cNvSpPr txBox="1">
+            <a:spLocks/>
+          </p:cNvSpPr>
+          <p:nvPr/>
+        </p:nvSpPr>
+        <p:spPr>
+          <a:xfrm>
+            <a:off x="8299059" y="2037317"/>
+            <a:ext cx="3840480" cy="5301946"/>
+          </a:xfrm>
+          <a:prstGeom prst="rect">
+            <a:avLst/>
+          </a:prstGeom>
+        </p:spPr>
+        <p:txBody>
+          <a:bodyPr vert="horz" lIns="91440" tIns="45720" rIns="91440" bIns="45720" rtlCol="0">
+            <a:normAutofit/>
+          </a:bodyPr>
+          <a:lstStyle>
+            <a:lvl1pPr marL="228600" indent="-228600" algn="l" defTabSz="914400" rtl="0" eaLnBrk="1" latinLnBrk="0" hangingPunct="1">
+              <a:lnSpc>
+                <a:spcPct val="90000"/>
+              </a:lnSpc>
+              <a:spcBef>
+                <a:spcPts val="1000"/>
+              </a:spcBef>
+              <a:buFont typeface="Arial" panose="020B0604020202020204" pitchFamily="34" charset="0"/>
+              <a:buChar char="•"/>
+              <a:defRPr sz="2800" kern="1200">
+                <a:solidFill>
+                  <a:schemeClr val="tx1"/>
+                </a:solidFill>
+                <a:latin typeface="+mn-lt"/>
+                <a:ea typeface="+mn-ea"/>
+                <a:cs typeface="+mn-cs"/>
+              </a:defRPr>
+            </a:lvl1pPr>
+            <a:lvl2pPr marL="685800" indent="-228600" algn="l" defTabSz="914400" rtl="0" eaLnBrk="1" latinLnBrk="0" hangingPunct="1">
+              <a:lnSpc>
+                <a:spcPct val="90000"/>
+              </a:lnSpc>
+              <a:spcBef>
+                <a:spcPts val="500"/>
+              </a:spcBef>
+              <a:buFont typeface="Arial" panose="020B0604020202020204" pitchFamily="34" charset="0"/>
+              <a:buChar char="•"/>
+              <a:defRPr sz="2400" kern="1200">
+                <a:solidFill>
+                  <a:schemeClr val="tx1"/>
+                </a:solidFill>
+                <a:latin typeface="+mn-lt"/>
+                <a:ea typeface="+mn-ea"/>
+                <a:cs typeface="+mn-cs"/>
+              </a:defRPr>
+            </a:lvl2pPr>
+            <a:lvl3pPr marL="1143000" indent="-228600" algn="l" defTabSz="914400" rtl="0" eaLnBrk="1" latinLnBrk="0" hangingPunct="1">
+              <a:lnSpc>
+                <a:spcPct val="90000"/>
+              </a:lnSpc>
+              <a:spcBef>
+                <a:spcPts val="500"/>
+              </a:spcBef>
+              <a:buFont typeface="Arial" panose="020B0604020202020204" pitchFamily="34" charset="0"/>
+              <a:buChar char="•"/>
+              <a:defRPr sz="2000" kern="1200">
+                <a:solidFill>
+                  <a:schemeClr val="tx1"/>
+                </a:solidFill>
+                <a:latin typeface="+mn-lt"/>
+                <a:ea typeface="+mn-ea"/>
+                <a:cs typeface="+mn-cs"/>
+              </a:defRPr>
+            </a:lvl3pPr>
+            <a:lvl4pPr marL="1600200" indent="-228600" algn="l" defTabSz="914400" rtl="0" eaLnBrk="1" latinLnBrk="0" hangingPunct="1">
+              <a:lnSpc>
+                <a:spcPct val="90000"/>
+              </a:lnSpc>
+              <a:spcBef>
+                <a:spcPts val="500"/>
+              </a:spcBef>
+              <a:buFont typeface="Arial" panose="020B0604020202020204" pitchFamily="34" charset="0"/>
+              <a:buChar char="•"/>
+              <a:defRPr sz="1800" kern="1200">
+                <a:solidFill>
+                  <a:schemeClr val="tx1"/>
+                </a:solidFill>
+                <a:latin typeface="+mn-lt"/>
+                <a:ea typeface="+mn-ea"/>
+                <a:cs typeface="+mn-cs"/>
+              </a:defRPr>
+            </a:lvl4pPr>
+            <a:lvl5pPr marL="2057400" indent="-228600" algn="l" defTabSz="914400" rtl="0" eaLnBrk="1" latinLnBrk="0" hangingPunct="1">
+              <a:lnSpc>
+                <a:spcPct val="90000"/>
+              </a:lnSpc>
+              <a:spcBef>
+                <a:spcPts val="500"/>
+              </a:spcBef>
+              <a:buFont typeface="Arial" panose="020B0604020202020204" pitchFamily="34" charset="0"/>
+              <a:buChar char="•"/>
+              <a:defRPr sz="1800" kern="1200">
+                <a:solidFill>
+                  <a:schemeClr val="tx1"/>
+                </a:solidFill>
+                <a:latin typeface="+mn-lt"/>
+                <a:ea typeface="+mn-ea"/>
+                <a:cs typeface="+mn-cs"/>
+              </a:defRPr>
+            </a:lvl5pPr>
+            <a:lvl6pPr marL="2514600" indent="-228600" algn="l" defTabSz="914400" rtl="0" eaLnBrk="1" latinLnBrk="0" hangingPunct="1">
+              <a:lnSpc>
+                <a:spcPct val="90000"/>
+              </a:lnSpc>
+              <a:spcBef>
+                <a:spcPts val="500"/>
+              </a:spcBef>
+              <a:buFont typeface="Arial" panose="020B0604020202020204" pitchFamily="34" charset="0"/>
+              <a:buChar char="•"/>
+              <a:defRPr sz="1800" kern="1200">
+                <a:solidFill>
+                  <a:schemeClr val="tx1"/>
+                </a:solidFill>
+                <a:latin typeface="+mn-lt"/>
+                <a:ea typeface="+mn-ea"/>
+                <a:cs typeface="+mn-cs"/>
+              </a:defRPr>
+            </a:lvl6pPr>
+            <a:lvl7pPr marL="2971800" indent="-228600" algn="l" defTabSz="914400" rtl="0" eaLnBrk="1" latinLnBrk="0" hangingPunct="1">
+              <a:lnSpc>
+                <a:spcPct val="90000"/>
+              </a:lnSpc>
+              <a:spcBef>
+                <a:spcPts val="500"/>
+              </a:spcBef>
+              <a:buFont typeface="Arial" panose="020B0604020202020204" pitchFamily="34" charset="0"/>
+              <a:buChar char="•"/>
+              <a:defRPr sz="1800" kern="1200">
+                <a:solidFill>
+                  <a:schemeClr val="tx1"/>
+                </a:solidFill>
+                <a:latin typeface="+mn-lt"/>
+                <a:ea typeface="+mn-ea"/>
+                <a:cs typeface="+mn-cs"/>
+              </a:defRPr>
+            </a:lvl7pPr>
+            <a:lvl8pPr marL="3429000" indent="-228600" algn="l" defTabSz="914400" rtl="0" eaLnBrk="1" latinLnBrk="0" hangingPunct="1">
+              <a:lnSpc>
+                <a:spcPct val="90000"/>
+              </a:lnSpc>
+              <a:spcBef>
+                <a:spcPts val="500"/>
+              </a:spcBef>
+              <a:buFont typeface="Arial" panose="020B0604020202020204" pitchFamily="34" charset="0"/>
+              <a:buChar char="•"/>
+              <a:defRPr sz="1800" kern="1200">
+                <a:solidFill>
+                  <a:schemeClr val="tx1"/>
+                </a:solidFill>
+                <a:latin typeface="+mn-lt"/>
+                <a:ea typeface="+mn-ea"/>
+                <a:cs typeface="+mn-cs"/>
+              </a:defRPr>
+            </a:lvl8pPr>
+            <a:lvl9pPr marL="3886200" indent="-228600" algn="l" defTabSz="914400" rtl="0" eaLnBrk="1" latinLnBrk="0" hangingPunct="1">
+              <a:lnSpc>
+                <a:spcPct val="90000"/>
+              </a:lnSpc>
+              <a:spcBef>
+                <a:spcPts val="500"/>
+              </a:spcBef>
+              <a:buFont typeface="Arial" panose="020B0604020202020204" pitchFamily="34" charset="0"/>
+              <a:buChar char="•"/>
+              <a:defRPr sz="1800" kern="1200">
+                <a:solidFill>
+                  <a:schemeClr val="tx1"/>
+                </a:solidFill>
+                <a:latin typeface="+mn-lt"/>
+                <a:ea typeface="+mn-ea"/>
+                <a:cs typeface="+mn-cs"/>
+              </a:defRPr>
+            </a:lvl9pPr>
+          </a:lstStyle>
+          <a:p>
+            <a:pPr marL="0" indent="0" algn="ctr">
+              <a:buFont typeface="Arial" panose="020B0604020202020204" pitchFamily="34" charset="0"/>
+              <a:buNone/>
+            </a:pPr>
+            <a:r>
+              <a:rPr lang="en-US" sz="2400"/>
+              <a:t>Graphical user interface (GUI) for git</a:t>
+            </a:r>
+          </a:p>
+          <a:p>
+            <a:endParaRPr lang="en-US" sz="2000"/>
+          </a:p>
+          <a:p>
+            <a:r>
+              <a:rPr lang="en-US" sz="2400"/>
+              <a:t>Benefits</a:t>
+            </a:r>
+          </a:p>
+          <a:p>
+            <a:pPr lvl="1"/>
+            <a:r>
+              <a:rPr lang="en-US" sz="2000"/>
+              <a:t>Buttons!!!</a:t>
+            </a:r>
+          </a:p>
+          <a:p>
+            <a:pPr lvl="1"/>
+            <a:r>
+              <a:rPr lang="en-US" sz="2000"/>
+              <a:t>Nice visualization of code changes</a:t>
+            </a:r>
+          </a:p>
+          <a:p>
+            <a:pPr lvl="1"/>
+            <a:r>
+              <a:rPr lang="en-US" sz="2000"/>
+              <a:t>Automagically handles Github credentials</a:t>
+            </a:r>
+          </a:p>
+          <a:p>
+            <a:pPr lvl="1"/>
+            <a:r>
+              <a:rPr lang="en-US" sz="2000"/>
+              <a:t>Where did I put that repository and what was its name?</a:t>
+            </a:r>
+          </a:p>
+          <a:p>
+            <a:pPr lvl="1"/>
+            <a:r>
+              <a:rPr lang="en-US" sz="2000"/>
+              <a:t>Harder to shoot yourself in the foot than git.</a:t>
+            </a:r>
+          </a:p>
+          <a:p>
+            <a:pPr lvl="1"/>
+            <a:endParaRPr lang="en-US" sz="1600"/>
+          </a:p>
+          <a:p>
+            <a:pPr lvl="1"/>
+            <a:endParaRPr lang="en-US" sz="1600"/>
+          </a:p>
+        </p:txBody>
+      </p:sp>
+      <p:pic>
+        <p:nvPicPr>
+          <p:cNvPr id="8" name="Picture 7">
+            <a:extLst>
+              <a:ext uri="{FF2B5EF4-FFF2-40B4-BE49-F238E27FC236}">
+                <a16:creationId xmlns:a16="http://schemas.microsoft.com/office/drawing/2014/main" id="{43ABF595-6032-5F4A-497D-2ECDA563E0C1}"/>
+              </a:ext>
+            </a:extLst>
+          </p:cNvPr>
+          <p:cNvPicPr>
+            <a:picLocks noChangeAspect="1"/>
+          </p:cNvPicPr>
+          <p:nvPr/>
+        </p:nvPicPr>
+        <p:blipFill>
+          <a:blip r:embed="rId3">
+            <a:extLst>
+              <a:ext uri="{28A0092B-C50C-407E-A947-70E740481C1C}">
+                <a14:useLocalDpi xmlns:a14="http://schemas.microsoft.com/office/drawing/2010/main" val="0"/>
+              </a:ext>
+            </a:extLst>
+          </a:blip>
+          <a:stretch>
+            <a:fillRect/>
+          </a:stretch>
+        </p:blipFill>
+        <p:spPr>
+          <a:xfrm>
+            <a:off x="8374417" y="926500"/>
+            <a:ext cx="3765122" cy="706530"/>
+          </a:xfrm>
+          <a:prstGeom prst="rect">
+            <a:avLst/>
+          </a:prstGeom>
+        </p:spPr>
+      </p:pic>
+      <p:pic>
+        <p:nvPicPr>
+          <p:cNvPr id="10" name="Picture 9" descr="A black and white logo&#10;&#10;Description automatically generated">
+            <a:extLst>
+              <a:ext uri="{FF2B5EF4-FFF2-40B4-BE49-F238E27FC236}">
+                <a16:creationId xmlns:a16="http://schemas.microsoft.com/office/drawing/2014/main" id="{F41B216E-4E86-8B68-E6DC-749D42A57323}"/>
+              </a:ext>
+            </a:extLst>
+          </p:cNvPr>
+          <p:cNvPicPr>
+            <a:picLocks noChangeAspect="1"/>
+          </p:cNvPicPr>
+          <p:nvPr/>
+        </p:nvPicPr>
+        <p:blipFill>
+          <a:blip r:embed="rId4">
+            <a:extLst>
+              <a:ext uri="{28A0092B-C50C-407E-A947-70E740481C1C}">
+                <a14:useLocalDpi xmlns:a14="http://schemas.microsoft.com/office/drawing/2010/main" val="0"/>
+              </a:ext>
+            </a:extLst>
+          </a:blip>
+          <a:stretch>
+            <a:fillRect/>
+          </a:stretch>
+        </p:blipFill>
+        <p:spPr>
+          <a:xfrm>
+            <a:off x="3637877" y="594595"/>
+            <a:ext cx="3993826" cy="1480378"/>
+          </a:xfrm>
+          <a:prstGeom prst="rect">
+            <a:avLst/>
+          </a:prstGeom>
+        </p:spPr>
+      </p:pic>
+      <p:pic>
+        <p:nvPicPr>
+          <p:cNvPr id="12" name="Picture 11" descr="A close up of a logo&#10;&#10;Description automatically generated">
+            <a:extLst>
+              <a:ext uri="{FF2B5EF4-FFF2-40B4-BE49-F238E27FC236}">
+                <a16:creationId xmlns:a16="http://schemas.microsoft.com/office/drawing/2014/main" id="{061B5D3F-7A42-4B6D-E2EE-5D0EA8A7B143}"/>
+              </a:ext>
+            </a:extLst>
+          </p:cNvPr>
+          <p:cNvPicPr>
+            <a:picLocks noChangeAspect="1"/>
+          </p:cNvPicPr>
+          <p:nvPr/>
+        </p:nvPicPr>
+        <p:blipFill>
+          <a:blip r:embed="rId5">
+            <a:extLst>
+              <a:ext uri="{28A0092B-C50C-407E-A947-70E740481C1C}">
+                <a14:useLocalDpi xmlns:a14="http://schemas.microsoft.com/office/drawing/2010/main" val="0"/>
+              </a:ext>
+            </a:extLst>
+          </a:blip>
+          <a:srcRect l="12157" r="16426"/>
+          <a:stretch/>
+        </p:blipFill>
+        <p:spPr>
+          <a:xfrm>
+            <a:off x="380407" y="779360"/>
+            <a:ext cx="2637777" cy="1256285"/>
+          </a:xfrm>
+          <a:prstGeom prst="rect">
+            <a:avLst/>
+          </a:prstGeom>
+        </p:spPr>
+      </p:pic>
+    </p:spTree>
+    <p:extLst>
+      <p:ext uri="{BB962C8B-B14F-4D97-AF65-F5344CB8AC3E}">
+        <p14:creationId xmlns:p14="http://schemas.microsoft.com/office/powerpoint/2010/main" val="588103266"/>
+      </p:ext>
+    </p:extLst>
+  </p:cSld>
+  <p:clrMapOvr>
+    <a:masterClrMapping/>
+  </p:clrMapOvr>
+</p:sld>
+</file>
+
+<file path=ppt/slides/slide6.xml><?xml version="1.0" encoding="utf-8"?>
+<p:sld xmlns:a="http://schemas.openxmlformats.org/drawingml/2006/main" xmlns:r="http://schemas.openxmlformats.org/officeDocument/2006/relationships" xmlns:p="http://schemas.openxmlformats.org/presentationml/2006/main">
+  <p:cSld>
+    <p:spTree>
+      <p:nvGrpSpPr>
+        <p:cNvPr id="1" name=""/>
+        <p:cNvGrpSpPr/>
+        <p:nvPr/>
+      </p:nvGrpSpPr>
+      <p:grpSpPr>
+        <a:xfrm>
+          <a:off x="0" y="0"/>
+          <a:ext cx="0" cy="0"/>
+          <a:chOff x="0" y="0"/>
+          <a:chExt cx="0" cy="0"/>
+        </a:xfrm>
+      </p:grpSpPr>
+      <p:sp>
+        <p:nvSpPr>
+          <p:cNvPr id="2" name="Title 1">
+            <a:extLst>
+              <a:ext uri="{FF2B5EF4-FFF2-40B4-BE49-F238E27FC236}">
+                <a16:creationId xmlns:a16="http://schemas.microsoft.com/office/drawing/2014/main" id="{86545C50-A30B-541E-630C-E1BDCDF6CC52}"/>
+              </a:ext>
+            </a:extLst>
+          </p:cNvPr>
+          <p:cNvSpPr>
+            <a:spLocks noGrp="1"/>
+          </p:cNvSpPr>
+          <p:nvPr>
+            <p:ph type="title"/>
+          </p:nvPr>
+        </p:nvSpPr>
+        <p:spPr>
+          <a:xfrm>
+            <a:off x="838200" y="1"/>
+            <a:ext cx="10515600" cy="885038"/>
+          </a:xfrm>
+        </p:spPr>
+        <p:txBody>
+          <a:bodyPr/>
+          <a:lstStyle/>
+          <a:p>
+            <a:pPr algn="ctr"/>
+            <a:r>
+              <a:rPr lang="en-US"/>
+              <a:t>How do I start!</a:t>
+            </a:r>
+          </a:p>
+        </p:txBody>
+      </p:sp>
+      <p:sp>
+        <p:nvSpPr>
+          <p:cNvPr id="3" name="Content Placeholder 2">
+            <a:extLst>
+              <a:ext uri="{FF2B5EF4-FFF2-40B4-BE49-F238E27FC236}">
+                <a16:creationId xmlns:a16="http://schemas.microsoft.com/office/drawing/2014/main" id="{7D438F48-1822-D376-9A3C-F0D0CD1B5E0D}"/>
+              </a:ext>
+            </a:extLst>
+          </p:cNvPr>
+          <p:cNvSpPr>
+            <a:spLocks noGrp="1"/>
+          </p:cNvSpPr>
+          <p:nvPr>
+            <p:ph idx="1"/>
+          </p:nvPr>
+        </p:nvSpPr>
+        <p:spPr/>
+        <p:txBody>
+          <a:bodyPr>
+            <a:normAutofit/>
+          </a:bodyPr>
+          <a:lstStyle/>
+          <a:p>
+            <a:pPr marL="742950" indent="-742950">
+              <a:buFont typeface="+mj-lt"/>
+              <a:buAutoNum type="arabicPeriod"/>
+            </a:pPr>
+            <a:r>
+              <a:rPr lang="en-US" sz="4000"/>
+              <a:t>Install </a:t>
+            </a:r>
+            <a:r>
+              <a:rPr lang="en-US" sz="4000">
+                <a:hlinkClick r:id="rId2"/>
+              </a:rPr>
+              <a:t>Github Desktop </a:t>
+            </a:r>
+            <a:r>
+              <a:rPr lang="en-US" sz="4000"/>
+              <a:t>and/or </a:t>
+            </a:r>
+            <a:r>
+              <a:rPr lang="en-US" sz="4000">
+                <a:hlinkClick r:id="rId3"/>
+              </a:rPr>
+              <a:t>Git</a:t>
+            </a:r>
+            <a:endParaRPr lang="en-US" sz="4000"/>
+          </a:p>
+          <a:p>
+            <a:pPr lvl="1"/>
+            <a:r>
+              <a:rPr lang="en-US" sz="3600">
+                <a:hlinkClick r:id="rId4"/>
+              </a:rPr>
+              <a:t>Linux port </a:t>
+            </a:r>
+            <a:r>
+              <a:rPr lang="en-US" sz="3600"/>
+              <a:t>of Github Desktop </a:t>
+            </a:r>
+          </a:p>
+          <a:p>
+            <a:pPr marL="742950" indent="-742950">
+              <a:buFont typeface="+mj-lt"/>
+              <a:buAutoNum type="arabicPeriod"/>
+            </a:pPr>
+            <a:r>
+              <a:rPr lang="en-US" sz="4000"/>
+              <a:t>Make a free account on </a:t>
+            </a:r>
+            <a:r>
+              <a:rPr lang="en-US" sz="4000">
+                <a:hlinkClick r:id="rId5" action="ppaction://hlinkfile"/>
+              </a:rPr>
+              <a:t>Github.com</a:t>
+            </a:r>
+            <a:endParaRPr lang="en-US" sz="4000"/>
+          </a:p>
+          <a:p>
+            <a:pPr marL="742950" indent="-742950">
+              <a:buFont typeface="+mj-lt"/>
+              <a:buAutoNum type="arabicPeriod"/>
+            </a:pPr>
+            <a:r>
+              <a:rPr lang="en-US" sz="4000"/>
+              <a:t>Get a git repository</a:t>
+            </a:r>
+          </a:p>
+        </p:txBody>
+      </p:sp>
+    </p:spTree>
+    <p:extLst>
+      <p:ext uri="{BB962C8B-B14F-4D97-AF65-F5344CB8AC3E}">
+        <p14:creationId xmlns:p14="http://schemas.microsoft.com/office/powerpoint/2010/main" val="777985912"/>
+      </p:ext>
+    </p:extLst>
+  </p:cSld>
+  <p:clrMapOvr>
+    <a:masterClrMapping/>
+  </p:clrMapOvr>
+</p:sld>
+</file>
+
+<file path=ppt/slides/slide7.xml><?xml version="1.0" encoding="utf-8"?>
+<p:sld xmlns:a="http://schemas.openxmlformats.org/drawingml/2006/main" xmlns:r="http://schemas.openxmlformats.org/officeDocument/2006/relationships" xmlns:p="http://schemas.openxmlformats.org/presentationml/2006/main">
+  <p:cSld>
+    <p:spTree>
+      <p:nvGrpSpPr>
+        <p:cNvPr id="1" name=""/>
+        <p:cNvGrpSpPr/>
+        <p:nvPr/>
+      </p:nvGrpSpPr>
+      <p:grpSpPr>
+        <a:xfrm>
+          <a:off x="0" y="0"/>
+          <a:ext cx="0" cy="0"/>
+          <a:chOff x="0" y="0"/>
+          <a:chExt cx="0" cy="0"/>
+        </a:xfrm>
+      </p:grpSpPr>
+      <p:sp>
+        <p:nvSpPr>
+          <p:cNvPr id="2" name="Title 1">
+            <a:extLst>
+              <a:ext uri="{FF2B5EF4-FFF2-40B4-BE49-F238E27FC236}">
+                <a16:creationId xmlns:a16="http://schemas.microsoft.com/office/drawing/2014/main" id="{80AA6EC6-FF53-0922-99C8-DB44429952EB}"/>
+              </a:ext>
+            </a:extLst>
+          </p:cNvPr>
+          <p:cNvSpPr>
+            <a:spLocks noGrp="1"/>
+          </p:cNvSpPr>
+          <p:nvPr>
+            <p:ph type="title"/>
+          </p:nvPr>
+        </p:nvSpPr>
+        <p:spPr>
+          <a:xfrm>
+            <a:off x="838200" y="1"/>
+            <a:ext cx="10515600" cy="796412"/>
+          </a:xfrm>
+        </p:spPr>
+        <p:txBody>
+          <a:bodyPr/>
+          <a:lstStyle/>
+          <a:p>
+            <a:pPr algn="ctr"/>
+            <a:r>
+              <a:rPr lang="en-US"/>
+              <a:t>Get a git repository</a:t>
+            </a:r>
+          </a:p>
+        </p:txBody>
+      </p:sp>
+      <p:sp>
+        <p:nvSpPr>
+          <p:cNvPr id="3" name="Content Placeholder 2">
+            <a:extLst>
+              <a:ext uri="{FF2B5EF4-FFF2-40B4-BE49-F238E27FC236}">
+                <a16:creationId xmlns:a16="http://schemas.microsoft.com/office/drawing/2014/main" id="{29D78AE7-E631-E48E-AF47-6B07830DE04E}"/>
+              </a:ext>
+            </a:extLst>
+          </p:cNvPr>
+          <p:cNvSpPr>
+            <a:spLocks noGrp="1"/>
+          </p:cNvSpPr>
+          <p:nvPr>
+            <p:ph idx="1"/>
+          </p:nvPr>
+        </p:nvSpPr>
+        <p:spPr/>
+        <p:txBody>
+          <a:bodyPr>
+            <a:normAutofit/>
+          </a:bodyPr>
+          <a:lstStyle/>
+          <a:p>
+            <a:r>
+              <a:rPr lang="en-US" sz="4000"/>
+              <a:t>Create one (</a:t>
+            </a:r>
+            <a:r>
+              <a:rPr lang="en-US" sz="4000" b="1"/>
+              <a:t>git init</a:t>
+            </a:r>
+            <a:r>
+              <a:rPr lang="en-US" sz="4000"/>
+              <a:t>)</a:t>
+            </a:r>
+          </a:p>
+          <a:p>
+            <a:r>
+              <a:rPr lang="en-US" sz="4000"/>
+              <a:t>Copy one (</a:t>
+            </a:r>
+            <a:r>
+              <a:rPr lang="en-US" sz="4000" b="1"/>
+              <a:t>git clone</a:t>
+            </a:r>
+            <a:r>
+              <a:rPr lang="en-US" sz="4000"/>
+              <a:t>)</a:t>
+            </a:r>
+          </a:p>
+          <a:p>
+            <a:pPr lvl="1"/>
+            <a:r>
+              <a:rPr lang="en-US" sz="3600">
+                <a:hlinkClick r:id="rId2"/>
+              </a:rPr>
+              <a:t>Lapish lab organization on Github</a:t>
+            </a:r>
+            <a:endParaRPr lang="en-US" sz="3600"/>
+          </a:p>
+        </p:txBody>
+      </p:sp>
+    </p:spTree>
+    <p:extLst>
+      <p:ext uri="{BB962C8B-B14F-4D97-AF65-F5344CB8AC3E}">
+        <p14:creationId xmlns:p14="http://schemas.microsoft.com/office/powerpoint/2010/main" val="41835613"/>
+      </p:ext>
+    </p:extLst>
+  </p:cSld>
+  <p:clrMapOvr>
+    <a:masterClrMapping/>
+  </p:clrMapOvr>
+</p:sld>
+</file>
+
+<file path=ppt/slides/slide8.xml><?xml version="1.0" encoding="utf-8"?>
+<p:sld xmlns:a="http://schemas.openxmlformats.org/drawingml/2006/main" xmlns:r="http://schemas.openxmlformats.org/officeDocument/2006/relationships" xmlns:p="http://schemas.openxmlformats.org/presentationml/2006/main">
+  <p:cSld>
+    <p:spTree>
+      <p:nvGrpSpPr>
+        <p:cNvPr id="1" name=""/>
+        <p:cNvGrpSpPr/>
+        <p:nvPr/>
+      </p:nvGrpSpPr>
+      <p:grpSpPr>
+        <a:xfrm>
+          <a:off x="0" y="0"/>
+          <a:ext cx="0" cy="0"/>
+          <a:chOff x="0" y="0"/>
+          <a:chExt cx="0" cy="0"/>
+        </a:xfrm>
+      </p:grpSpPr>
+      <p:sp>
+        <p:nvSpPr>
+          <p:cNvPr id="2" name="Title 1">
+            <a:extLst>
+              <a:ext uri="{FF2B5EF4-FFF2-40B4-BE49-F238E27FC236}">
+                <a16:creationId xmlns:a16="http://schemas.microsoft.com/office/drawing/2014/main" id="{2095649F-B432-A678-EC69-D1A4DF09F444}"/>
+              </a:ext>
+            </a:extLst>
+          </p:cNvPr>
+          <p:cNvSpPr>
+            <a:spLocks noGrp="1"/>
+          </p:cNvSpPr>
+          <p:nvPr>
+            <p:ph type="title"/>
+          </p:nvPr>
+        </p:nvSpPr>
+        <p:spPr>
+          <a:xfrm>
+            <a:off x="838200" y="0"/>
+            <a:ext cx="10515600" cy="681037"/>
+          </a:xfrm>
+        </p:spPr>
+        <p:txBody>
+          <a:bodyPr/>
+          <a:lstStyle/>
+          <a:p>
+            <a:pPr algn="ctr"/>
+            <a:r>
+              <a:rPr lang="en-US"/>
+              <a:t>Typical workflow (Git)</a:t>
+            </a:r>
+          </a:p>
+        </p:txBody>
+      </p:sp>
+      <p:sp>
+        <p:nvSpPr>
+          <p:cNvPr id="3" name="Content Placeholder 2">
+            <a:extLst>
+              <a:ext uri="{FF2B5EF4-FFF2-40B4-BE49-F238E27FC236}">
+                <a16:creationId xmlns:a16="http://schemas.microsoft.com/office/drawing/2014/main" id="{9D03B8DA-722B-789A-603E-7EFF74131ACA}"/>
+              </a:ext>
+            </a:extLst>
+          </p:cNvPr>
+          <p:cNvSpPr>
+            <a:spLocks noGrp="1"/>
+          </p:cNvSpPr>
+          <p:nvPr>
+            <p:ph idx="1"/>
+          </p:nvPr>
+        </p:nvSpPr>
+        <p:spPr>
+          <a:xfrm>
+            <a:off x="838200" y="816077"/>
+            <a:ext cx="10515600" cy="5360886"/>
+          </a:xfrm>
+        </p:spPr>
+        <p:txBody>
+          <a:bodyPr/>
+          <a:lstStyle/>
+          <a:p>
+            <a:pPr marL="514350" indent="-514350">
+              <a:buFont typeface="+mj-lt"/>
+              <a:buAutoNum type="arabicPeriod"/>
+            </a:pPr>
+            <a:r>
+              <a:rPr lang="en-US"/>
+              <a:t>Look at Git Cheat Sheet</a:t>
+            </a:r>
+          </a:p>
+          <a:p>
+            <a:pPr marL="514350" indent="-514350">
+              <a:buFont typeface="+mj-lt"/>
+              <a:buAutoNum type="arabicPeriod"/>
+            </a:pPr>
+            <a:r>
+              <a:rPr lang="en-US" b="1"/>
+              <a:t> git pull   </a:t>
+            </a:r>
+          </a:p>
+          <a:p>
+            <a:pPr marL="514350" indent="-514350">
+              <a:buFont typeface="+mj-lt"/>
+              <a:buAutoNum type="arabicPeriod"/>
+            </a:pPr>
+            <a:r>
+              <a:rPr lang="en-US"/>
+              <a:t>edit code</a:t>
+            </a:r>
+          </a:p>
+          <a:p>
+            <a:pPr marL="514350" indent="-514350">
+              <a:buFont typeface="+mj-lt"/>
+              <a:buAutoNum type="arabicPeriod"/>
+            </a:pPr>
+            <a:r>
+              <a:rPr lang="en-US" b="1"/>
+              <a:t>git status</a:t>
+            </a:r>
+          </a:p>
+          <a:p>
+            <a:pPr marL="514350" indent="-514350">
+              <a:buFont typeface="+mj-lt"/>
+              <a:buAutoNum type="arabicPeriod"/>
+            </a:pPr>
+            <a:r>
+              <a:rPr lang="en-US" b="1"/>
+              <a:t>git diff</a:t>
+            </a:r>
+          </a:p>
+          <a:p>
+            <a:pPr marL="514350" indent="-514350">
+              <a:buFont typeface="+mj-lt"/>
+              <a:buAutoNum type="arabicPeriod"/>
+            </a:pPr>
+            <a:r>
+              <a:rPr lang="en-US" b="1"/>
+              <a:t>git add</a:t>
+            </a:r>
+          </a:p>
+          <a:p>
+            <a:pPr marL="514350" indent="-514350">
+              <a:buFont typeface="+mj-lt"/>
+              <a:buAutoNum type="arabicPeriod"/>
+            </a:pPr>
+            <a:r>
+              <a:rPr lang="en-US" b="1"/>
+              <a:t>git commit –m "description of commit"</a:t>
+            </a:r>
+          </a:p>
+          <a:p>
+            <a:pPr marL="514350" indent="-514350">
+              <a:buFont typeface="+mj-lt"/>
+              <a:buAutoNum type="arabicPeriod"/>
+            </a:pPr>
+            <a:r>
+              <a:rPr lang="en-US" b="1"/>
+              <a:t>git push</a:t>
+            </a:r>
+          </a:p>
+        </p:txBody>
+      </p:sp>
+      <p:sp>
+        <p:nvSpPr>
+          <p:cNvPr id="4" name="TextBox 3">
+            <a:extLst>
+              <a:ext uri="{FF2B5EF4-FFF2-40B4-BE49-F238E27FC236}">
+                <a16:creationId xmlns:a16="http://schemas.microsoft.com/office/drawing/2014/main" id="{5B6C8040-2522-58A9-A5D0-B1EE171C1408}"/>
+              </a:ext>
+            </a:extLst>
+          </p:cNvPr>
+          <p:cNvSpPr txBox="1"/>
+          <p:nvPr/>
+        </p:nvSpPr>
+        <p:spPr>
+          <a:xfrm>
+            <a:off x="5699598" y="889097"/>
+            <a:ext cx="1088824" cy="369332"/>
+          </a:xfrm>
+          <a:prstGeom prst="rect">
+            <a:avLst/>
+          </a:prstGeom>
+          <a:noFill/>
+        </p:spPr>
+        <p:txBody>
+          <a:bodyPr wrap="none" rtlCol="0">
+            <a:spAutoFit/>
+          </a:bodyPr>
+          <a:lstStyle/>
+          <a:p>
+            <a:r>
+              <a:rPr lang="en-US">
+                <a:solidFill>
+                  <a:srgbClr val="FF0000"/>
+                </a:solidFill>
+              </a:rPr>
+              <a:t>Add links</a:t>
+            </a:r>
+          </a:p>
+        </p:txBody>
+      </p:sp>
+    </p:spTree>
+    <p:extLst>
+      <p:ext uri="{BB962C8B-B14F-4D97-AF65-F5344CB8AC3E}">
+        <p14:creationId xmlns:p14="http://schemas.microsoft.com/office/powerpoint/2010/main" val="695554921"/>
+      </p:ext>
+    </p:extLst>
+  </p:cSld>
+  <p:clrMapOvr>
+    <a:masterClrMapping/>
+  </p:clrMapOvr>
+</p:sld>
+</file>
+
+<file path=ppt/slides/slide9.xml><?xml version="1.0" encoding="utf-8"?>
+<p:sld xmlns:a="http://schemas.openxmlformats.org/drawingml/2006/main" xmlns:r="http://schemas.openxmlformats.org/officeDocument/2006/relationships" xmlns:p="http://schemas.openxmlformats.org/presentationml/2006/main">
+  <p:cSld>
+    <p:spTree>
+      <p:nvGrpSpPr>
+        <p:cNvPr id="1" name="">
+          <a:extLst>
+            <a:ext uri="{FF2B5EF4-FFF2-40B4-BE49-F238E27FC236}">
+              <a16:creationId xmlns:a16="http://schemas.microsoft.com/office/drawing/2014/main" id="{2CF5578D-3F9A-C7A4-C4FE-1CE9258E7287}"/>
+            </a:ext>
+          </a:extLst>
+        </p:cNvPr>
+        <p:cNvGrpSpPr/>
+        <p:nvPr/>
+      </p:nvGrpSpPr>
+      <p:grpSpPr>
+        <a:xfrm>
+          <a:off x="0" y="0"/>
+          <a:ext cx="0" cy="0"/>
+          <a:chOff x="0" y="0"/>
+          <a:chExt cx="0" cy="0"/>
+        </a:xfrm>
+      </p:grpSpPr>
+      <p:sp>
+        <p:nvSpPr>
+          <p:cNvPr id="2" name="Title 1">
+            <a:extLst>
+              <a:ext uri="{FF2B5EF4-FFF2-40B4-BE49-F238E27FC236}">
+                <a16:creationId xmlns:a16="http://schemas.microsoft.com/office/drawing/2014/main" id="{F69962F6-4A3E-E532-6B01-00E8328E385C}"/>
+              </a:ext>
+            </a:extLst>
+          </p:cNvPr>
+          <p:cNvSpPr>
+            <a:spLocks noGrp="1"/>
+          </p:cNvSpPr>
+          <p:nvPr>
+            <p:ph type="title"/>
+          </p:nvPr>
+        </p:nvSpPr>
+        <p:spPr>
+          <a:xfrm>
+            <a:off x="838200" y="0"/>
+            <a:ext cx="10515600" cy="681037"/>
+          </a:xfrm>
+        </p:spPr>
+        <p:txBody>
+          <a:bodyPr/>
+          <a:lstStyle/>
+          <a:p>
+            <a:pPr algn="ctr"/>
+            <a:r>
+              <a:rPr lang="en-US"/>
+              <a:t>Typical workflow (Github Desktop)</a:t>
+            </a:r>
+          </a:p>
+        </p:txBody>
+      </p:sp>
+    </p:spTree>
+    <p:extLst>
+      <p:ext uri="{BB962C8B-B14F-4D97-AF65-F5344CB8AC3E}">
+        <p14:creationId xmlns:p14="http://schemas.microsoft.com/office/powerpoint/2010/main" val="2308543991"/>
       </p:ext>
     </p:extLst>
   </p:cSld>
@@ -3697,4 +7945,319 @@
     </a:ext>
   </a:extLst>
 </a:theme>
+</file>
+
+<file path=ppt/theme/theme2.xml><?xml version="1.0" encoding="utf-8"?>
+<a:theme xmlns:a="http://schemas.openxmlformats.org/drawingml/2006/main" name="Office Theme">
+  <a:themeElements>
+    <a:clrScheme name="Office">
+      <a:dk1>
+        <a:sysClr val="windowText" lastClr="000000"/>
+      </a:dk1>
+      <a:lt1>
+        <a:sysClr val="window" lastClr="FFFFFF"/>
+      </a:lt1>
+      <a:dk2>
+        <a:srgbClr val="0E2841"/>
+      </a:dk2>
+      <a:lt2>
+        <a:srgbClr val="E8E8E8"/>
+      </a:lt2>
+      <a:accent1>
+        <a:srgbClr val="156082"/>
+      </a:accent1>
+      <a:accent2>
+        <a:srgbClr val="E97132"/>
+      </a:accent2>
+      <a:accent3>
+        <a:srgbClr val="196B24"/>
+      </a:accent3>
+      <a:accent4>
+        <a:srgbClr val="0F9ED5"/>
+      </a:accent4>
+      <a:accent5>
+        <a:srgbClr val="A02B93"/>
+      </a:accent5>
+      <a:accent6>
+        <a:srgbClr val="4EA72E"/>
+      </a:accent6>
+      <a:hlink>
+        <a:srgbClr val="467886"/>
+      </a:hlink>
+      <a:folHlink>
+        <a:srgbClr val="96607D"/>
+      </a:folHlink>
+    </a:clrScheme>
+    <a:fontScheme name="Office">
+      <a:majorFont>
+        <a:latin typeface="Aptos Display" panose="02110004020202020204"/>
+        <a:ea typeface=""/>
+        <a:cs typeface=""/>
+        <a:font script="Jpan" typeface="游ゴシック Light"/>
+        <a:font script="Hang" typeface="맑은 고딕"/>
+        <a:font script="Hans" typeface="等线 Light"/>
+        <a:font script="Hant" typeface="新細明體"/>
+        <a:font script="Arab" typeface="Times New Roman"/>
+        <a:font script="Hebr" typeface="Times New Roman"/>
+        <a:font script="Thai" typeface="Angsana New"/>
+        <a:font script="Ethi" typeface="Nyala"/>
+        <a:font script="Beng" typeface="Vrinda"/>
+        <a:font script="Gujr" typeface="Shruti"/>
+        <a:font script="Khmr" typeface="MoolBoran"/>
+        <a:font script="Knda" typeface="Tunga"/>
+        <a:font script="Guru" typeface="Raavi"/>
+        <a:font script="Cans" typeface="Euphemia"/>
+        <a:font script="Cher" typeface="Plantagenet Cherokee"/>
+        <a:font script="Yiii" typeface="Microsoft Yi Baiti"/>
+        <a:font script="Tibt" typeface="Microsoft Himalaya"/>
+        <a:font script="Thaa" typeface="MV Boli"/>
+        <a:font script="Deva" typeface="Mangal"/>
+        <a:font script="Telu" typeface="Gautami"/>
+        <a:font script="Taml" typeface="Latha"/>
+        <a:font script="Syrc" typeface="Estrangelo Edessa"/>
+        <a:font script="Orya" typeface="Kalinga"/>
+        <a:font script="Mlym" typeface="Kartika"/>
+        <a:font script="Laoo" typeface="DokChampa"/>
+        <a:font script="Sinh" typeface="Iskoola Pota"/>
+        <a:font script="Mong" typeface="Mongolian Baiti"/>
+        <a:font script="Viet" typeface="Times New Roman"/>
+        <a:font script="Uigh" typeface="Microsoft Uighur"/>
+        <a:font script="Geor" typeface="Sylfaen"/>
+        <a:font script="Armn" typeface="Arial"/>
+        <a:font script="Bugi" typeface="Leelawadee UI"/>
+        <a:font script="Bopo" typeface="Microsoft JhengHei"/>
+        <a:font script="Java" typeface="Javanese Text"/>
+        <a:font script="Lisu" typeface="Segoe UI"/>
+        <a:font script="Mymr" typeface="Myanmar Text"/>
+        <a:font script="Nkoo" typeface="Ebrima"/>
+        <a:font script="Olck" typeface="Nirmala UI"/>
+        <a:font script="Osma" typeface="Ebrima"/>
+        <a:font script="Phag" typeface="Phagspa"/>
+        <a:font script="Syrn" typeface="Estrangelo Edessa"/>
+        <a:font script="Syrj" typeface="Estrangelo Edessa"/>
+        <a:font script="Syre" typeface="Estrangelo Edessa"/>
+        <a:font script="Sora" typeface="Nirmala UI"/>
+        <a:font script="Tale" typeface="Microsoft Tai Le"/>
+        <a:font script="Talu" typeface="Microsoft New Tai Lue"/>
+        <a:font script="Tfng" typeface="Ebrima"/>
+      </a:majorFont>
+      <a:minorFont>
+        <a:latin typeface="Aptos" panose="02110004020202020204"/>
+        <a:ea typeface=""/>
+        <a:cs typeface=""/>
+        <a:font script="Jpan" typeface="游ゴシック"/>
+        <a:font script="Hang" typeface="맑은 고딕"/>
+        <a:font script="Hans" typeface="等线"/>
+        <a:font script="Hant" typeface="新細明體"/>
+        <a:font script="Arab" typeface="Arial"/>
+        <a:font script="Hebr" typeface="Arial"/>
+        <a:font script="Thai" typeface="Cordia New"/>
+        <a:font script="Ethi" typeface="Nyala"/>
+        <a:font script="Beng" typeface="Vrinda"/>
+        <a:font script="Gujr" typeface="Shruti"/>
+        <a:font script="Khmr" typeface="DaunPenh"/>
+        <a:font script="Knda" typeface="Tunga"/>
+        <a:font script="Guru" typeface="Raavi"/>
+        <a:font script="Cans" typeface="Euphemia"/>
+        <a:font script="Cher" typeface="Plantagenet Cherokee"/>
+        <a:font script="Yiii" typeface="Microsoft Yi Baiti"/>
+        <a:font script="Tibt" typeface="Microsoft Himalaya"/>
+        <a:font script="Thaa" typeface="MV Boli"/>
+        <a:font script="Deva" typeface="Mangal"/>
+        <a:font script="Telu" typeface="Gautami"/>
+        <a:font script="Taml" typeface="Latha"/>
+        <a:font script="Syrc" typeface="Estrangelo Edessa"/>
+        <a:font script="Orya" typeface="Kalinga"/>
+        <a:font script="Mlym" typeface="Kartika"/>
+        <a:font script="Laoo" typeface="DokChampa"/>
+        <a:font script="Sinh" typeface="Iskoola Pota"/>
+        <a:font script="Mong" typeface="Mongolian Baiti"/>
+        <a:font script="Viet" typeface="Arial"/>
+        <a:font script="Uigh" typeface="Microsoft Uighur"/>
+        <a:font script="Geor" typeface="Sylfaen"/>
+        <a:font script="Armn" typeface="Arial"/>
+        <a:font script="Bugi" typeface="Leelawadee UI"/>
+        <a:font script="Bopo" typeface="Microsoft JhengHei"/>
+        <a:font script="Java" typeface="Javanese Text"/>
+        <a:font script="Lisu" typeface="Segoe UI"/>
+        <a:font script="Mymr" typeface="Myanmar Text"/>
+        <a:font script="Nkoo" typeface="Ebrima"/>
+        <a:font script="Olck" typeface="Nirmala UI"/>
+        <a:font script="Osma" typeface="Ebrima"/>
+        <a:font script="Phag" typeface="Phagspa"/>
+        <a:font script="Syrn" typeface="Estrangelo Edessa"/>
+        <a:font script="Syrj" typeface="Estrangelo Edessa"/>
+        <a:font script="Syre" typeface="Estrangelo Edessa"/>
+        <a:font script="Sora" typeface="Nirmala UI"/>
+        <a:font script="Tale" typeface="Microsoft Tai Le"/>
+        <a:font script="Talu" typeface="Microsoft New Tai Lue"/>
+        <a:font script="Tfng" typeface="Ebrima"/>
+      </a:minorFont>
+    </a:fontScheme>
+    <a:fmtScheme name="Office">
+      <a:fillStyleLst>
+        <a:solidFill>
+          <a:schemeClr val="phClr"/>
+        </a:solidFill>
+        <a:gradFill rotWithShape="1">
+          <a:gsLst>
+            <a:gs pos="0">
+              <a:schemeClr val="phClr">
+                <a:lumMod val="110000"/>
+                <a:satMod val="105000"/>
+                <a:tint val="67000"/>
+              </a:schemeClr>
+            </a:gs>
+            <a:gs pos="50000">
+              <a:schemeClr val="phClr">
+                <a:lumMod val="105000"/>
+                <a:satMod val="103000"/>
+                <a:tint val="73000"/>
+              </a:schemeClr>
+            </a:gs>
+            <a:gs pos="100000">
+              <a:schemeClr val="phClr">
+                <a:lumMod val="105000"/>
+                <a:satMod val="109000"/>
+                <a:tint val="81000"/>
+              </a:schemeClr>
+            </a:gs>
+          </a:gsLst>
+          <a:lin ang="5400000" scaled="0"/>
+        </a:gradFill>
+        <a:gradFill rotWithShape="1">
+          <a:gsLst>
+            <a:gs pos="0">
+              <a:schemeClr val="phClr">
+                <a:satMod val="103000"/>
+                <a:lumMod val="102000"/>
+                <a:tint val="94000"/>
+              </a:schemeClr>
+            </a:gs>
+            <a:gs pos="50000">
+              <a:schemeClr val="phClr">
+                <a:satMod val="110000"/>
+                <a:lumMod val="100000"/>
+                <a:shade val="100000"/>
+              </a:schemeClr>
+            </a:gs>
+            <a:gs pos="100000">
+              <a:schemeClr val="phClr">
+                <a:lumMod val="99000"/>
+                <a:satMod val="120000"/>
+                <a:shade val="78000"/>
+              </a:schemeClr>
+            </a:gs>
+          </a:gsLst>
+          <a:lin ang="5400000" scaled="0"/>
+        </a:gradFill>
+      </a:fillStyleLst>
+      <a:lnStyleLst>
+        <a:ln w="12700" cap="flat" cmpd="sng" algn="ctr">
+          <a:solidFill>
+            <a:schemeClr val="phClr"/>
+          </a:solidFill>
+          <a:prstDash val="solid"/>
+          <a:miter lim="800000"/>
+        </a:ln>
+        <a:ln w="19050" cap="flat" cmpd="sng" algn="ctr">
+          <a:solidFill>
+            <a:schemeClr val="phClr"/>
+          </a:solidFill>
+          <a:prstDash val="solid"/>
+          <a:miter lim="800000"/>
+        </a:ln>
+        <a:ln w="25400" cap="flat" cmpd="sng" algn="ctr">
+          <a:solidFill>
+            <a:schemeClr val="phClr"/>
+          </a:solidFill>
+          <a:prstDash val="solid"/>
+          <a:miter lim="800000"/>
+        </a:ln>
+      </a:lnStyleLst>
+      <a:effectStyleLst>
+        <a:effectStyle>
+          <a:effectLst/>
+        </a:effectStyle>
+        <a:effectStyle>
+          <a:effectLst/>
+        </a:effectStyle>
+        <a:effectStyle>
+          <a:effectLst>
+            <a:outerShdw blurRad="57150" dist="19050" dir="5400000" algn="ctr" rotWithShape="0">
+              <a:srgbClr val="000000">
+                <a:alpha val="63000"/>
+              </a:srgbClr>
+            </a:outerShdw>
+          </a:effectLst>
+        </a:effectStyle>
+      </a:effectStyleLst>
+      <a:bgFillStyleLst>
+        <a:solidFill>
+          <a:schemeClr val="phClr"/>
+        </a:solidFill>
+        <a:solidFill>
+          <a:schemeClr val="phClr">
+            <a:tint val="95000"/>
+            <a:satMod val="170000"/>
+          </a:schemeClr>
+        </a:solidFill>
+        <a:gradFill rotWithShape="1">
+          <a:gsLst>
+            <a:gs pos="0">
+              <a:schemeClr val="phClr">
+                <a:tint val="93000"/>
+                <a:satMod val="150000"/>
+                <a:shade val="98000"/>
+                <a:lumMod val="102000"/>
+              </a:schemeClr>
+            </a:gs>
+            <a:gs pos="50000">
+              <a:schemeClr val="phClr">
+                <a:tint val="98000"/>
+                <a:satMod val="130000"/>
+                <a:shade val="90000"/>
+                <a:lumMod val="103000"/>
+              </a:schemeClr>
+            </a:gs>
+            <a:gs pos="100000">
+              <a:schemeClr val="phClr">
+                <a:shade val="63000"/>
+                <a:satMod val="120000"/>
+              </a:schemeClr>
+            </a:gs>
+          </a:gsLst>
+          <a:lin ang="5400000" scaled="0"/>
+        </a:gradFill>
+      </a:bgFillStyleLst>
+    </a:fmtScheme>
+  </a:themeElements>
+  <a:objectDefaults>
+    <a:lnDef>
+      <a:spPr/>
+      <a:bodyPr/>
+      <a:lstStyle/>
+      <a:style>
+        <a:lnRef idx="2">
+          <a:schemeClr val="accent1"/>
+        </a:lnRef>
+        <a:fillRef idx="0">
+          <a:schemeClr val="accent1"/>
+        </a:fillRef>
+        <a:effectRef idx="1">
+          <a:schemeClr val="accent1"/>
+        </a:effectRef>
+        <a:fontRef idx="minor">
+          <a:schemeClr val="tx1"/>
+        </a:fontRef>
+      </a:style>
+    </a:lnDef>
+  </a:objectDefaults>
+  <a:extraClrSchemeLst/>
+  <a:extLst>
+    <a:ext uri="{05A4C25C-085E-4340-85A3-A5531E510DB2}">
+      <thm15:themeFamily xmlns:thm15="http://schemas.microsoft.com/office/thememl/2012/main" name="Office Theme" id="{2E142A2C-CD16-42D6-873A-C26D2A0506FA}" vid="{1BDDFF52-6CD6-40A5-AB3C-68EB2F1E4D0A}"/>
+    </a:ext>
+  </a:extLst>
+</a:theme>
 </file>
--- a/introToGitAndGithub.pptx
+++ b/introToGitAndGithub.pptx
@@ -793,6 +793,258 @@
     <p:extLst>
       <p:ext uri="{BB962C8B-B14F-4D97-AF65-F5344CB8AC3E}">
         <p14:creationId xmlns:p14="http://schemas.microsoft.com/office/powerpoint/2010/main" val="4240498114"/>
+      </p:ext>
+    </p:extLst>
+  </p:cSld>
+  <p:clrMapOvr>
+    <a:masterClrMapping/>
+  </p:clrMapOvr>
+</p:notes>
+</file>
+
+<file path=ppt/notesSlides/notesSlide4.xml><?xml version="1.0" encoding="utf-8"?>
+<p:notes xmlns:a="http://schemas.openxmlformats.org/drawingml/2006/main" xmlns:r="http://schemas.openxmlformats.org/officeDocument/2006/relationships" xmlns:p="http://schemas.openxmlformats.org/presentationml/2006/main">
+  <p:cSld>
+    <p:spTree>
+      <p:nvGrpSpPr>
+        <p:cNvPr id="1" name=""/>
+        <p:cNvGrpSpPr/>
+        <p:nvPr/>
+      </p:nvGrpSpPr>
+      <p:grpSpPr>
+        <a:xfrm>
+          <a:off x="0" y="0"/>
+          <a:ext cx="0" cy="0"/>
+          <a:chOff x="0" y="0"/>
+          <a:chExt cx="0" cy="0"/>
+        </a:xfrm>
+      </p:grpSpPr>
+      <p:sp>
+        <p:nvSpPr>
+          <p:cNvPr id="2" name="Slide Image Placeholder 1"/>
+          <p:cNvSpPr>
+            <a:spLocks noGrp="1" noRot="1" noChangeAspect="1"/>
+          </p:cNvSpPr>
+          <p:nvPr>
+            <p:ph type="sldImg"/>
+          </p:nvPr>
+        </p:nvSpPr>
+        <p:spPr/>
+      </p:sp>
+      <p:sp>
+        <p:nvSpPr>
+          <p:cNvPr id="3" name="Notes Placeholder 2"/>
+          <p:cNvSpPr>
+            <a:spLocks noGrp="1"/>
+          </p:cNvSpPr>
+          <p:nvPr>
+            <p:ph type="body" idx="1"/>
+          </p:nvPr>
+        </p:nvSpPr>
+        <p:spPr/>
+        <p:txBody>
+          <a:bodyPr/>
+          <a:lstStyle/>
+          <a:p>
+            <a:endParaRPr lang="en-US"/>
+          </a:p>
+        </p:txBody>
+      </p:sp>
+      <p:sp>
+        <p:nvSpPr>
+          <p:cNvPr id="4" name="Slide Number Placeholder 3"/>
+          <p:cNvSpPr>
+            <a:spLocks noGrp="1"/>
+          </p:cNvSpPr>
+          <p:nvPr>
+            <p:ph type="sldNum" sz="quarter" idx="5"/>
+          </p:nvPr>
+        </p:nvSpPr>
+        <p:spPr/>
+        <p:txBody>
+          <a:bodyPr/>
+          <a:lstStyle/>
+          <a:p>
+            <a:fld id="{7C8619F3-AB59-49A4-8E2C-7A47171CF1BA}" type="slidenum">
+              <a:rPr lang="en-US" smtClean="0"/>
+              <a:t>8</a:t>
+            </a:fld>
+            <a:endParaRPr lang="en-US"/>
+          </a:p>
+        </p:txBody>
+      </p:sp>
+    </p:spTree>
+    <p:extLst>
+      <p:ext uri="{BB962C8B-B14F-4D97-AF65-F5344CB8AC3E}">
+        <p14:creationId xmlns:p14="http://schemas.microsoft.com/office/powerpoint/2010/main" val="922585984"/>
+      </p:ext>
+    </p:extLst>
+  </p:cSld>
+  <p:clrMapOvr>
+    <a:masterClrMapping/>
+  </p:clrMapOvr>
+</p:notes>
+</file>
+
+<file path=ppt/notesSlides/notesSlide5.xml><?xml version="1.0" encoding="utf-8"?>
+<p:notes xmlns:a="http://schemas.openxmlformats.org/drawingml/2006/main" xmlns:r="http://schemas.openxmlformats.org/officeDocument/2006/relationships" xmlns:p="http://schemas.openxmlformats.org/presentationml/2006/main">
+  <p:cSld>
+    <p:spTree>
+      <p:nvGrpSpPr>
+        <p:cNvPr id="1" name=""/>
+        <p:cNvGrpSpPr/>
+        <p:nvPr/>
+      </p:nvGrpSpPr>
+      <p:grpSpPr>
+        <a:xfrm>
+          <a:off x="0" y="0"/>
+          <a:ext cx="0" cy="0"/>
+          <a:chOff x="0" y="0"/>
+          <a:chExt cx="0" cy="0"/>
+        </a:xfrm>
+      </p:grpSpPr>
+      <p:sp>
+        <p:nvSpPr>
+          <p:cNvPr id="2" name="Slide Image Placeholder 1"/>
+          <p:cNvSpPr>
+            <a:spLocks noGrp="1" noRot="1" noChangeAspect="1"/>
+          </p:cNvSpPr>
+          <p:nvPr>
+            <p:ph type="sldImg"/>
+          </p:nvPr>
+        </p:nvSpPr>
+        <p:spPr/>
+      </p:sp>
+      <p:sp>
+        <p:nvSpPr>
+          <p:cNvPr id="3" name="Notes Placeholder 2"/>
+          <p:cNvSpPr>
+            <a:spLocks noGrp="1"/>
+          </p:cNvSpPr>
+          <p:nvPr>
+            <p:ph type="body" idx="1"/>
+          </p:nvPr>
+        </p:nvSpPr>
+        <p:spPr/>
+        <p:txBody>
+          <a:bodyPr/>
+          <a:lstStyle/>
+          <a:p>
+            <a:endParaRPr lang="en-US"/>
+          </a:p>
+        </p:txBody>
+      </p:sp>
+      <p:sp>
+        <p:nvSpPr>
+          <p:cNvPr id="4" name="Slide Number Placeholder 3"/>
+          <p:cNvSpPr>
+            <a:spLocks noGrp="1"/>
+          </p:cNvSpPr>
+          <p:nvPr>
+            <p:ph type="sldNum" sz="quarter" idx="5"/>
+          </p:nvPr>
+        </p:nvSpPr>
+        <p:spPr/>
+        <p:txBody>
+          <a:bodyPr/>
+          <a:lstStyle/>
+          <a:p>
+            <a:fld id="{7C8619F3-AB59-49A4-8E2C-7A47171CF1BA}" type="slidenum">
+              <a:rPr lang="en-US" smtClean="0"/>
+              <a:t>10</a:t>
+            </a:fld>
+            <a:endParaRPr lang="en-US"/>
+          </a:p>
+        </p:txBody>
+      </p:sp>
+    </p:spTree>
+    <p:extLst>
+      <p:ext uri="{BB962C8B-B14F-4D97-AF65-F5344CB8AC3E}">
+        <p14:creationId xmlns:p14="http://schemas.microsoft.com/office/powerpoint/2010/main" val="3592938023"/>
+      </p:ext>
+    </p:extLst>
+  </p:cSld>
+  <p:clrMapOvr>
+    <a:masterClrMapping/>
+  </p:clrMapOvr>
+</p:notes>
+</file>
+
+<file path=ppt/notesSlides/notesSlide6.xml><?xml version="1.0" encoding="utf-8"?>
+<p:notes xmlns:a="http://schemas.openxmlformats.org/drawingml/2006/main" xmlns:r="http://schemas.openxmlformats.org/officeDocument/2006/relationships" xmlns:p="http://schemas.openxmlformats.org/presentationml/2006/main">
+  <p:cSld>
+    <p:spTree>
+      <p:nvGrpSpPr>
+        <p:cNvPr id="1" name=""/>
+        <p:cNvGrpSpPr/>
+        <p:nvPr/>
+      </p:nvGrpSpPr>
+      <p:grpSpPr>
+        <a:xfrm>
+          <a:off x="0" y="0"/>
+          <a:ext cx="0" cy="0"/>
+          <a:chOff x="0" y="0"/>
+          <a:chExt cx="0" cy="0"/>
+        </a:xfrm>
+      </p:grpSpPr>
+      <p:sp>
+        <p:nvSpPr>
+          <p:cNvPr id="2" name="Slide Image Placeholder 1"/>
+          <p:cNvSpPr>
+            <a:spLocks noGrp="1" noRot="1" noChangeAspect="1"/>
+          </p:cNvSpPr>
+          <p:nvPr>
+            <p:ph type="sldImg"/>
+          </p:nvPr>
+        </p:nvSpPr>
+        <p:spPr/>
+      </p:sp>
+      <p:sp>
+        <p:nvSpPr>
+          <p:cNvPr id="3" name="Notes Placeholder 2"/>
+          <p:cNvSpPr>
+            <a:spLocks noGrp="1"/>
+          </p:cNvSpPr>
+          <p:nvPr>
+            <p:ph type="body" idx="1"/>
+          </p:nvPr>
+        </p:nvSpPr>
+        <p:spPr/>
+        <p:txBody>
+          <a:bodyPr/>
+          <a:lstStyle/>
+          <a:p>
+            <a:endParaRPr lang="en-US"/>
+          </a:p>
+        </p:txBody>
+      </p:sp>
+      <p:sp>
+        <p:nvSpPr>
+          <p:cNvPr id="4" name="Slide Number Placeholder 3"/>
+          <p:cNvSpPr>
+            <a:spLocks noGrp="1"/>
+          </p:cNvSpPr>
+          <p:nvPr>
+            <p:ph type="sldNum" sz="quarter" idx="5"/>
+          </p:nvPr>
+        </p:nvSpPr>
+        <p:spPr/>
+        <p:txBody>
+          <a:bodyPr/>
+          <a:lstStyle/>
+          <a:p>
+            <a:fld id="{7C8619F3-AB59-49A4-8E2C-7A47171CF1BA}" type="slidenum">
+              <a:rPr lang="en-US" smtClean="0"/>
+              <a:t>12</a:t>
+            </a:fld>
+            <a:endParaRPr lang="en-US"/>
+          </a:p>
+        </p:txBody>
+      </p:sp>
+    </p:spTree>
+    <p:extLst>
+      <p:ext uri="{BB962C8B-B14F-4D97-AF65-F5344CB8AC3E}">
+        <p14:creationId xmlns:p14="http://schemas.microsoft.com/office/powerpoint/2010/main" val="284314060"/>
       </p:ext>
     </p:extLst>
   </p:cSld>
@@ -4348,7 +4600,7 @@
             <a:pPr lvl="1"/>
             <a:r>
               <a:rPr lang="en-US"/>
-              <a:t>remote (github.com) is just another repository.</a:t>
+              <a:t>Github.com is just another repository.</a:t>
             </a:r>
           </a:p>
           <a:p>
@@ -4506,6 +4758,42 @@
           </a:p>
         </p:txBody>
       </p:sp>
+      <p:pic>
+        <p:nvPicPr>
+          <p:cNvPr id="5" name="Picture 4" descr="A diagram of a work flow&#10;&#10;Description automatically generated">
+            <a:extLst>
+              <a:ext uri="{FF2B5EF4-FFF2-40B4-BE49-F238E27FC236}">
+                <a16:creationId xmlns:a16="http://schemas.microsoft.com/office/drawing/2014/main" id="{CB300650-7166-2CA0-3E97-4FABFE8D8AEF}"/>
+              </a:ext>
+            </a:extLst>
+          </p:cNvPr>
+          <p:cNvPicPr>
+            <a:picLocks noChangeAspect="1"/>
+          </p:cNvPicPr>
+          <p:nvPr/>
+        </p:nvPicPr>
+        <p:blipFill>
+          <a:blip r:embed="rId3">
+            <a:extLst>
+              <a:ext uri="{28A0092B-C50C-407E-A947-70E740481C1C}">
+                <a14:useLocalDpi xmlns:a14="http://schemas.microsoft.com/office/drawing/2010/main" val="0"/>
+              </a:ext>
+            </a:extLst>
+          </a:blip>
+          <a:stretch>
+            <a:fillRect/>
+          </a:stretch>
+        </p:blipFill>
+        <p:spPr>
+          <a:xfrm>
+            <a:off x="1714500" y="3065500"/>
+            <a:ext cx="7080584" cy="3628068"/>
+          </a:xfrm>
+          <a:prstGeom prst="rect">
+            <a:avLst/>
+          </a:prstGeom>
+        </p:spPr>
+      </p:pic>
     </p:spTree>
     <p:extLst>
       <p:ext uri="{BB962C8B-B14F-4D97-AF65-F5344CB8AC3E}">
@@ -4634,6 +4922,186 @@
   <p:clrMapOvr>
     <a:masterClrMapping/>
   </p:clrMapOvr>
+  <p:timing>
+    <p:tnLst>
+      <p:par>
+        <p:cTn id="1" dur="indefinite" restart="never" nodeType="tmRoot">
+          <p:childTnLst>
+            <p:seq concurrent="1" nextAc="seek">
+              <p:cTn id="2" dur="indefinite" nodeType="mainSeq">
+                <p:childTnLst>
+                  <p:par>
+                    <p:cTn id="3" fill="hold">
+                      <p:stCondLst>
+                        <p:cond delay="indefinite"/>
+                      </p:stCondLst>
+                      <p:childTnLst>
+                        <p:par>
+                          <p:cTn id="4" fill="hold">
+                            <p:stCondLst>
+                              <p:cond delay="0"/>
+                            </p:stCondLst>
+                            <p:childTnLst>
+                              <p:par>
+                                <p:cTn id="5" presetID="1" presetClass="entr" presetSubtype="0" fill="hold" grpId="0" nodeType="clickEffect">
+                                  <p:stCondLst>
+                                    <p:cond delay="0"/>
+                                  </p:stCondLst>
+                                  <p:childTnLst>
+                                    <p:set>
+                                      <p:cBhvr>
+                                        <p:cTn id="6" dur="1" fill="hold">
+                                          <p:stCondLst>
+                                            <p:cond delay="0"/>
+                                          </p:stCondLst>
+                                        </p:cTn>
+                                        <p:tgtEl>
+                                          <p:spTgt spid="3">
+                                            <p:txEl>
+                                              <p:pRg st="1" end="1"/>
+                                            </p:txEl>
+                                          </p:spTgt>
+                                        </p:tgtEl>
+                                        <p:attrNameLst>
+                                          <p:attrName>style.visibility</p:attrName>
+                                        </p:attrNameLst>
+                                      </p:cBhvr>
+                                      <p:to>
+                                        <p:strVal val="visible"/>
+                                      </p:to>
+                                    </p:set>
+                                  </p:childTnLst>
+                                </p:cTn>
+                              </p:par>
+                            </p:childTnLst>
+                          </p:cTn>
+                        </p:par>
+                      </p:childTnLst>
+                    </p:cTn>
+                  </p:par>
+                  <p:par>
+                    <p:cTn id="7" fill="hold">
+                      <p:stCondLst>
+                        <p:cond delay="indefinite"/>
+                      </p:stCondLst>
+                      <p:childTnLst>
+                        <p:par>
+                          <p:cTn id="8" fill="hold">
+                            <p:stCondLst>
+                              <p:cond delay="0"/>
+                            </p:stCondLst>
+                            <p:childTnLst>
+                              <p:par>
+                                <p:cTn id="9" presetID="1" presetClass="entr" presetSubtype="0" fill="hold" grpId="0" nodeType="clickEffect">
+                                  <p:stCondLst>
+                                    <p:cond delay="0"/>
+                                  </p:stCondLst>
+                                  <p:childTnLst>
+                                    <p:set>
+                                      <p:cBhvr>
+                                        <p:cTn id="10" dur="1" fill="hold">
+                                          <p:stCondLst>
+                                            <p:cond delay="0"/>
+                                          </p:stCondLst>
+                                        </p:cTn>
+                                        <p:tgtEl>
+                                          <p:spTgt spid="3">
+                                            <p:txEl>
+                                              <p:pRg st="2" end="2"/>
+                                            </p:txEl>
+                                          </p:spTgt>
+                                        </p:tgtEl>
+                                        <p:attrNameLst>
+                                          <p:attrName>style.visibility</p:attrName>
+                                        </p:attrNameLst>
+                                      </p:cBhvr>
+                                      <p:to>
+                                        <p:strVal val="visible"/>
+                                      </p:to>
+                                    </p:set>
+                                  </p:childTnLst>
+                                </p:cTn>
+                              </p:par>
+                            </p:childTnLst>
+                          </p:cTn>
+                        </p:par>
+                      </p:childTnLst>
+                    </p:cTn>
+                  </p:par>
+                  <p:par>
+                    <p:cTn id="11" fill="hold">
+                      <p:stCondLst>
+                        <p:cond delay="indefinite"/>
+                      </p:stCondLst>
+                      <p:childTnLst>
+                        <p:par>
+                          <p:cTn id="12" fill="hold">
+                            <p:stCondLst>
+                              <p:cond delay="0"/>
+                            </p:stCondLst>
+                            <p:childTnLst>
+                              <p:par>
+                                <p:cTn id="13" presetID="1" presetClass="entr" presetSubtype="0" fill="hold" grpId="0" nodeType="clickEffect">
+                                  <p:stCondLst>
+                                    <p:cond delay="0"/>
+                                  </p:stCondLst>
+                                  <p:childTnLst>
+                                    <p:set>
+                                      <p:cBhvr>
+                                        <p:cTn id="14" dur="1" fill="hold">
+                                          <p:stCondLst>
+                                            <p:cond delay="0"/>
+                                          </p:stCondLst>
+                                        </p:cTn>
+                                        <p:tgtEl>
+                                          <p:spTgt spid="3">
+                                            <p:txEl>
+                                              <p:pRg st="3" end="3"/>
+                                            </p:txEl>
+                                          </p:spTgt>
+                                        </p:tgtEl>
+                                        <p:attrNameLst>
+                                          <p:attrName>style.visibility</p:attrName>
+                                        </p:attrNameLst>
+                                      </p:cBhvr>
+                                      <p:to>
+                                        <p:strVal val="visible"/>
+                                      </p:to>
+                                    </p:set>
+                                  </p:childTnLst>
+                                </p:cTn>
+                              </p:par>
+                            </p:childTnLst>
+                          </p:cTn>
+                        </p:par>
+                      </p:childTnLst>
+                    </p:cTn>
+                  </p:par>
+                </p:childTnLst>
+              </p:cTn>
+              <p:prevCondLst>
+                <p:cond evt="onPrev" delay="0">
+                  <p:tgtEl>
+                    <p:sldTgt/>
+                  </p:tgtEl>
+                </p:cond>
+              </p:prevCondLst>
+              <p:nextCondLst>
+                <p:cond evt="onNext" delay="0">
+                  <p:tgtEl>
+                    <p:sldTgt/>
+                  </p:tgtEl>
+                </p:cond>
+              </p:nextCondLst>
+            </p:seq>
+          </p:childTnLst>
+        </p:cTn>
+      </p:par>
+    </p:tnLst>
+    <p:bldLst>
+      <p:bldP spid="3" grpId="0" uiExpand="1" build="p"/>
+    </p:bldLst>
+  </p:timing>
 </p:sld>
 </file>
 
@@ -5522,6 +5990,800 @@
   <p:clrMapOvr>
     <a:masterClrMapping/>
   </p:clrMapOvr>
+  <p:timing>
+    <p:tnLst>
+      <p:par>
+        <p:cTn id="1" dur="indefinite" restart="never" nodeType="tmRoot">
+          <p:childTnLst>
+            <p:seq concurrent="1" nextAc="seek">
+              <p:cTn id="2" dur="indefinite" nodeType="mainSeq">
+                <p:childTnLst>
+                  <p:par>
+                    <p:cTn id="3" fill="hold">
+                      <p:stCondLst>
+                        <p:cond delay="indefinite"/>
+                      </p:stCondLst>
+                      <p:childTnLst>
+                        <p:par>
+                          <p:cTn id="4" fill="hold">
+                            <p:stCondLst>
+                              <p:cond delay="0"/>
+                            </p:stCondLst>
+                            <p:childTnLst>
+                              <p:par>
+                                <p:cTn id="5" presetID="1" presetClass="entr" presetSubtype="0" fill="hold" nodeType="clickEffect">
+                                  <p:stCondLst>
+                                    <p:cond delay="0"/>
+                                  </p:stCondLst>
+                                  <p:childTnLst>
+                                    <p:set>
+                                      <p:cBhvr>
+                                        <p:cTn id="6" dur="1" fill="hold">
+                                          <p:stCondLst>
+                                            <p:cond delay="0"/>
+                                          </p:stCondLst>
+                                        </p:cTn>
+                                        <p:tgtEl>
+                                          <p:spTgt spid="12"/>
+                                        </p:tgtEl>
+                                        <p:attrNameLst>
+                                          <p:attrName>style.visibility</p:attrName>
+                                        </p:attrNameLst>
+                                      </p:cBhvr>
+                                      <p:to>
+                                        <p:strVal val="visible"/>
+                                      </p:to>
+                                    </p:set>
+                                  </p:childTnLst>
+                                </p:cTn>
+                              </p:par>
+                            </p:childTnLst>
+                          </p:cTn>
+                        </p:par>
+                      </p:childTnLst>
+                    </p:cTn>
+                  </p:par>
+                  <p:par>
+                    <p:cTn id="7" fill="hold">
+                      <p:stCondLst>
+                        <p:cond delay="indefinite"/>
+                      </p:stCondLst>
+                      <p:childTnLst>
+                        <p:par>
+                          <p:cTn id="8" fill="hold">
+                            <p:stCondLst>
+                              <p:cond delay="0"/>
+                            </p:stCondLst>
+                            <p:childTnLst>
+                              <p:par>
+                                <p:cTn id="9" presetID="1" presetClass="entr" presetSubtype="0" fill="hold" nodeType="clickEffect">
+                                  <p:stCondLst>
+                                    <p:cond delay="0"/>
+                                  </p:stCondLst>
+                                  <p:childTnLst>
+                                    <p:set>
+                                      <p:cBhvr>
+                                        <p:cTn id="10" dur="1" fill="hold">
+                                          <p:stCondLst>
+                                            <p:cond delay="0"/>
+                                          </p:stCondLst>
+                                        </p:cTn>
+                                        <p:tgtEl>
+                                          <p:spTgt spid="10"/>
+                                        </p:tgtEl>
+                                        <p:attrNameLst>
+                                          <p:attrName>style.visibility</p:attrName>
+                                        </p:attrNameLst>
+                                      </p:cBhvr>
+                                      <p:to>
+                                        <p:strVal val="visible"/>
+                                      </p:to>
+                                    </p:set>
+                                  </p:childTnLst>
+                                </p:cTn>
+                              </p:par>
+                            </p:childTnLst>
+                          </p:cTn>
+                        </p:par>
+                      </p:childTnLst>
+                    </p:cTn>
+                  </p:par>
+                  <p:par>
+                    <p:cTn id="11" fill="hold">
+                      <p:stCondLst>
+                        <p:cond delay="indefinite"/>
+                      </p:stCondLst>
+                      <p:childTnLst>
+                        <p:par>
+                          <p:cTn id="12" fill="hold">
+                            <p:stCondLst>
+                              <p:cond delay="0"/>
+                            </p:stCondLst>
+                            <p:childTnLst>
+                              <p:par>
+                                <p:cTn id="13" presetID="1" presetClass="entr" presetSubtype="0" fill="hold" nodeType="clickEffect">
+                                  <p:stCondLst>
+                                    <p:cond delay="0"/>
+                                  </p:stCondLst>
+                                  <p:childTnLst>
+                                    <p:set>
+                                      <p:cBhvr>
+                                        <p:cTn id="14" dur="1" fill="hold">
+                                          <p:stCondLst>
+                                            <p:cond delay="0"/>
+                                          </p:stCondLst>
+                                        </p:cTn>
+                                        <p:tgtEl>
+                                          <p:spTgt spid="8"/>
+                                        </p:tgtEl>
+                                        <p:attrNameLst>
+                                          <p:attrName>style.visibility</p:attrName>
+                                        </p:attrNameLst>
+                                      </p:cBhvr>
+                                      <p:to>
+                                        <p:strVal val="visible"/>
+                                      </p:to>
+                                    </p:set>
+                                  </p:childTnLst>
+                                </p:cTn>
+                              </p:par>
+                            </p:childTnLst>
+                          </p:cTn>
+                        </p:par>
+                      </p:childTnLst>
+                    </p:cTn>
+                  </p:par>
+                  <p:par>
+                    <p:cTn id="15" fill="hold">
+                      <p:stCondLst>
+                        <p:cond delay="indefinite"/>
+                      </p:stCondLst>
+                      <p:childTnLst>
+                        <p:par>
+                          <p:cTn id="16" fill="hold">
+                            <p:stCondLst>
+                              <p:cond delay="0"/>
+                            </p:stCondLst>
+                            <p:childTnLst>
+                              <p:par>
+                                <p:cTn id="17" presetID="1" presetClass="entr" presetSubtype="0" fill="hold" grpId="0" nodeType="clickEffect">
+                                  <p:stCondLst>
+                                    <p:cond delay="0"/>
+                                  </p:stCondLst>
+                                  <p:childTnLst>
+                                    <p:set>
+                                      <p:cBhvr>
+                                        <p:cTn id="18" dur="1" fill="hold">
+                                          <p:stCondLst>
+                                            <p:cond delay="0"/>
+                                          </p:stCondLst>
+                                        </p:cTn>
+                                        <p:tgtEl>
+                                          <p:spTgt spid="3">
+                                            <p:txEl>
+                                              <p:pRg st="0" end="0"/>
+                                            </p:txEl>
+                                          </p:spTgt>
+                                        </p:tgtEl>
+                                        <p:attrNameLst>
+                                          <p:attrName>style.visibility</p:attrName>
+                                        </p:attrNameLst>
+                                      </p:cBhvr>
+                                      <p:to>
+                                        <p:strVal val="visible"/>
+                                      </p:to>
+                                    </p:set>
+                                  </p:childTnLst>
+                                </p:cTn>
+                              </p:par>
+                              <p:par>
+                                <p:cTn id="19" presetID="1" presetClass="entr" presetSubtype="0" fill="hold" grpId="0" nodeType="withEffect">
+                                  <p:stCondLst>
+                                    <p:cond delay="0"/>
+                                  </p:stCondLst>
+                                  <p:childTnLst>
+                                    <p:set>
+                                      <p:cBhvr>
+                                        <p:cTn id="20" dur="1" fill="hold">
+                                          <p:stCondLst>
+                                            <p:cond delay="0"/>
+                                          </p:stCondLst>
+                                        </p:cTn>
+                                        <p:tgtEl>
+                                          <p:spTgt spid="3">
+                                            <p:txEl>
+                                              <p:pRg st="1" end="1"/>
+                                            </p:txEl>
+                                          </p:spTgt>
+                                        </p:tgtEl>
+                                        <p:attrNameLst>
+                                          <p:attrName>style.visibility</p:attrName>
+                                        </p:attrNameLst>
+                                      </p:cBhvr>
+                                      <p:to>
+                                        <p:strVal val="visible"/>
+                                      </p:to>
+                                    </p:set>
+                                  </p:childTnLst>
+                                </p:cTn>
+                              </p:par>
+                            </p:childTnLst>
+                          </p:cTn>
+                        </p:par>
+                      </p:childTnLst>
+                    </p:cTn>
+                  </p:par>
+                  <p:par>
+                    <p:cTn id="21" fill="hold">
+                      <p:stCondLst>
+                        <p:cond delay="indefinite"/>
+                      </p:stCondLst>
+                      <p:childTnLst>
+                        <p:par>
+                          <p:cTn id="22" fill="hold">
+                            <p:stCondLst>
+                              <p:cond delay="0"/>
+                            </p:stCondLst>
+                            <p:childTnLst>
+                              <p:par>
+                                <p:cTn id="23" presetID="1" presetClass="entr" presetSubtype="0" fill="hold" nodeType="clickEffect">
+                                  <p:stCondLst>
+                                    <p:cond delay="0"/>
+                                  </p:stCondLst>
+                                  <p:childTnLst>
+                                    <p:set>
+                                      <p:cBhvr>
+                                        <p:cTn id="24" dur="1" fill="hold">
+                                          <p:stCondLst>
+                                            <p:cond delay="0"/>
+                                          </p:stCondLst>
+                                        </p:cTn>
+                                        <p:tgtEl>
+                                          <p:spTgt spid="14"/>
+                                        </p:tgtEl>
+                                        <p:attrNameLst>
+                                          <p:attrName>style.visibility</p:attrName>
+                                        </p:attrNameLst>
+                                      </p:cBhvr>
+                                      <p:to>
+                                        <p:strVal val="visible"/>
+                                      </p:to>
+                                    </p:set>
+                                  </p:childTnLst>
+                                </p:cTn>
+                              </p:par>
+                            </p:childTnLst>
+                          </p:cTn>
+                        </p:par>
+                      </p:childTnLst>
+                    </p:cTn>
+                  </p:par>
+                  <p:par>
+                    <p:cTn id="25" fill="hold">
+                      <p:stCondLst>
+                        <p:cond delay="indefinite"/>
+                      </p:stCondLst>
+                      <p:childTnLst>
+                        <p:par>
+                          <p:cTn id="26" fill="hold">
+                            <p:stCondLst>
+                              <p:cond delay="0"/>
+                            </p:stCondLst>
+                            <p:childTnLst>
+                              <p:par>
+                                <p:cTn id="27" presetID="2" presetClass="entr" presetSubtype="4" fill="hold" nodeType="clickEffect">
+                                  <p:stCondLst>
+                                    <p:cond delay="0"/>
+                                  </p:stCondLst>
+                                  <p:childTnLst>
+                                    <p:set>
+                                      <p:cBhvr>
+                                        <p:cTn id="28" dur="1" fill="hold">
+                                          <p:stCondLst>
+                                            <p:cond delay="0"/>
+                                          </p:stCondLst>
+                                        </p:cTn>
+                                        <p:tgtEl>
+                                          <p:spTgt spid="16"/>
+                                        </p:tgtEl>
+                                        <p:attrNameLst>
+                                          <p:attrName>style.visibility</p:attrName>
+                                        </p:attrNameLst>
+                                      </p:cBhvr>
+                                      <p:to>
+                                        <p:strVal val="visible"/>
+                                      </p:to>
+                                    </p:set>
+                                    <p:anim calcmode="lin" valueType="num">
+                                      <p:cBhvr additive="base">
+                                        <p:cTn id="29" dur="500" fill="hold"/>
+                                        <p:tgtEl>
+                                          <p:spTgt spid="16"/>
+                                        </p:tgtEl>
+                                        <p:attrNameLst>
+                                          <p:attrName>ppt_x</p:attrName>
+                                        </p:attrNameLst>
+                                      </p:cBhvr>
+                                      <p:tavLst>
+                                        <p:tav tm="0">
+                                          <p:val>
+                                            <p:strVal val="#ppt_x"/>
+                                          </p:val>
+                                        </p:tav>
+                                        <p:tav tm="100000">
+                                          <p:val>
+                                            <p:strVal val="#ppt_x"/>
+                                          </p:val>
+                                        </p:tav>
+                                      </p:tavLst>
+                                    </p:anim>
+                                    <p:anim calcmode="lin" valueType="num">
+                                      <p:cBhvr additive="base">
+                                        <p:cTn id="30" dur="500" fill="hold"/>
+                                        <p:tgtEl>
+                                          <p:spTgt spid="16"/>
+                                        </p:tgtEl>
+                                        <p:attrNameLst>
+                                          <p:attrName>ppt_y</p:attrName>
+                                        </p:attrNameLst>
+                                      </p:cBhvr>
+                                      <p:tavLst>
+                                        <p:tav tm="0">
+                                          <p:val>
+                                            <p:strVal val="1+#ppt_h/2"/>
+                                          </p:val>
+                                        </p:tav>
+                                        <p:tav tm="100000">
+                                          <p:val>
+                                            <p:strVal val="#ppt_y"/>
+                                          </p:val>
+                                        </p:tav>
+                                      </p:tavLst>
+                                    </p:anim>
+                                  </p:childTnLst>
+                                </p:cTn>
+                              </p:par>
+                            </p:childTnLst>
+                          </p:cTn>
+                        </p:par>
+                      </p:childTnLst>
+                    </p:cTn>
+                  </p:par>
+                  <p:par>
+                    <p:cTn id="31" fill="hold">
+                      <p:stCondLst>
+                        <p:cond delay="indefinite"/>
+                      </p:stCondLst>
+                      <p:childTnLst>
+                        <p:par>
+                          <p:cTn id="32" fill="hold">
+                            <p:stCondLst>
+                              <p:cond delay="0"/>
+                            </p:stCondLst>
+                            <p:childTnLst>
+                              <p:par>
+                                <p:cTn id="33" presetID="1" presetClass="entr" presetSubtype="0" fill="hold" grpId="0" nodeType="clickEffect">
+                                  <p:stCondLst>
+                                    <p:cond delay="0"/>
+                                  </p:stCondLst>
+                                  <p:childTnLst>
+                                    <p:set>
+                                      <p:cBhvr>
+                                        <p:cTn id="34" dur="1" fill="hold">
+                                          <p:stCondLst>
+                                            <p:cond delay="0"/>
+                                          </p:stCondLst>
+                                        </p:cTn>
+                                        <p:tgtEl>
+                                          <p:spTgt spid="4"/>
+                                        </p:tgtEl>
+                                        <p:attrNameLst>
+                                          <p:attrName>style.visibility</p:attrName>
+                                        </p:attrNameLst>
+                                      </p:cBhvr>
+                                      <p:to>
+                                        <p:strVal val="visible"/>
+                                      </p:to>
+                                    </p:set>
+                                  </p:childTnLst>
+                                </p:cTn>
+                              </p:par>
+                            </p:childTnLst>
+                          </p:cTn>
+                        </p:par>
+                      </p:childTnLst>
+                    </p:cTn>
+                  </p:par>
+                  <p:par>
+                    <p:cTn id="35" fill="hold">
+                      <p:stCondLst>
+                        <p:cond delay="indefinite"/>
+                      </p:stCondLst>
+                      <p:childTnLst>
+                        <p:par>
+                          <p:cTn id="36" fill="hold">
+                            <p:stCondLst>
+                              <p:cond delay="0"/>
+                            </p:stCondLst>
+                            <p:childTnLst>
+                              <p:par>
+                                <p:cTn id="37" presetID="1" presetClass="entr" presetSubtype="0" fill="hold" nodeType="clickEffect">
+                                  <p:stCondLst>
+                                    <p:cond delay="0"/>
+                                  </p:stCondLst>
+                                  <p:childTnLst>
+                                    <p:set>
+                                      <p:cBhvr>
+                                        <p:cTn id="38" dur="1" fill="hold">
+                                          <p:stCondLst>
+                                            <p:cond delay="0"/>
+                                          </p:stCondLst>
+                                        </p:cTn>
+                                        <p:tgtEl>
+                                          <p:spTgt spid="24"/>
+                                        </p:tgtEl>
+                                        <p:attrNameLst>
+                                          <p:attrName>style.visibility</p:attrName>
+                                        </p:attrNameLst>
+                                      </p:cBhvr>
+                                      <p:to>
+                                        <p:strVal val="visible"/>
+                                      </p:to>
+                                    </p:set>
+                                  </p:childTnLst>
+                                </p:cTn>
+                              </p:par>
+                            </p:childTnLst>
+                          </p:cTn>
+                        </p:par>
+                      </p:childTnLst>
+                    </p:cTn>
+                  </p:par>
+                  <p:par>
+                    <p:cTn id="39" fill="hold">
+                      <p:stCondLst>
+                        <p:cond delay="indefinite"/>
+                      </p:stCondLst>
+                      <p:childTnLst>
+                        <p:par>
+                          <p:cTn id="40" fill="hold">
+                            <p:stCondLst>
+                              <p:cond delay="0"/>
+                            </p:stCondLst>
+                            <p:childTnLst>
+                              <p:par>
+                                <p:cTn id="41" presetID="2" presetClass="entr" presetSubtype="4" fill="hold" nodeType="clickEffect">
+                                  <p:stCondLst>
+                                    <p:cond delay="0"/>
+                                  </p:stCondLst>
+                                  <p:childTnLst>
+                                    <p:set>
+                                      <p:cBhvr>
+                                        <p:cTn id="42" dur="1" fill="hold">
+                                          <p:stCondLst>
+                                            <p:cond delay="0"/>
+                                          </p:stCondLst>
+                                        </p:cTn>
+                                        <p:tgtEl>
+                                          <p:spTgt spid="22"/>
+                                        </p:tgtEl>
+                                        <p:attrNameLst>
+                                          <p:attrName>style.visibility</p:attrName>
+                                        </p:attrNameLst>
+                                      </p:cBhvr>
+                                      <p:to>
+                                        <p:strVal val="visible"/>
+                                      </p:to>
+                                    </p:set>
+                                    <p:anim calcmode="lin" valueType="num">
+                                      <p:cBhvr additive="base">
+                                        <p:cTn id="43" dur="500" fill="hold"/>
+                                        <p:tgtEl>
+                                          <p:spTgt spid="22"/>
+                                        </p:tgtEl>
+                                        <p:attrNameLst>
+                                          <p:attrName>ppt_x</p:attrName>
+                                        </p:attrNameLst>
+                                      </p:cBhvr>
+                                      <p:tavLst>
+                                        <p:tav tm="0">
+                                          <p:val>
+                                            <p:strVal val="#ppt_x"/>
+                                          </p:val>
+                                        </p:tav>
+                                        <p:tav tm="100000">
+                                          <p:val>
+                                            <p:strVal val="#ppt_x"/>
+                                          </p:val>
+                                        </p:tav>
+                                      </p:tavLst>
+                                    </p:anim>
+                                    <p:anim calcmode="lin" valueType="num">
+                                      <p:cBhvr additive="base">
+                                        <p:cTn id="44" dur="500" fill="hold"/>
+                                        <p:tgtEl>
+                                          <p:spTgt spid="22"/>
+                                        </p:tgtEl>
+                                        <p:attrNameLst>
+                                          <p:attrName>ppt_y</p:attrName>
+                                        </p:attrNameLst>
+                                      </p:cBhvr>
+                                      <p:tavLst>
+                                        <p:tav tm="0">
+                                          <p:val>
+                                            <p:strVal val="1+#ppt_h/2"/>
+                                          </p:val>
+                                        </p:tav>
+                                        <p:tav tm="100000">
+                                          <p:val>
+                                            <p:strVal val="#ppt_y"/>
+                                          </p:val>
+                                        </p:tav>
+                                      </p:tavLst>
+                                    </p:anim>
+                                  </p:childTnLst>
+                                </p:cTn>
+                              </p:par>
+                            </p:childTnLst>
+                          </p:cTn>
+                        </p:par>
+                      </p:childTnLst>
+                    </p:cTn>
+                  </p:par>
+                  <p:par>
+                    <p:cTn id="45" fill="hold">
+                      <p:stCondLst>
+                        <p:cond delay="indefinite"/>
+                      </p:stCondLst>
+                      <p:childTnLst>
+                        <p:par>
+                          <p:cTn id="46" fill="hold">
+                            <p:stCondLst>
+                              <p:cond delay="0"/>
+                            </p:stCondLst>
+                            <p:childTnLst>
+                              <p:par>
+                                <p:cTn id="47" presetID="1" presetClass="entr" presetSubtype="0" fill="hold" grpId="0" nodeType="clickEffect">
+                                  <p:stCondLst>
+                                    <p:cond delay="0"/>
+                                  </p:stCondLst>
+                                  <p:childTnLst>
+                                    <p:set>
+                                      <p:cBhvr>
+                                        <p:cTn id="48" dur="1" fill="hold">
+                                          <p:stCondLst>
+                                            <p:cond delay="0"/>
+                                          </p:stCondLst>
+                                        </p:cTn>
+                                        <p:tgtEl>
+                                          <p:spTgt spid="5"/>
+                                        </p:tgtEl>
+                                        <p:attrNameLst>
+                                          <p:attrName>style.visibility</p:attrName>
+                                        </p:attrNameLst>
+                                      </p:cBhvr>
+                                      <p:to>
+                                        <p:strVal val="visible"/>
+                                      </p:to>
+                                    </p:set>
+                                  </p:childTnLst>
+                                </p:cTn>
+                              </p:par>
+                            </p:childTnLst>
+                          </p:cTn>
+                        </p:par>
+                      </p:childTnLst>
+                    </p:cTn>
+                  </p:par>
+                  <p:par>
+                    <p:cTn id="49" fill="hold">
+                      <p:stCondLst>
+                        <p:cond delay="indefinite"/>
+                      </p:stCondLst>
+                      <p:childTnLst>
+                        <p:par>
+                          <p:cTn id="50" fill="hold">
+                            <p:stCondLst>
+                              <p:cond delay="0"/>
+                            </p:stCondLst>
+                            <p:childTnLst>
+                              <p:par>
+                                <p:cTn id="51" presetID="2" presetClass="entr" presetSubtype="4" fill="hold" nodeType="clickEffect">
+                                  <p:stCondLst>
+                                    <p:cond delay="0"/>
+                                  </p:stCondLst>
+                                  <p:childTnLst>
+                                    <p:set>
+                                      <p:cBhvr>
+                                        <p:cTn id="52" dur="1" fill="hold">
+                                          <p:stCondLst>
+                                            <p:cond delay="0"/>
+                                          </p:stCondLst>
+                                        </p:cTn>
+                                        <p:tgtEl>
+                                          <p:spTgt spid="26"/>
+                                        </p:tgtEl>
+                                        <p:attrNameLst>
+                                          <p:attrName>style.visibility</p:attrName>
+                                        </p:attrNameLst>
+                                      </p:cBhvr>
+                                      <p:to>
+                                        <p:strVal val="visible"/>
+                                      </p:to>
+                                    </p:set>
+                                    <p:anim calcmode="lin" valueType="num">
+                                      <p:cBhvr additive="base">
+                                        <p:cTn id="53" dur="500" fill="hold"/>
+                                        <p:tgtEl>
+                                          <p:spTgt spid="26"/>
+                                        </p:tgtEl>
+                                        <p:attrNameLst>
+                                          <p:attrName>ppt_x</p:attrName>
+                                        </p:attrNameLst>
+                                      </p:cBhvr>
+                                      <p:tavLst>
+                                        <p:tav tm="0">
+                                          <p:val>
+                                            <p:strVal val="#ppt_x"/>
+                                          </p:val>
+                                        </p:tav>
+                                        <p:tav tm="100000">
+                                          <p:val>
+                                            <p:strVal val="#ppt_x"/>
+                                          </p:val>
+                                        </p:tav>
+                                      </p:tavLst>
+                                    </p:anim>
+                                    <p:anim calcmode="lin" valueType="num">
+                                      <p:cBhvr additive="base">
+                                        <p:cTn id="54" dur="500" fill="hold"/>
+                                        <p:tgtEl>
+                                          <p:spTgt spid="26"/>
+                                        </p:tgtEl>
+                                        <p:attrNameLst>
+                                          <p:attrName>ppt_y</p:attrName>
+                                        </p:attrNameLst>
+                                      </p:cBhvr>
+                                      <p:tavLst>
+                                        <p:tav tm="0">
+                                          <p:val>
+                                            <p:strVal val="1+#ppt_h/2"/>
+                                          </p:val>
+                                        </p:tav>
+                                        <p:tav tm="100000">
+                                          <p:val>
+                                            <p:strVal val="#ppt_y"/>
+                                          </p:val>
+                                        </p:tav>
+                                      </p:tavLst>
+                                    </p:anim>
+                                  </p:childTnLst>
+                                </p:cTn>
+                              </p:par>
+                            </p:childTnLst>
+                          </p:cTn>
+                        </p:par>
+                      </p:childTnLst>
+                    </p:cTn>
+                  </p:par>
+                  <p:par>
+                    <p:cTn id="55" fill="hold">
+                      <p:stCondLst>
+                        <p:cond delay="indefinite"/>
+                      </p:stCondLst>
+                      <p:childTnLst>
+                        <p:par>
+                          <p:cTn id="56" fill="hold">
+                            <p:stCondLst>
+                              <p:cond delay="0"/>
+                            </p:stCondLst>
+                            <p:childTnLst>
+                              <p:par>
+                                <p:cTn id="57" presetID="2" presetClass="entr" presetSubtype="4" fill="hold" nodeType="clickEffect">
+                                  <p:stCondLst>
+                                    <p:cond delay="0"/>
+                                  </p:stCondLst>
+                                  <p:childTnLst>
+                                    <p:set>
+                                      <p:cBhvr>
+                                        <p:cTn id="58" dur="1" fill="hold">
+                                          <p:stCondLst>
+                                            <p:cond delay="0"/>
+                                          </p:stCondLst>
+                                        </p:cTn>
+                                        <p:tgtEl>
+                                          <p:spTgt spid="27"/>
+                                        </p:tgtEl>
+                                        <p:attrNameLst>
+                                          <p:attrName>style.visibility</p:attrName>
+                                        </p:attrNameLst>
+                                      </p:cBhvr>
+                                      <p:to>
+                                        <p:strVal val="visible"/>
+                                      </p:to>
+                                    </p:set>
+                                    <p:anim calcmode="lin" valueType="num">
+                                      <p:cBhvr additive="base">
+                                        <p:cTn id="59" dur="500" fill="hold"/>
+                                        <p:tgtEl>
+                                          <p:spTgt spid="27"/>
+                                        </p:tgtEl>
+                                        <p:attrNameLst>
+                                          <p:attrName>ppt_x</p:attrName>
+                                        </p:attrNameLst>
+                                      </p:cBhvr>
+                                      <p:tavLst>
+                                        <p:tav tm="0">
+                                          <p:val>
+                                            <p:strVal val="#ppt_x"/>
+                                          </p:val>
+                                        </p:tav>
+                                        <p:tav tm="100000">
+                                          <p:val>
+                                            <p:strVal val="#ppt_x"/>
+                                          </p:val>
+                                        </p:tav>
+                                      </p:tavLst>
+                                    </p:anim>
+                                    <p:anim calcmode="lin" valueType="num">
+                                      <p:cBhvr additive="base">
+                                        <p:cTn id="60" dur="500" fill="hold"/>
+                                        <p:tgtEl>
+                                          <p:spTgt spid="27"/>
+                                        </p:tgtEl>
+                                        <p:attrNameLst>
+                                          <p:attrName>ppt_y</p:attrName>
+                                        </p:attrNameLst>
+                                      </p:cBhvr>
+                                      <p:tavLst>
+                                        <p:tav tm="0">
+                                          <p:val>
+                                            <p:strVal val="1+#ppt_h/2"/>
+                                          </p:val>
+                                        </p:tav>
+                                        <p:tav tm="100000">
+                                          <p:val>
+                                            <p:strVal val="#ppt_y"/>
+                                          </p:val>
+                                        </p:tav>
+                                      </p:tavLst>
+                                    </p:anim>
+                                  </p:childTnLst>
+                                </p:cTn>
+                              </p:par>
+                            </p:childTnLst>
+                          </p:cTn>
+                        </p:par>
+                      </p:childTnLst>
+                    </p:cTn>
+                  </p:par>
+                </p:childTnLst>
+              </p:cTn>
+              <p:prevCondLst>
+                <p:cond evt="onPrev" delay="0">
+                  <p:tgtEl>
+                    <p:sldTgt/>
+                  </p:tgtEl>
+                </p:cond>
+              </p:prevCondLst>
+              <p:nextCondLst>
+                <p:cond evt="onNext" delay="0">
+                  <p:tgtEl>
+                    <p:sldTgt/>
+                  </p:tgtEl>
+                </p:cond>
+              </p:nextCondLst>
+            </p:seq>
+          </p:childTnLst>
+        </p:cTn>
+      </p:par>
+    </p:tnLst>
+    <p:bldLst>
+      <p:bldP spid="3" grpId="0" uiExpand="1" build="p"/>
+      <p:bldP spid="4" grpId="0"/>
+      <p:bldP spid="5" grpId="0"/>
+    </p:bldLst>
+  </p:timing>
 </p:sld>
 </file>
 
@@ -5646,7 +6908,7 @@
             <a:pPr lvl="1"/>
             <a:r>
               <a:rPr lang="en-US" sz="2000"/>
-              <a:t>Apache Subversion (SVN)</a:t>
+              <a:t>SVN</a:t>
             </a:r>
           </a:p>
           <a:p>
@@ -6267,6 +7529,123 @@
           </a:prstGeom>
         </p:spPr>
       </p:pic>
+      <p:sp>
+        <p:nvSpPr>
+          <p:cNvPr id="28" name="TextBox 27">
+            <a:extLst>
+              <a:ext uri="{FF2B5EF4-FFF2-40B4-BE49-F238E27FC236}">
+                <a16:creationId xmlns:a16="http://schemas.microsoft.com/office/drawing/2014/main" id="{9E61B2CB-A775-F042-EE93-486B45DBD7BD}"/>
+              </a:ext>
+            </a:extLst>
+          </p:cNvPr>
+          <p:cNvSpPr txBox="1"/>
+          <p:nvPr/>
+        </p:nvSpPr>
+        <p:spPr>
+          <a:xfrm>
+            <a:off x="1398977" y="343853"/>
+            <a:ext cx="1066318" cy="646331"/>
+          </a:xfrm>
+          <a:prstGeom prst="rect">
+            <a:avLst/>
+          </a:prstGeom>
+          <a:noFill/>
+        </p:spPr>
+        <p:txBody>
+          <a:bodyPr wrap="none" rtlCol="0">
+            <a:spAutoFit/>
+          </a:bodyPr>
+          <a:lstStyle/>
+          <a:p>
+            <a:r>
+              <a:rPr lang="en-US" sz="3600" b="1">
+                <a:solidFill>
+                  <a:srgbClr val="FF0000"/>
+                </a:solidFill>
+              </a:rPr>
+              <a:t>94%</a:t>
+            </a:r>
+          </a:p>
+        </p:txBody>
+      </p:sp>
+      <p:sp>
+        <p:nvSpPr>
+          <p:cNvPr id="29" name="TextBox 28">
+            <a:extLst>
+              <a:ext uri="{FF2B5EF4-FFF2-40B4-BE49-F238E27FC236}">
+                <a16:creationId xmlns:a16="http://schemas.microsoft.com/office/drawing/2014/main" id="{B215D40F-4A10-B973-2C44-6189F8E67961}"/>
+              </a:ext>
+            </a:extLst>
+          </p:cNvPr>
+          <p:cNvSpPr txBox="1"/>
+          <p:nvPr/>
+        </p:nvSpPr>
+        <p:spPr>
+          <a:xfrm>
+            <a:off x="1292159" y="3564442"/>
+            <a:ext cx="502061" cy="369332"/>
+          </a:xfrm>
+          <a:prstGeom prst="rect">
+            <a:avLst/>
+          </a:prstGeom>
+          <a:noFill/>
+        </p:spPr>
+        <p:txBody>
+          <a:bodyPr wrap="none" rtlCol="0">
+            <a:spAutoFit/>
+          </a:bodyPr>
+          <a:lstStyle/>
+          <a:p>
+            <a:r>
+              <a:rPr lang="en-US" b="1">
+                <a:solidFill>
+                  <a:srgbClr val="FF0000"/>
+                </a:solidFill>
+              </a:rPr>
+              <a:t>5%</a:t>
+            </a:r>
+          </a:p>
+        </p:txBody>
+      </p:sp>
+      <p:sp>
+        <p:nvSpPr>
+          <p:cNvPr id="30" name="TextBox 29">
+            <a:extLst>
+              <a:ext uri="{FF2B5EF4-FFF2-40B4-BE49-F238E27FC236}">
+                <a16:creationId xmlns:a16="http://schemas.microsoft.com/office/drawing/2014/main" id="{09B91791-4C67-B89B-0357-F189B67119DF}"/>
+              </a:ext>
+            </a:extLst>
+          </p:cNvPr>
+          <p:cNvSpPr txBox="1"/>
+          <p:nvPr/>
+        </p:nvSpPr>
+        <p:spPr>
+          <a:xfrm flipH="1">
+            <a:off x="1884008" y="3918054"/>
+            <a:ext cx="622286" cy="369332"/>
+          </a:xfrm>
+          <a:prstGeom prst="rect">
+            <a:avLst/>
+          </a:prstGeom>
+          <a:noFill/>
+        </p:spPr>
+        <p:txBody>
+          <a:bodyPr wrap="square" rtlCol="0">
+            <a:spAutoFit/>
+          </a:bodyPr>
+          <a:lstStyle/>
+          <a:p>
+            <a:r>
+              <a:rPr lang="en-US" b="1">
+                <a:solidFill>
+                  <a:srgbClr val="FF0000"/>
+                </a:solidFill>
+              </a:rPr>
+              <a:t>1%</a:t>
+            </a:r>
+          </a:p>
+        </p:txBody>
+      </p:sp>
     </p:spTree>
     <p:extLst>
       <p:ext uri="{BB962C8B-B14F-4D97-AF65-F5344CB8AC3E}">
@@ -6277,6 +7656,662 @@
   <p:clrMapOvr>
     <a:masterClrMapping/>
   </p:clrMapOvr>
+  <p:timing>
+    <p:tnLst>
+      <p:par>
+        <p:cTn id="1" dur="indefinite" restart="never" nodeType="tmRoot">
+          <p:childTnLst>
+            <p:seq concurrent="1" nextAc="seek">
+              <p:cTn id="2" dur="indefinite" nodeType="mainSeq">
+                <p:childTnLst>
+                  <p:par>
+                    <p:cTn id="3" fill="hold">
+                      <p:stCondLst>
+                        <p:cond delay="indefinite"/>
+                      </p:stCondLst>
+                      <p:childTnLst>
+                        <p:par>
+                          <p:cTn id="4" fill="hold">
+                            <p:stCondLst>
+                              <p:cond delay="0"/>
+                            </p:stCondLst>
+                            <p:childTnLst>
+                              <p:par>
+                                <p:cTn id="5" presetID="1" presetClass="entr" presetSubtype="0" fill="hold" grpId="0" nodeType="clickEffect">
+                                  <p:stCondLst>
+                                    <p:cond delay="0"/>
+                                  </p:stCondLst>
+                                  <p:childTnLst>
+                                    <p:set>
+                                      <p:cBhvr>
+                                        <p:cTn id="6" dur="1" fill="hold">
+                                          <p:stCondLst>
+                                            <p:cond delay="0"/>
+                                          </p:stCondLst>
+                                        </p:cTn>
+                                        <p:tgtEl>
+                                          <p:spTgt spid="3">
+                                            <p:txEl>
+                                              <p:pRg st="3" end="3"/>
+                                            </p:txEl>
+                                          </p:spTgt>
+                                        </p:tgtEl>
+                                        <p:attrNameLst>
+                                          <p:attrName>style.visibility</p:attrName>
+                                        </p:attrNameLst>
+                                      </p:cBhvr>
+                                      <p:to>
+                                        <p:strVal val="visible"/>
+                                      </p:to>
+                                    </p:set>
+                                  </p:childTnLst>
+                                </p:cTn>
+                              </p:par>
+                              <p:par>
+                                <p:cTn id="7" presetID="1" presetClass="entr" presetSubtype="0" fill="hold" grpId="0" nodeType="withEffect">
+                                  <p:stCondLst>
+                                    <p:cond delay="0"/>
+                                  </p:stCondLst>
+                                  <p:childTnLst>
+                                    <p:set>
+                                      <p:cBhvr>
+                                        <p:cTn id="8" dur="1" fill="hold">
+                                          <p:stCondLst>
+                                            <p:cond delay="0"/>
+                                          </p:stCondLst>
+                                        </p:cTn>
+                                        <p:tgtEl>
+                                          <p:spTgt spid="3">
+                                            <p:txEl>
+                                              <p:pRg st="4" end="4"/>
+                                            </p:txEl>
+                                          </p:spTgt>
+                                        </p:tgtEl>
+                                        <p:attrNameLst>
+                                          <p:attrName>style.visibility</p:attrName>
+                                        </p:attrNameLst>
+                                      </p:cBhvr>
+                                      <p:to>
+                                        <p:strVal val="visible"/>
+                                      </p:to>
+                                    </p:set>
+                                  </p:childTnLst>
+                                </p:cTn>
+                              </p:par>
+                              <p:par>
+                                <p:cTn id="9" presetID="1" presetClass="entr" presetSubtype="0" fill="hold" grpId="0" nodeType="withEffect">
+                                  <p:stCondLst>
+                                    <p:cond delay="0"/>
+                                  </p:stCondLst>
+                                  <p:childTnLst>
+                                    <p:set>
+                                      <p:cBhvr>
+                                        <p:cTn id="10" dur="1" fill="hold">
+                                          <p:stCondLst>
+                                            <p:cond delay="0"/>
+                                          </p:stCondLst>
+                                        </p:cTn>
+                                        <p:tgtEl>
+                                          <p:spTgt spid="3">
+                                            <p:txEl>
+                                              <p:pRg st="5" end="5"/>
+                                            </p:txEl>
+                                          </p:spTgt>
+                                        </p:tgtEl>
+                                        <p:attrNameLst>
+                                          <p:attrName>style.visibility</p:attrName>
+                                        </p:attrNameLst>
+                                      </p:cBhvr>
+                                      <p:to>
+                                        <p:strVal val="visible"/>
+                                      </p:to>
+                                    </p:set>
+                                  </p:childTnLst>
+                                </p:cTn>
+                              </p:par>
+                            </p:childTnLst>
+                          </p:cTn>
+                        </p:par>
+                      </p:childTnLst>
+                    </p:cTn>
+                  </p:par>
+                  <p:par>
+                    <p:cTn id="11" fill="hold">
+                      <p:stCondLst>
+                        <p:cond delay="indefinite"/>
+                      </p:stCondLst>
+                      <p:childTnLst>
+                        <p:par>
+                          <p:cTn id="12" fill="hold">
+                            <p:stCondLst>
+                              <p:cond delay="0"/>
+                            </p:stCondLst>
+                            <p:childTnLst>
+                              <p:par>
+                                <p:cTn id="13" presetID="1" presetClass="entr" presetSubtype="0" fill="hold" grpId="0" nodeType="clickEffect">
+                                  <p:stCondLst>
+                                    <p:cond delay="0"/>
+                                  </p:stCondLst>
+                                  <p:childTnLst>
+                                    <p:set>
+                                      <p:cBhvr>
+                                        <p:cTn id="14" dur="1" fill="hold">
+                                          <p:stCondLst>
+                                            <p:cond delay="0"/>
+                                          </p:stCondLst>
+                                        </p:cTn>
+                                        <p:tgtEl>
+                                          <p:spTgt spid="29"/>
+                                        </p:tgtEl>
+                                        <p:attrNameLst>
+                                          <p:attrName>style.visibility</p:attrName>
+                                        </p:attrNameLst>
+                                      </p:cBhvr>
+                                      <p:to>
+                                        <p:strVal val="visible"/>
+                                      </p:to>
+                                    </p:set>
+                                  </p:childTnLst>
+                                </p:cTn>
+                              </p:par>
+                              <p:par>
+                                <p:cTn id="15" presetID="1" presetClass="entr" presetSubtype="0" fill="hold" grpId="0" nodeType="withEffect">
+                                  <p:stCondLst>
+                                    <p:cond delay="0"/>
+                                  </p:stCondLst>
+                                  <p:childTnLst>
+                                    <p:set>
+                                      <p:cBhvr>
+                                        <p:cTn id="16" dur="1" fill="hold">
+                                          <p:stCondLst>
+                                            <p:cond delay="0"/>
+                                          </p:stCondLst>
+                                        </p:cTn>
+                                        <p:tgtEl>
+                                          <p:spTgt spid="30"/>
+                                        </p:tgtEl>
+                                        <p:attrNameLst>
+                                          <p:attrName>style.visibility</p:attrName>
+                                        </p:attrNameLst>
+                                      </p:cBhvr>
+                                      <p:to>
+                                        <p:strVal val="visible"/>
+                                      </p:to>
+                                    </p:set>
+                                  </p:childTnLst>
+                                </p:cTn>
+                              </p:par>
+                            </p:childTnLst>
+                          </p:cTn>
+                        </p:par>
+                      </p:childTnLst>
+                    </p:cTn>
+                  </p:par>
+                  <p:par>
+                    <p:cTn id="17" fill="hold">
+                      <p:stCondLst>
+                        <p:cond delay="indefinite"/>
+                      </p:stCondLst>
+                      <p:childTnLst>
+                        <p:par>
+                          <p:cTn id="18" fill="hold">
+                            <p:stCondLst>
+                              <p:cond delay="0"/>
+                            </p:stCondLst>
+                            <p:childTnLst>
+                              <p:par>
+                                <p:cTn id="19" presetID="31" presetClass="entr" presetSubtype="0" fill="hold" grpId="0" nodeType="clickEffect">
+                                  <p:stCondLst>
+                                    <p:cond delay="0"/>
+                                  </p:stCondLst>
+                                  <p:childTnLst>
+                                    <p:set>
+                                      <p:cBhvr>
+                                        <p:cTn id="20" dur="1" fill="hold">
+                                          <p:stCondLst>
+                                            <p:cond delay="0"/>
+                                          </p:stCondLst>
+                                        </p:cTn>
+                                        <p:tgtEl>
+                                          <p:spTgt spid="28"/>
+                                        </p:tgtEl>
+                                        <p:attrNameLst>
+                                          <p:attrName>style.visibility</p:attrName>
+                                        </p:attrNameLst>
+                                      </p:cBhvr>
+                                      <p:to>
+                                        <p:strVal val="visible"/>
+                                      </p:to>
+                                    </p:set>
+                                    <p:anim calcmode="lin" valueType="num">
+                                      <p:cBhvr>
+                                        <p:cTn id="21" dur="1000" fill="hold"/>
+                                        <p:tgtEl>
+                                          <p:spTgt spid="28"/>
+                                        </p:tgtEl>
+                                        <p:attrNameLst>
+                                          <p:attrName>ppt_w</p:attrName>
+                                        </p:attrNameLst>
+                                      </p:cBhvr>
+                                      <p:tavLst>
+                                        <p:tav tm="0">
+                                          <p:val>
+                                            <p:fltVal val="0"/>
+                                          </p:val>
+                                        </p:tav>
+                                        <p:tav tm="100000">
+                                          <p:val>
+                                            <p:strVal val="#ppt_w"/>
+                                          </p:val>
+                                        </p:tav>
+                                      </p:tavLst>
+                                    </p:anim>
+                                    <p:anim calcmode="lin" valueType="num">
+                                      <p:cBhvr>
+                                        <p:cTn id="22" dur="1000" fill="hold"/>
+                                        <p:tgtEl>
+                                          <p:spTgt spid="28"/>
+                                        </p:tgtEl>
+                                        <p:attrNameLst>
+                                          <p:attrName>ppt_h</p:attrName>
+                                        </p:attrNameLst>
+                                      </p:cBhvr>
+                                      <p:tavLst>
+                                        <p:tav tm="0">
+                                          <p:val>
+                                            <p:fltVal val="0"/>
+                                          </p:val>
+                                        </p:tav>
+                                        <p:tav tm="100000">
+                                          <p:val>
+                                            <p:strVal val="#ppt_h"/>
+                                          </p:val>
+                                        </p:tav>
+                                      </p:tavLst>
+                                    </p:anim>
+                                    <p:anim calcmode="lin" valueType="num">
+                                      <p:cBhvr>
+                                        <p:cTn id="23" dur="1000" fill="hold"/>
+                                        <p:tgtEl>
+                                          <p:spTgt spid="28"/>
+                                        </p:tgtEl>
+                                        <p:attrNameLst>
+                                          <p:attrName>style.rotation</p:attrName>
+                                        </p:attrNameLst>
+                                      </p:cBhvr>
+                                      <p:tavLst>
+                                        <p:tav tm="0">
+                                          <p:val>
+                                            <p:fltVal val="90"/>
+                                          </p:val>
+                                        </p:tav>
+                                        <p:tav tm="100000">
+                                          <p:val>
+                                            <p:fltVal val="0"/>
+                                          </p:val>
+                                        </p:tav>
+                                      </p:tavLst>
+                                    </p:anim>
+                                    <p:animEffect transition="in" filter="fade">
+                                      <p:cBhvr>
+                                        <p:cTn id="24" dur="1000"/>
+                                        <p:tgtEl>
+                                          <p:spTgt spid="28"/>
+                                        </p:tgtEl>
+                                      </p:cBhvr>
+                                    </p:animEffect>
+                                  </p:childTnLst>
+                                </p:cTn>
+                              </p:par>
+                            </p:childTnLst>
+                          </p:cTn>
+                        </p:par>
+                      </p:childTnLst>
+                    </p:cTn>
+                  </p:par>
+                  <p:par>
+                    <p:cTn id="25" fill="hold">
+                      <p:stCondLst>
+                        <p:cond delay="indefinite"/>
+                      </p:stCondLst>
+                      <p:childTnLst>
+                        <p:par>
+                          <p:cTn id="26" fill="hold">
+                            <p:stCondLst>
+                              <p:cond delay="0"/>
+                            </p:stCondLst>
+                            <p:childTnLst>
+                              <p:par>
+                                <p:cTn id="27" presetID="1" presetClass="entr" presetSubtype="0" fill="hold" nodeType="clickEffect">
+                                  <p:stCondLst>
+                                    <p:cond delay="0"/>
+                                  </p:stCondLst>
+                                  <p:childTnLst>
+                                    <p:set>
+                                      <p:cBhvr>
+                                        <p:cTn id="28" dur="1" fill="hold">
+                                          <p:stCondLst>
+                                            <p:cond delay="0"/>
+                                          </p:stCondLst>
+                                        </p:cTn>
+                                        <p:tgtEl>
+                                          <p:spTgt spid="4">
+                                            <p:txEl>
+                                              <p:pRg st="3" end="3"/>
+                                            </p:txEl>
+                                          </p:spTgt>
+                                        </p:tgtEl>
+                                        <p:attrNameLst>
+                                          <p:attrName>style.visibility</p:attrName>
+                                        </p:attrNameLst>
+                                      </p:cBhvr>
+                                      <p:to>
+                                        <p:strVal val="visible"/>
+                                      </p:to>
+                                    </p:set>
+                                  </p:childTnLst>
+                                </p:cTn>
+                              </p:par>
+                              <p:par>
+                                <p:cTn id="29" presetID="1" presetClass="entr" presetSubtype="0" fill="hold" nodeType="withEffect">
+                                  <p:stCondLst>
+                                    <p:cond delay="0"/>
+                                  </p:stCondLst>
+                                  <p:childTnLst>
+                                    <p:set>
+                                      <p:cBhvr>
+                                        <p:cTn id="30" dur="1" fill="hold">
+                                          <p:stCondLst>
+                                            <p:cond delay="0"/>
+                                          </p:stCondLst>
+                                        </p:cTn>
+                                        <p:tgtEl>
+                                          <p:spTgt spid="4">
+                                            <p:txEl>
+                                              <p:pRg st="4" end="4"/>
+                                            </p:txEl>
+                                          </p:spTgt>
+                                        </p:tgtEl>
+                                        <p:attrNameLst>
+                                          <p:attrName>style.visibility</p:attrName>
+                                        </p:attrNameLst>
+                                      </p:cBhvr>
+                                      <p:to>
+                                        <p:strVal val="visible"/>
+                                      </p:to>
+                                    </p:set>
+                                  </p:childTnLst>
+                                </p:cTn>
+                              </p:par>
+                              <p:par>
+                                <p:cTn id="31" presetID="1" presetClass="entr" presetSubtype="0" fill="hold" nodeType="withEffect">
+                                  <p:stCondLst>
+                                    <p:cond delay="0"/>
+                                  </p:stCondLst>
+                                  <p:childTnLst>
+                                    <p:set>
+                                      <p:cBhvr>
+                                        <p:cTn id="32" dur="1" fill="hold">
+                                          <p:stCondLst>
+                                            <p:cond delay="0"/>
+                                          </p:stCondLst>
+                                        </p:cTn>
+                                        <p:tgtEl>
+                                          <p:spTgt spid="4">
+                                            <p:txEl>
+                                              <p:pRg st="5" end="5"/>
+                                            </p:txEl>
+                                          </p:spTgt>
+                                        </p:tgtEl>
+                                        <p:attrNameLst>
+                                          <p:attrName>style.visibility</p:attrName>
+                                        </p:attrNameLst>
+                                      </p:cBhvr>
+                                      <p:to>
+                                        <p:strVal val="visible"/>
+                                      </p:to>
+                                    </p:set>
+                                  </p:childTnLst>
+                                </p:cTn>
+                              </p:par>
+                              <p:par>
+                                <p:cTn id="33" presetID="1" presetClass="entr" presetSubtype="0" fill="hold" nodeType="withEffect">
+                                  <p:stCondLst>
+                                    <p:cond delay="0"/>
+                                  </p:stCondLst>
+                                  <p:childTnLst>
+                                    <p:set>
+                                      <p:cBhvr>
+                                        <p:cTn id="34" dur="1" fill="hold">
+                                          <p:stCondLst>
+                                            <p:cond delay="0"/>
+                                          </p:stCondLst>
+                                        </p:cTn>
+                                        <p:tgtEl>
+                                          <p:spTgt spid="4">
+                                            <p:txEl>
+                                              <p:pRg st="6" end="6"/>
+                                            </p:txEl>
+                                          </p:spTgt>
+                                        </p:tgtEl>
+                                        <p:attrNameLst>
+                                          <p:attrName>style.visibility</p:attrName>
+                                        </p:attrNameLst>
+                                      </p:cBhvr>
+                                      <p:to>
+                                        <p:strVal val="visible"/>
+                                      </p:to>
+                                    </p:set>
+                                  </p:childTnLst>
+                                </p:cTn>
+                              </p:par>
+                            </p:childTnLst>
+                          </p:cTn>
+                        </p:par>
+                      </p:childTnLst>
+                    </p:cTn>
+                  </p:par>
+                  <p:par>
+                    <p:cTn id="35" fill="hold">
+                      <p:stCondLst>
+                        <p:cond delay="indefinite"/>
+                      </p:stCondLst>
+                      <p:childTnLst>
+                        <p:par>
+                          <p:cTn id="36" fill="hold">
+                            <p:stCondLst>
+                              <p:cond delay="0"/>
+                            </p:stCondLst>
+                            <p:childTnLst>
+                              <p:par>
+                                <p:cTn id="37" presetID="1" presetClass="entr" presetSubtype="0" fill="hold" nodeType="clickEffect">
+                                  <p:stCondLst>
+                                    <p:cond delay="0"/>
+                                  </p:stCondLst>
+                                  <p:childTnLst>
+                                    <p:set>
+                                      <p:cBhvr>
+                                        <p:cTn id="38" dur="1" fill="hold">
+                                          <p:stCondLst>
+                                            <p:cond delay="0"/>
+                                          </p:stCondLst>
+                                        </p:cTn>
+                                        <p:tgtEl>
+                                          <p:spTgt spid="5">
+                                            <p:txEl>
+                                              <p:pRg st="2" end="2"/>
+                                            </p:txEl>
+                                          </p:spTgt>
+                                        </p:tgtEl>
+                                        <p:attrNameLst>
+                                          <p:attrName>style.visibility</p:attrName>
+                                        </p:attrNameLst>
+                                      </p:cBhvr>
+                                      <p:to>
+                                        <p:strVal val="visible"/>
+                                      </p:to>
+                                    </p:set>
+                                  </p:childTnLst>
+                                </p:cTn>
+                              </p:par>
+                              <p:par>
+                                <p:cTn id="39" presetID="1" presetClass="entr" presetSubtype="0" fill="hold" nodeType="withEffect">
+                                  <p:stCondLst>
+                                    <p:cond delay="0"/>
+                                  </p:stCondLst>
+                                  <p:childTnLst>
+                                    <p:set>
+                                      <p:cBhvr>
+                                        <p:cTn id="40" dur="1" fill="hold">
+                                          <p:stCondLst>
+                                            <p:cond delay="0"/>
+                                          </p:stCondLst>
+                                        </p:cTn>
+                                        <p:tgtEl>
+                                          <p:spTgt spid="5">
+                                            <p:txEl>
+                                              <p:pRg st="3" end="3"/>
+                                            </p:txEl>
+                                          </p:spTgt>
+                                        </p:tgtEl>
+                                        <p:attrNameLst>
+                                          <p:attrName>style.visibility</p:attrName>
+                                        </p:attrNameLst>
+                                      </p:cBhvr>
+                                      <p:to>
+                                        <p:strVal val="visible"/>
+                                      </p:to>
+                                    </p:set>
+                                  </p:childTnLst>
+                                </p:cTn>
+                              </p:par>
+                              <p:par>
+                                <p:cTn id="41" presetID="1" presetClass="entr" presetSubtype="0" fill="hold" nodeType="withEffect">
+                                  <p:stCondLst>
+                                    <p:cond delay="0"/>
+                                  </p:stCondLst>
+                                  <p:childTnLst>
+                                    <p:set>
+                                      <p:cBhvr>
+                                        <p:cTn id="42" dur="1" fill="hold">
+                                          <p:stCondLst>
+                                            <p:cond delay="0"/>
+                                          </p:stCondLst>
+                                        </p:cTn>
+                                        <p:tgtEl>
+                                          <p:spTgt spid="5">
+                                            <p:txEl>
+                                              <p:pRg st="4" end="4"/>
+                                            </p:txEl>
+                                          </p:spTgt>
+                                        </p:tgtEl>
+                                        <p:attrNameLst>
+                                          <p:attrName>style.visibility</p:attrName>
+                                        </p:attrNameLst>
+                                      </p:cBhvr>
+                                      <p:to>
+                                        <p:strVal val="visible"/>
+                                      </p:to>
+                                    </p:set>
+                                  </p:childTnLst>
+                                </p:cTn>
+                              </p:par>
+                              <p:par>
+                                <p:cTn id="43" presetID="1" presetClass="entr" presetSubtype="0" fill="hold" nodeType="withEffect">
+                                  <p:stCondLst>
+                                    <p:cond delay="0"/>
+                                  </p:stCondLst>
+                                  <p:childTnLst>
+                                    <p:set>
+                                      <p:cBhvr>
+                                        <p:cTn id="44" dur="1" fill="hold">
+                                          <p:stCondLst>
+                                            <p:cond delay="0"/>
+                                          </p:stCondLst>
+                                        </p:cTn>
+                                        <p:tgtEl>
+                                          <p:spTgt spid="5">
+                                            <p:txEl>
+                                              <p:pRg st="5" end="5"/>
+                                            </p:txEl>
+                                          </p:spTgt>
+                                        </p:tgtEl>
+                                        <p:attrNameLst>
+                                          <p:attrName>style.visibility</p:attrName>
+                                        </p:attrNameLst>
+                                      </p:cBhvr>
+                                      <p:to>
+                                        <p:strVal val="visible"/>
+                                      </p:to>
+                                    </p:set>
+                                  </p:childTnLst>
+                                </p:cTn>
+                              </p:par>
+                              <p:par>
+                                <p:cTn id="45" presetID="1" presetClass="entr" presetSubtype="0" fill="hold" nodeType="withEffect">
+                                  <p:stCondLst>
+                                    <p:cond delay="0"/>
+                                  </p:stCondLst>
+                                  <p:childTnLst>
+                                    <p:set>
+                                      <p:cBhvr>
+                                        <p:cTn id="46" dur="1" fill="hold">
+                                          <p:stCondLst>
+                                            <p:cond delay="0"/>
+                                          </p:stCondLst>
+                                        </p:cTn>
+                                        <p:tgtEl>
+                                          <p:spTgt spid="5">
+                                            <p:txEl>
+                                              <p:pRg st="6" end="6"/>
+                                            </p:txEl>
+                                          </p:spTgt>
+                                        </p:tgtEl>
+                                        <p:attrNameLst>
+                                          <p:attrName>style.visibility</p:attrName>
+                                        </p:attrNameLst>
+                                      </p:cBhvr>
+                                      <p:to>
+                                        <p:strVal val="visible"/>
+                                      </p:to>
+                                    </p:set>
+                                  </p:childTnLst>
+                                </p:cTn>
+                              </p:par>
+                            </p:childTnLst>
+                          </p:cTn>
+                        </p:par>
+                      </p:childTnLst>
+                    </p:cTn>
+                  </p:par>
+                </p:childTnLst>
+              </p:cTn>
+              <p:prevCondLst>
+                <p:cond evt="onPrev" delay="0">
+                  <p:tgtEl>
+                    <p:sldTgt/>
+                  </p:tgtEl>
+                </p:cond>
+              </p:prevCondLst>
+              <p:nextCondLst>
+                <p:cond evt="onNext" delay="0">
+                  <p:tgtEl>
+                    <p:sldTgt/>
+                  </p:tgtEl>
+                </p:cond>
+              </p:nextCondLst>
+            </p:seq>
+          </p:childTnLst>
+        </p:cTn>
+      </p:par>
+    </p:tnLst>
+    <p:bldLst>
+      <p:bldP spid="3" grpId="0" uiExpand="1" build="p"/>
+      <p:bldP spid="28" grpId="0"/>
+      <p:bldP spid="29" grpId="0"/>
+      <p:bldP spid="30" grpId="0"/>
+    </p:bldLst>
+  </p:timing>
 </p:sld>
 </file>
 
@@ -7068,6 +9103,586 @@
   <p:clrMapOvr>
     <a:masterClrMapping/>
   </p:clrMapOvr>
+  <p:timing>
+    <p:tnLst>
+      <p:par>
+        <p:cTn id="1" dur="indefinite" restart="never" nodeType="tmRoot">
+          <p:childTnLst>
+            <p:seq concurrent="1" nextAc="seek">
+              <p:cTn id="2" dur="indefinite" nodeType="mainSeq">
+                <p:childTnLst>
+                  <p:par>
+                    <p:cTn id="3" fill="hold">
+                      <p:stCondLst>
+                        <p:cond delay="indefinite"/>
+                      </p:stCondLst>
+                      <p:childTnLst>
+                        <p:par>
+                          <p:cTn id="4" fill="hold">
+                            <p:stCondLst>
+                              <p:cond delay="0"/>
+                            </p:stCondLst>
+                            <p:childTnLst>
+                              <p:par>
+                                <p:cTn id="5" presetID="1" presetClass="entr" presetSubtype="0" fill="hold" nodeType="clickEffect">
+                                  <p:stCondLst>
+                                    <p:cond delay="0"/>
+                                  </p:stCondLst>
+                                  <p:childTnLst>
+                                    <p:set>
+                                      <p:cBhvr>
+                                        <p:cTn id="6" dur="1" fill="hold">
+                                          <p:stCondLst>
+                                            <p:cond delay="0"/>
+                                          </p:stCondLst>
+                                        </p:cTn>
+                                        <p:tgtEl>
+                                          <p:spTgt spid="3">
+                                            <p:txEl>
+                                              <p:pRg st="3" end="3"/>
+                                            </p:txEl>
+                                          </p:spTgt>
+                                        </p:tgtEl>
+                                        <p:attrNameLst>
+                                          <p:attrName>style.visibility</p:attrName>
+                                        </p:attrNameLst>
+                                      </p:cBhvr>
+                                      <p:to>
+                                        <p:strVal val="visible"/>
+                                      </p:to>
+                                    </p:set>
+                                  </p:childTnLst>
+                                </p:cTn>
+                              </p:par>
+                              <p:par>
+                                <p:cTn id="7" presetID="1" presetClass="entr" presetSubtype="0" fill="hold" nodeType="withEffect">
+                                  <p:stCondLst>
+                                    <p:cond delay="0"/>
+                                  </p:stCondLst>
+                                  <p:childTnLst>
+                                    <p:set>
+                                      <p:cBhvr>
+                                        <p:cTn id="8" dur="1" fill="hold">
+                                          <p:stCondLst>
+                                            <p:cond delay="0"/>
+                                          </p:stCondLst>
+                                        </p:cTn>
+                                        <p:tgtEl>
+                                          <p:spTgt spid="3">
+                                            <p:txEl>
+                                              <p:pRg st="4" end="4"/>
+                                            </p:txEl>
+                                          </p:spTgt>
+                                        </p:tgtEl>
+                                        <p:attrNameLst>
+                                          <p:attrName>style.visibility</p:attrName>
+                                        </p:attrNameLst>
+                                      </p:cBhvr>
+                                      <p:to>
+                                        <p:strVal val="visible"/>
+                                      </p:to>
+                                    </p:set>
+                                  </p:childTnLst>
+                                </p:cTn>
+                              </p:par>
+                              <p:par>
+                                <p:cTn id="9" presetID="1" presetClass="entr" presetSubtype="0" fill="hold" nodeType="withEffect">
+                                  <p:stCondLst>
+                                    <p:cond delay="0"/>
+                                  </p:stCondLst>
+                                  <p:childTnLst>
+                                    <p:set>
+                                      <p:cBhvr>
+                                        <p:cTn id="10" dur="1" fill="hold">
+                                          <p:stCondLst>
+                                            <p:cond delay="0"/>
+                                          </p:stCondLst>
+                                        </p:cTn>
+                                        <p:tgtEl>
+                                          <p:spTgt spid="3">
+                                            <p:txEl>
+                                              <p:pRg st="5" end="5"/>
+                                            </p:txEl>
+                                          </p:spTgt>
+                                        </p:tgtEl>
+                                        <p:attrNameLst>
+                                          <p:attrName>style.visibility</p:attrName>
+                                        </p:attrNameLst>
+                                      </p:cBhvr>
+                                      <p:to>
+                                        <p:strVal val="visible"/>
+                                      </p:to>
+                                    </p:set>
+                                  </p:childTnLst>
+                                </p:cTn>
+                              </p:par>
+                              <p:par>
+                                <p:cTn id="11" presetID="1" presetClass="entr" presetSubtype="0" fill="hold" nodeType="withEffect">
+                                  <p:stCondLst>
+                                    <p:cond delay="0"/>
+                                  </p:stCondLst>
+                                  <p:childTnLst>
+                                    <p:set>
+                                      <p:cBhvr>
+                                        <p:cTn id="12" dur="1" fill="hold">
+                                          <p:stCondLst>
+                                            <p:cond delay="0"/>
+                                          </p:stCondLst>
+                                        </p:cTn>
+                                        <p:tgtEl>
+                                          <p:spTgt spid="3">
+                                            <p:txEl>
+                                              <p:pRg st="6" end="6"/>
+                                            </p:txEl>
+                                          </p:spTgt>
+                                        </p:tgtEl>
+                                        <p:attrNameLst>
+                                          <p:attrName>style.visibility</p:attrName>
+                                        </p:attrNameLst>
+                                      </p:cBhvr>
+                                      <p:to>
+                                        <p:strVal val="visible"/>
+                                      </p:to>
+                                    </p:set>
+                                  </p:childTnLst>
+                                </p:cTn>
+                              </p:par>
+                            </p:childTnLst>
+                          </p:cTn>
+                        </p:par>
+                      </p:childTnLst>
+                    </p:cTn>
+                  </p:par>
+                  <p:par>
+                    <p:cTn id="13" fill="hold">
+                      <p:stCondLst>
+                        <p:cond delay="indefinite"/>
+                      </p:stCondLst>
+                      <p:childTnLst>
+                        <p:par>
+                          <p:cTn id="14" fill="hold">
+                            <p:stCondLst>
+                              <p:cond delay="0"/>
+                            </p:stCondLst>
+                            <p:childTnLst>
+                              <p:par>
+                                <p:cTn id="15" presetID="1" presetClass="entr" presetSubtype="0" fill="hold" nodeType="clickEffect">
+                                  <p:stCondLst>
+                                    <p:cond delay="0"/>
+                                  </p:stCondLst>
+                                  <p:childTnLst>
+                                    <p:set>
+                                      <p:cBhvr>
+                                        <p:cTn id="16" dur="1" fill="hold">
+                                          <p:stCondLst>
+                                            <p:cond delay="0"/>
+                                          </p:stCondLst>
+                                        </p:cTn>
+                                        <p:tgtEl>
+                                          <p:spTgt spid="4">
+                                            <p:txEl>
+                                              <p:pRg st="3" end="3"/>
+                                            </p:txEl>
+                                          </p:spTgt>
+                                        </p:tgtEl>
+                                        <p:attrNameLst>
+                                          <p:attrName>style.visibility</p:attrName>
+                                        </p:attrNameLst>
+                                      </p:cBhvr>
+                                      <p:to>
+                                        <p:strVal val="visible"/>
+                                      </p:to>
+                                    </p:set>
+                                  </p:childTnLst>
+                                </p:cTn>
+                              </p:par>
+                              <p:par>
+                                <p:cTn id="17" presetID="1" presetClass="entr" presetSubtype="0" fill="hold" nodeType="withEffect">
+                                  <p:stCondLst>
+                                    <p:cond delay="0"/>
+                                  </p:stCondLst>
+                                  <p:childTnLst>
+                                    <p:set>
+                                      <p:cBhvr>
+                                        <p:cTn id="18" dur="1" fill="hold">
+                                          <p:stCondLst>
+                                            <p:cond delay="0"/>
+                                          </p:stCondLst>
+                                        </p:cTn>
+                                        <p:tgtEl>
+                                          <p:spTgt spid="4">
+                                            <p:txEl>
+                                              <p:pRg st="4" end="4"/>
+                                            </p:txEl>
+                                          </p:spTgt>
+                                        </p:tgtEl>
+                                        <p:attrNameLst>
+                                          <p:attrName>style.visibility</p:attrName>
+                                        </p:attrNameLst>
+                                      </p:cBhvr>
+                                      <p:to>
+                                        <p:strVal val="visible"/>
+                                      </p:to>
+                                    </p:set>
+                                  </p:childTnLst>
+                                </p:cTn>
+                              </p:par>
+                              <p:par>
+                                <p:cTn id="19" presetID="1" presetClass="entr" presetSubtype="0" fill="hold" nodeType="withEffect">
+                                  <p:stCondLst>
+                                    <p:cond delay="0"/>
+                                  </p:stCondLst>
+                                  <p:childTnLst>
+                                    <p:set>
+                                      <p:cBhvr>
+                                        <p:cTn id="20" dur="1" fill="hold">
+                                          <p:stCondLst>
+                                            <p:cond delay="0"/>
+                                          </p:stCondLst>
+                                        </p:cTn>
+                                        <p:tgtEl>
+                                          <p:spTgt spid="4">
+                                            <p:txEl>
+                                              <p:pRg st="5" end="5"/>
+                                            </p:txEl>
+                                          </p:spTgt>
+                                        </p:tgtEl>
+                                        <p:attrNameLst>
+                                          <p:attrName>style.visibility</p:attrName>
+                                        </p:attrNameLst>
+                                      </p:cBhvr>
+                                      <p:to>
+                                        <p:strVal val="visible"/>
+                                      </p:to>
+                                    </p:set>
+                                  </p:childTnLst>
+                                </p:cTn>
+                              </p:par>
+                              <p:par>
+                                <p:cTn id="21" presetID="1" presetClass="entr" presetSubtype="0" fill="hold" nodeType="withEffect">
+                                  <p:stCondLst>
+                                    <p:cond delay="0"/>
+                                  </p:stCondLst>
+                                  <p:childTnLst>
+                                    <p:set>
+                                      <p:cBhvr>
+                                        <p:cTn id="22" dur="1" fill="hold">
+                                          <p:stCondLst>
+                                            <p:cond delay="0"/>
+                                          </p:stCondLst>
+                                        </p:cTn>
+                                        <p:tgtEl>
+                                          <p:spTgt spid="4">
+                                            <p:txEl>
+                                              <p:pRg st="6" end="6"/>
+                                            </p:txEl>
+                                          </p:spTgt>
+                                        </p:tgtEl>
+                                        <p:attrNameLst>
+                                          <p:attrName>style.visibility</p:attrName>
+                                        </p:attrNameLst>
+                                      </p:cBhvr>
+                                      <p:to>
+                                        <p:strVal val="visible"/>
+                                      </p:to>
+                                    </p:set>
+                                  </p:childTnLst>
+                                </p:cTn>
+                              </p:par>
+                              <p:par>
+                                <p:cTn id="23" presetID="1" presetClass="entr" presetSubtype="0" fill="hold" nodeType="withEffect">
+                                  <p:stCondLst>
+                                    <p:cond delay="0"/>
+                                  </p:stCondLst>
+                                  <p:childTnLst>
+                                    <p:set>
+                                      <p:cBhvr>
+                                        <p:cTn id="24" dur="1" fill="hold">
+                                          <p:stCondLst>
+                                            <p:cond delay="0"/>
+                                          </p:stCondLst>
+                                        </p:cTn>
+                                        <p:tgtEl>
+                                          <p:spTgt spid="4">
+                                            <p:txEl>
+                                              <p:pRg st="7" end="7"/>
+                                            </p:txEl>
+                                          </p:spTgt>
+                                        </p:tgtEl>
+                                        <p:attrNameLst>
+                                          <p:attrName>style.visibility</p:attrName>
+                                        </p:attrNameLst>
+                                      </p:cBhvr>
+                                      <p:to>
+                                        <p:strVal val="visible"/>
+                                      </p:to>
+                                    </p:set>
+                                  </p:childTnLst>
+                                </p:cTn>
+                              </p:par>
+                              <p:par>
+                                <p:cTn id="25" presetID="1" presetClass="entr" presetSubtype="0" fill="hold" nodeType="withEffect">
+                                  <p:stCondLst>
+                                    <p:cond delay="0"/>
+                                  </p:stCondLst>
+                                  <p:childTnLst>
+                                    <p:set>
+                                      <p:cBhvr>
+                                        <p:cTn id="26" dur="1" fill="hold">
+                                          <p:stCondLst>
+                                            <p:cond delay="0"/>
+                                          </p:stCondLst>
+                                        </p:cTn>
+                                        <p:tgtEl>
+                                          <p:spTgt spid="4">
+                                            <p:txEl>
+                                              <p:pRg st="8" end="8"/>
+                                            </p:txEl>
+                                          </p:spTgt>
+                                        </p:tgtEl>
+                                        <p:attrNameLst>
+                                          <p:attrName>style.visibility</p:attrName>
+                                        </p:attrNameLst>
+                                      </p:cBhvr>
+                                      <p:to>
+                                        <p:strVal val="visible"/>
+                                      </p:to>
+                                    </p:set>
+                                  </p:childTnLst>
+                                </p:cTn>
+                              </p:par>
+                            </p:childTnLst>
+                          </p:cTn>
+                        </p:par>
+                      </p:childTnLst>
+                    </p:cTn>
+                  </p:par>
+                  <p:par>
+                    <p:cTn id="27" fill="hold">
+                      <p:stCondLst>
+                        <p:cond delay="indefinite"/>
+                      </p:stCondLst>
+                      <p:childTnLst>
+                        <p:par>
+                          <p:cTn id="28" fill="hold">
+                            <p:stCondLst>
+                              <p:cond delay="0"/>
+                            </p:stCondLst>
+                            <p:childTnLst>
+                              <p:par>
+                                <p:cTn id="29" presetID="1" presetClass="entr" presetSubtype="0" fill="hold" nodeType="clickEffect">
+                                  <p:stCondLst>
+                                    <p:cond delay="0"/>
+                                  </p:stCondLst>
+                                  <p:childTnLst>
+                                    <p:set>
+                                      <p:cBhvr>
+                                        <p:cTn id="30" dur="1" fill="hold">
+                                          <p:stCondLst>
+                                            <p:cond delay="0"/>
+                                          </p:stCondLst>
+                                        </p:cTn>
+                                        <p:tgtEl>
+                                          <p:spTgt spid="5">
+                                            <p:txEl>
+                                              <p:pRg st="2" end="2"/>
+                                            </p:txEl>
+                                          </p:spTgt>
+                                        </p:tgtEl>
+                                        <p:attrNameLst>
+                                          <p:attrName>style.visibility</p:attrName>
+                                        </p:attrNameLst>
+                                      </p:cBhvr>
+                                      <p:to>
+                                        <p:strVal val="visible"/>
+                                      </p:to>
+                                    </p:set>
+                                  </p:childTnLst>
+                                </p:cTn>
+                              </p:par>
+                              <p:par>
+                                <p:cTn id="31" presetID="1" presetClass="entr" presetSubtype="0" fill="hold" nodeType="withEffect">
+                                  <p:stCondLst>
+                                    <p:cond delay="0"/>
+                                  </p:stCondLst>
+                                  <p:childTnLst>
+                                    <p:set>
+                                      <p:cBhvr>
+                                        <p:cTn id="32" dur="1" fill="hold">
+                                          <p:stCondLst>
+                                            <p:cond delay="0"/>
+                                          </p:stCondLst>
+                                        </p:cTn>
+                                        <p:tgtEl>
+                                          <p:spTgt spid="5">
+                                            <p:txEl>
+                                              <p:pRg st="3" end="3"/>
+                                            </p:txEl>
+                                          </p:spTgt>
+                                        </p:tgtEl>
+                                        <p:attrNameLst>
+                                          <p:attrName>style.visibility</p:attrName>
+                                        </p:attrNameLst>
+                                      </p:cBhvr>
+                                      <p:to>
+                                        <p:strVal val="visible"/>
+                                      </p:to>
+                                    </p:set>
+                                  </p:childTnLst>
+                                </p:cTn>
+                              </p:par>
+                              <p:par>
+                                <p:cTn id="33" presetID="1" presetClass="entr" presetSubtype="0" fill="hold" nodeType="withEffect">
+                                  <p:stCondLst>
+                                    <p:cond delay="0"/>
+                                  </p:stCondLst>
+                                  <p:childTnLst>
+                                    <p:set>
+                                      <p:cBhvr>
+                                        <p:cTn id="34" dur="1" fill="hold">
+                                          <p:stCondLst>
+                                            <p:cond delay="0"/>
+                                          </p:stCondLst>
+                                        </p:cTn>
+                                        <p:tgtEl>
+                                          <p:spTgt spid="5">
+                                            <p:txEl>
+                                              <p:pRg st="4" end="4"/>
+                                            </p:txEl>
+                                          </p:spTgt>
+                                        </p:tgtEl>
+                                        <p:attrNameLst>
+                                          <p:attrName>style.visibility</p:attrName>
+                                        </p:attrNameLst>
+                                      </p:cBhvr>
+                                      <p:to>
+                                        <p:strVal val="visible"/>
+                                      </p:to>
+                                    </p:set>
+                                  </p:childTnLst>
+                                </p:cTn>
+                              </p:par>
+                              <p:par>
+                                <p:cTn id="35" presetID="1" presetClass="entr" presetSubtype="0" fill="hold" nodeType="withEffect">
+                                  <p:stCondLst>
+                                    <p:cond delay="0"/>
+                                  </p:stCondLst>
+                                  <p:childTnLst>
+                                    <p:set>
+                                      <p:cBhvr>
+                                        <p:cTn id="36" dur="1" fill="hold">
+                                          <p:stCondLst>
+                                            <p:cond delay="0"/>
+                                          </p:stCondLst>
+                                        </p:cTn>
+                                        <p:tgtEl>
+                                          <p:spTgt spid="5">
+                                            <p:txEl>
+                                              <p:pRg st="5" end="5"/>
+                                            </p:txEl>
+                                          </p:spTgt>
+                                        </p:tgtEl>
+                                        <p:attrNameLst>
+                                          <p:attrName>style.visibility</p:attrName>
+                                        </p:attrNameLst>
+                                      </p:cBhvr>
+                                      <p:to>
+                                        <p:strVal val="visible"/>
+                                      </p:to>
+                                    </p:set>
+                                  </p:childTnLst>
+                                </p:cTn>
+                              </p:par>
+                              <p:par>
+                                <p:cTn id="37" presetID="1" presetClass="entr" presetSubtype="0" fill="hold" nodeType="withEffect">
+                                  <p:stCondLst>
+                                    <p:cond delay="0"/>
+                                  </p:stCondLst>
+                                  <p:childTnLst>
+                                    <p:set>
+                                      <p:cBhvr>
+                                        <p:cTn id="38" dur="1" fill="hold">
+                                          <p:stCondLst>
+                                            <p:cond delay="0"/>
+                                          </p:stCondLst>
+                                        </p:cTn>
+                                        <p:tgtEl>
+                                          <p:spTgt spid="5">
+                                            <p:txEl>
+                                              <p:pRg st="6" end="6"/>
+                                            </p:txEl>
+                                          </p:spTgt>
+                                        </p:tgtEl>
+                                        <p:attrNameLst>
+                                          <p:attrName>style.visibility</p:attrName>
+                                        </p:attrNameLst>
+                                      </p:cBhvr>
+                                      <p:to>
+                                        <p:strVal val="visible"/>
+                                      </p:to>
+                                    </p:set>
+                                  </p:childTnLst>
+                                </p:cTn>
+                              </p:par>
+                              <p:par>
+                                <p:cTn id="39" presetID="1" presetClass="entr" presetSubtype="0" fill="hold" nodeType="withEffect">
+                                  <p:stCondLst>
+                                    <p:cond delay="0"/>
+                                  </p:stCondLst>
+                                  <p:childTnLst>
+                                    <p:set>
+                                      <p:cBhvr>
+                                        <p:cTn id="40" dur="1" fill="hold">
+                                          <p:stCondLst>
+                                            <p:cond delay="0"/>
+                                          </p:stCondLst>
+                                        </p:cTn>
+                                        <p:tgtEl>
+                                          <p:spTgt spid="5">
+                                            <p:txEl>
+                                              <p:pRg st="7" end="7"/>
+                                            </p:txEl>
+                                          </p:spTgt>
+                                        </p:tgtEl>
+                                        <p:attrNameLst>
+                                          <p:attrName>style.visibility</p:attrName>
+                                        </p:attrNameLst>
+                                      </p:cBhvr>
+                                      <p:to>
+                                        <p:strVal val="visible"/>
+                                      </p:to>
+                                    </p:set>
+                                  </p:childTnLst>
+                                </p:cTn>
+                              </p:par>
+                            </p:childTnLst>
+                          </p:cTn>
+                        </p:par>
+                      </p:childTnLst>
+                    </p:cTn>
+                  </p:par>
+                </p:childTnLst>
+              </p:cTn>
+              <p:prevCondLst>
+                <p:cond evt="onPrev" delay="0">
+                  <p:tgtEl>
+                    <p:sldTgt/>
+                  </p:tgtEl>
+                </p:cond>
+              </p:prevCondLst>
+              <p:nextCondLst>
+                <p:cond evt="onNext" delay="0">
+                  <p:tgtEl>
+                    <p:sldTgt/>
+                  </p:tgtEl>
+                </p:cond>
+              </p:nextCondLst>
+            </p:seq>
+          </p:childTnLst>
+        </p:cTn>
+      </p:par>
+    </p:tnLst>
+  </p:timing>
 </p:sld>
 </file>
 
@@ -7223,6 +9838,214 @@
   <p:clrMapOvr>
     <a:masterClrMapping/>
   </p:clrMapOvr>
+  <p:timing>
+    <p:tnLst>
+      <p:par>
+        <p:cTn id="1" dur="indefinite" restart="never" nodeType="tmRoot">
+          <p:childTnLst>
+            <p:seq concurrent="1" nextAc="seek">
+              <p:cTn id="2" dur="indefinite" nodeType="mainSeq">
+                <p:childTnLst>
+                  <p:par>
+                    <p:cTn id="3" fill="hold">
+                      <p:stCondLst>
+                        <p:cond delay="indefinite"/>
+                      </p:stCondLst>
+                      <p:childTnLst>
+                        <p:par>
+                          <p:cTn id="4" fill="hold">
+                            <p:stCondLst>
+                              <p:cond delay="0"/>
+                            </p:stCondLst>
+                            <p:childTnLst>
+                              <p:par>
+                                <p:cTn id="5" presetID="1" presetClass="entr" presetSubtype="0" fill="hold" nodeType="clickEffect">
+                                  <p:stCondLst>
+                                    <p:cond delay="0"/>
+                                  </p:stCondLst>
+                                  <p:childTnLst>
+                                    <p:set>
+                                      <p:cBhvr>
+                                        <p:cTn id="6" dur="1" fill="hold">
+                                          <p:stCondLst>
+                                            <p:cond delay="0"/>
+                                          </p:stCondLst>
+                                        </p:cTn>
+                                        <p:tgtEl>
+                                          <p:spTgt spid="3">
+                                            <p:txEl>
+                                              <p:pRg st="0" end="0"/>
+                                            </p:txEl>
+                                          </p:spTgt>
+                                        </p:tgtEl>
+                                        <p:attrNameLst>
+                                          <p:attrName>style.visibility</p:attrName>
+                                        </p:attrNameLst>
+                                      </p:cBhvr>
+                                      <p:to>
+                                        <p:strVal val="visible"/>
+                                      </p:to>
+                                    </p:set>
+                                  </p:childTnLst>
+                                </p:cTn>
+                              </p:par>
+                              <p:par>
+                                <p:cTn id="7" presetID="1" presetClass="entr" presetSubtype="0" fill="hold" nodeType="withEffect">
+                                  <p:stCondLst>
+                                    <p:cond delay="0"/>
+                                  </p:stCondLst>
+                                  <p:childTnLst>
+                                    <p:set>
+                                      <p:cBhvr>
+                                        <p:cTn id="8" dur="1" fill="hold">
+                                          <p:stCondLst>
+                                            <p:cond delay="0"/>
+                                          </p:stCondLst>
+                                        </p:cTn>
+                                        <p:tgtEl>
+                                          <p:spTgt spid="3">
+                                            <p:txEl>
+                                              <p:pRg st="1" end="1"/>
+                                            </p:txEl>
+                                          </p:spTgt>
+                                        </p:tgtEl>
+                                        <p:attrNameLst>
+                                          <p:attrName>style.visibility</p:attrName>
+                                        </p:attrNameLst>
+                                      </p:cBhvr>
+                                      <p:to>
+                                        <p:strVal val="visible"/>
+                                      </p:to>
+                                    </p:set>
+                                  </p:childTnLst>
+                                </p:cTn>
+                              </p:par>
+                            </p:childTnLst>
+                          </p:cTn>
+                        </p:par>
+                      </p:childTnLst>
+                    </p:cTn>
+                  </p:par>
+                  <p:par>
+                    <p:cTn id="9" fill="hold">
+                      <p:stCondLst>
+                        <p:cond delay="indefinite"/>
+                      </p:stCondLst>
+                      <p:childTnLst>
+                        <p:par>
+                          <p:cTn id="10" fill="hold">
+                            <p:stCondLst>
+                              <p:cond delay="0"/>
+                            </p:stCondLst>
+                            <p:childTnLst>
+                              <p:par>
+                                <p:cTn id="11" presetID="1" presetClass="entr" presetSubtype="0" fill="hold" nodeType="clickEffect">
+                                  <p:stCondLst>
+                                    <p:cond delay="0"/>
+                                  </p:stCondLst>
+                                  <p:childTnLst>
+                                    <p:set>
+                                      <p:cBhvr>
+                                        <p:cTn id="12" dur="1" fill="hold">
+                                          <p:stCondLst>
+                                            <p:cond delay="0"/>
+                                          </p:stCondLst>
+                                        </p:cTn>
+                                        <p:tgtEl>
+                                          <p:spTgt spid="3">
+                                            <p:txEl>
+                                              <p:pRg st="2" end="2"/>
+                                            </p:txEl>
+                                          </p:spTgt>
+                                        </p:tgtEl>
+                                        <p:attrNameLst>
+                                          <p:attrName>style.visibility</p:attrName>
+                                        </p:attrNameLst>
+                                      </p:cBhvr>
+                                      <p:to>
+                                        <p:strVal val="visible"/>
+                                      </p:to>
+                                    </p:set>
+                                  </p:childTnLst>
+                                </p:cTn>
+                              </p:par>
+                            </p:childTnLst>
+                          </p:cTn>
+                        </p:par>
+                      </p:childTnLst>
+                    </p:cTn>
+                  </p:par>
+                  <p:par>
+                    <p:cTn id="13" fill="hold">
+                      <p:stCondLst>
+                        <p:cond delay="indefinite"/>
+                      </p:stCondLst>
+                      <p:childTnLst>
+                        <p:par>
+                          <p:cTn id="14" fill="hold">
+                            <p:stCondLst>
+                              <p:cond delay="0"/>
+                            </p:stCondLst>
+                            <p:childTnLst>
+                              <p:par>
+                                <p:cTn id="15" presetID="1" presetClass="entr" presetSubtype="0" fill="hold" nodeType="clickEffect">
+                                  <p:stCondLst>
+                                    <p:cond delay="0"/>
+                                  </p:stCondLst>
+                                  <p:childTnLst>
+                                    <p:set>
+                                      <p:cBhvr>
+                                        <p:cTn id="16" dur="1" fill="hold">
+                                          <p:stCondLst>
+                                            <p:cond delay="0"/>
+                                          </p:stCondLst>
+                                        </p:cTn>
+                                        <p:tgtEl>
+                                          <p:spTgt spid="3">
+                                            <p:txEl>
+                                              <p:pRg st="3" end="3"/>
+                                            </p:txEl>
+                                          </p:spTgt>
+                                        </p:tgtEl>
+                                        <p:attrNameLst>
+                                          <p:attrName>style.visibility</p:attrName>
+                                        </p:attrNameLst>
+                                      </p:cBhvr>
+                                      <p:to>
+                                        <p:strVal val="visible"/>
+                                      </p:to>
+                                    </p:set>
+                                  </p:childTnLst>
+                                </p:cTn>
+                              </p:par>
+                            </p:childTnLst>
+                          </p:cTn>
+                        </p:par>
+                      </p:childTnLst>
+                    </p:cTn>
+                  </p:par>
+                </p:childTnLst>
+              </p:cTn>
+              <p:prevCondLst>
+                <p:cond evt="onPrev" delay="0">
+                  <p:tgtEl>
+                    <p:sldTgt/>
+                  </p:tgtEl>
+                </p:cond>
+              </p:prevCondLst>
+              <p:nextCondLst>
+                <p:cond evt="onNext" delay="0">
+                  <p:tgtEl>
+                    <p:sldTgt/>
+                  </p:tgtEl>
+                </p:cond>
+              </p:nextCondLst>
+            </p:seq>
+          </p:childTnLst>
+        </p:cTn>
+      </p:par>
+    </p:tnLst>
+  </p:timing>
 </p:sld>
 </file>
 
@@ -7398,7 +10221,7 @@
             <a:pPr algn="ctr"/>
             <a:r>
               <a:rPr lang="en-US"/>
-              <a:t>Typical workflow (Git)</a:t>
+              <a:t>Typical workflow (command line)</a:t>
             </a:r>
           </a:p>
         </p:txBody>
@@ -7435,8 +10258,15 @@
             </a:pPr>
             <a:r>
               <a:rPr lang="en-US"/>
-              <a:t>Look at Git Cheat Sheet</a:t>
-            </a:r>
+              <a:t>Look at </a:t>
+            </a:r>
+            <a:r>
+              <a:rPr lang="en-US">
+                <a:hlinkClick r:id="rId3"/>
+              </a:rPr>
+              <a:t>Git Cheat Sheet</a:t>
+            </a:r>
+            <a:endParaRPr lang="en-US"/>
           </a:p>
           <a:p>
             <a:pPr marL="514350" indent="-514350">
@@ -7506,45 +10336,6 @@
             <a:r>
               <a:rPr lang="en-US" b="1"/>
               <a:t>git push</a:t>
-            </a:r>
-          </a:p>
-        </p:txBody>
-      </p:sp>
-      <p:sp>
-        <p:nvSpPr>
-          <p:cNvPr id="4" name="TextBox 3">
-            <a:extLst>
-              <a:ext uri="{FF2B5EF4-FFF2-40B4-BE49-F238E27FC236}">
-                <a16:creationId xmlns:a16="http://schemas.microsoft.com/office/drawing/2014/main" id="{5B6C8040-2522-58A9-A5D0-B1EE171C1408}"/>
-              </a:ext>
-            </a:extLst>
-          </p:cNvPr>
-          <p:cNvSpPr txBox="1"/>
-          <p:nvPr/>
-        </p:nvSpPr>
-        <p:spPr>
-          <a:xfrm>
-            <a:off x="5699598" y="889097"/>
-            <a:ext cx="1088824" cy="369332"/>
-          </a:xfrm>
-          <a:prstGeom prst="rect">
-            <a:avLst/>
-          </a:prstGeom>
-          <a:noFill/>
-        </p:spPr>
-        <p:txBody>
-          <a:bodyPr wrap="none" rtlCol="0">
-            <a:spAutoFit/>
-          </a:bodyPr>
-          <a:lstStyle/>
-          <a:p>
-            <a:r>
-              <a:rPr lang="en-US">
-                <a:solidFill>
-                  <a:srgbClr val="FF0000"/>
-                </a:solidFill>
-              </a:rPr>
-              <a:t>Add links</a:t>
             </a:r>
           </a:p>
         </p:txBody>
